--- a/pres.pptx
+++ b/pres.pptx
@@ -4,17 +4,17 @@
   <p:sldMasterIdLst>
     <p:sldMasterId id="2147483648" r:id="rId2"/>
     <p:sldMasterId id="2147483661" r:id="rId3"/>
+    <p:sldMasterId id="2147483674" r:id="rId4"/>
   </p:sldMasterIdLst>
   <p:sldIdLst>
-    <p:sldId id="256" r:id="rId4"/>
-    <p:sldId id="257" r:id="rId5"/>
-    <p:sldId id="258" r:id="rId6"/>
-    <p:sldId id="259" r:id="rId7"/>
-    <p:sldId id="260" r:id="rId8"/>
-    <p:sldId id="261" r:id="rId9"/>
-    <p:sldId id="262" r:id="rId10"/>
-    <p:sldId id="263" r:id="rId11"/>
-    <p:sldId id="264" r:id="rId12"/>
+    <p:sldId id="256" r:id="rId5"/>
+    <p:sldId id="257" r:id="rId6"/>
+    <p:sldId id="258" r:id="rId7"/>
+    <p:sldId id="259" r:id="rId8"/>
+    <p:sldId id="260" r:id="rId9"/>
+    <p:sldId id="261" r:id="rId10"/>
+    <p:sldId id="262" r:id="rId11"/>
+    <p:sldId id="263" r:id="rId12"/>
   </p:sldIdLst>
   <p:sldSz cx="10080625" cy="7559675"/>
   <p:notesSz cx="7559675" cy="10691812"/>
@@ -62,7 +62,7 @@
       </p:grpSpPr>
       <p:sp>
         <p:nvSpPr>
-          <p:cNvPr id="26" name="PlaceHolder 1"/>
+          <p:cNvPr id="23" name="PlaceHolder 1"/>
           <p:cNvSpPr>
             <a:spLocks noGrp="1"/>
           </p:cNvSpPr>
@@ -72,8 +72,8 @@
         </p:nvSpPr>
         <p:spPr>
           <a:xfrm>
-            <a:off x="504000" y="1080000"/>
-            <a:ext cx="9071640" cy="1728000"/>
+            <a:off x="504000" y="301320"/>
+            <a:ext cx="9072000" cy="1261800"/>
           </a:xfrm>
           <a:prstGeom prst="rect">
             <a:avLst/>
@@ -85,76 +85,67 @@
           </a:bodyPr>
           <a:p>
             <a:pPr algn="ctr"/>
-            <a:endParaRPr b="0" lang="ru-RU" sz="5860" spc="-1" strike="noStrike">
-              <a:solidFill>
-                <a:srgbClr val="ffffff"/>
-              </a:solidFill>
-              <a:latin typeface="Arial"/>
-            </a:endParaRPr>
-          </a:p>
-        </p:txBody>
-      </p:sp>
-      <p:sp>
-        <p:nvSpPr>
-          <p:cNvPr id="27" name="PlaceHolder 2"/>
-          <p:cNvSpPr>
-            <a:spLocks noGrp="1"/>
-          </p:cNvSpPr>
-          <p:nvPr>
-            <p:ph type="body"/>
-          </p:nvPr>
-        </p:nvSpPr>
-        <p:spPr>
-          <a:xfrm>
-            <a:off x="504000" y="3168000"/>
-            <a:ext cx="9071640" cy="1751400"/>
-          </a:xfrm>
-          <a:prstGeom prst="rect">
-            <a:avLst/>
-          </a:prstGeom>
-        </p:spPr>
-        <p:txBody>
-          <a:bodyPr lIns="0" rIns="0" tIns="0" bIns="0">
-            <a:normAutofit/>
-          </a:bodyPr>
-          <a:p>
-            <a:endParaRPr b="0" lang="ru-RU" sz="4200" spc="-1" strike="noStrike">
-              <a:solidFill>
-                <a:srgbClr val="ffffff"/>
-              </a:solidFill>
-              <a:latin typeface="Arial"/>
-            </a:endParaRPr>
-          </a:p>
-        </p:txBody>
-      </p:sp>
-      <p:sp>
-        <p:nvSpPr>
-          <p:cNvPr id="28" name="PlaceHolder 3"/>
-          <p:cNvSpPr>
-            <a:spLocks noGrp="1"/>
-          </p:cNvSpPr>
-          <p:nvPr>
-            <p:ph type="body"/>
-          </p:nvPr>
-        </p:nvSpPr>
-        <p:spPr>
-          <a:xfrm>
-            <a:off x="504000" y="5086080"/>
-            <a:ext cx="9071640" cy="1751400"/>
-          </a:xfrm>
-          <a:prstGeom prst="rect">
-            <a:avLst/>
-          </a:prstGeom>
-        </p:spPr>
-        <p:txBody>
-          <a:bodyPr lIns="0" rIns="0" tIns="0" bIns="0">
-            <a:normAutofit/>
-          </a:bodyPr>
-          <a:p>
-            <a:endParaRPr b="0" lang="ru-RU" sz="4200" spc="-1" strike="noStrike">
-              <a:solidFill>
-                <a:srgbClr val="ffffff"/>
-              </a:solidFill>
+            <a:endParaRPr b="0" lang="ru-RU" sz="4400" spc="-1" strike="noStrike">
+              <a:latin typeface="Arial"/>
+            </a:endParaRPr>
+          </a:p>
+        </p:txBody>
+      </p:sp>
+      <p:sp>
+        <p:nvSpPr>
+          <p:cNvPr id="24" name="PlaceHolder 2"/>
+          <p:cNvSpPr>
+            <a:spLocks noGrp="1"/>
+          </p:cNvSpPr>
+          <p:nvPr>
+            <p:ph type="body"/>
+          </p:nvPr>
+        </p:nvSpPr>
+        <p:spPr>
+          <a:xfrm>
+            <a:off x="504000" y="1768680"/>
+            <a:ext cx="9072000" cy="2090880"/>
+          </a:xfrm>
+          <a:prstGeom prst="rect">
+            <a:avLst/>
+          </a:prstGeom>
+        </p:spPr>
+        <p:txBody>
+          <a:bodyPr lIns="0" rIns="0" tIns="0" bIns="0">
+            <a:normAutofit/>
+          </a:bodyPr>
+          <a:p>
+            <a:endParaRPr b="0" lang="ru-RU" sz="3200" spc="-1" strike="noStrike">
+              <a:latin typeface="Arial"/>
+            </a:endParaRPr>
+          </a:p>
+        </p:txBody>
+      </p:sp>
+      <p:sp>
+        <p:nvSpPr>
+          <p:cNvPr id="25" name="PlaceHolder 3"/>
+          <p:cNvSpPr>
+            <a:spLocks noGrp="1"/>
+          </p:cNvSpPr>
+          <p:nvPr>
+            <p:ph type="body"/>
+          </p:nvPr>
+        </p:nvSpPr>
+        <p:spPr>
+          <a:xfrm>
+            <a:off x="504000" y="4058640"/>
+            <a:ext cx="9072000" cy="2090880"/>
+          </a:xfrm>
+          <a:prstGeom prst="rect">
+            <a:avLst/>
+          </a:prstGeom>
+        </p:spPr>
+        <p:txBody>
+          <a:bodyPr lIns="0" rIns="0" tIns="0" bIns="0">
+            <a:normAutofit/>
+          </a:bodyPr>
+          <a:p>
+            <a:endParaRPr b="0" lang="ru-RU" sz="3200" spc="-1" strike="noStrike">
               <a:latin typeface="Arial"/>
             </a:endParaRPr>
           </a:p>
@@ -184,7 +175,7 @@
       </p:grpSpPr>
       <p:sp>
         <p:nvSpPr>
-          <p:cNvPr id="29" name="PlaceHolder 1"/>
+          <p:cNvPr id="26" name="PlaceHolder 1"/>
           <p:cNvSpPr>
             <a:spLocks noGrp="1"/>
           </p:cNvSpPr>
@@ -194,8 +185,8 @@
         </p:nvSpPr>
         <p:spPr>
           <a:xfrm>
-            <a:off x="504000" y="1080000"/>
-            <a:ext cx="9071640" cy="1728000"/>
+            <a:off x="504000" y="301320"/>
+            <a:ext cx="9072000" cy="1261800"/>
           </a:xfrm>
           <a:prstGeom prst="rect">
             <a:avLst/>
@@ -207,142 +198,127 @@
           </a:bodyPr>
           <a:p>
             <a:pPr algn="ctr"/>
-            <a:endParaRPr b="0" lang="ru-RU" sz="5860" spc="-1" strike="noStrike">
-              <a:solidFill>
-                <a:srgbClr val="ffffff"/>
-              </a:solidFill>
-              <a:latin typeface="Arial"/>
-            </a:endParaRPr>
-          </a:p>
-        </p:txBody>
-      </p:sp>
-      <p:sp>
-        <p:nvSpPr>
-          <p:cNvPr id="30" name="PlaceHolder 2"/>
-          <p:cNvSpPr>
-            <a:spLocks noGrp="1"/>
-          </p:cNvSpPr>
-          <p:nvPr>
-            <p:ph type="body"/>
-          </p:nvPr>
-        </p:nvSpPr>
-        <p:spPr>
-          <a:xfrm>
-            <a:off x="504000" y="3168000"/>
-            <a:ext cx="4426920" cy="1751400"/>
-          </a:xfrm>
-          <a:prstGeom prst="rect">
-            <a:avLst/>
-          </a:prstGeom>
-        </p:spPr>
-        <p:txBody>
-          <a:bodyPr lIns="0" rIns="0" tIns="0" bIns="0">
-            <a:normAutofit/>
-          </a:bodyPr>
-          <a:p>
-            <a:endParaRPr b="0" lang="ru-RU" sz="4200" spc="-1" strike="noStrike">
-              <a:solidFill>
-                <a:srgbClr val="ffffff"/>
-              </a:solidFill>
-              <a:latin typeface="Arial"/>
-            </a:endParaRPr>
-          </a:p>
-        </p:txBody>
-      </p:sp>
-      <p:sp>
-        <p:nvSpPr>
-          <p:cNvPr id="31" name="PlaceHolder 3"/>
-          <p:cNvSpPr>
-            <a:spLocks noGrp="1"/>
-          </p:cNvSpPr>
-          <p:nvPr>
-            <p:ph type="body"/>
-          </p:nvPr>
-        </p:nvSpPr>
-        <p:spPr>
-          <a:xfrm>
-            <a:off x="5152680" y="3168000"/>
-            <a:ext cx="4426920" cy="1751400"/>
-          </a:xfrm>
-          <a:prstGeom prst="rect">
-            <a:avLst/>
-          </a:prstGeom>
-        </p:spPr>
-        <p:txBody>
-          <a:bodyPr lIns="0" rIns="0" tIns="0" bIns="0">
-            <a:normAutofit/>
-          </a:bodyPr>
-          <a:p>
-            <a:endParaRPr b="0" lang="ru-RU" sz="4200" spc="-1" strike="noStrike">
-              <a:solidFill>
-                <a:srgbClr val="ffffff"/>
-              </a:solidFill>
-              <a:latin typeface="Arial"/>
-            </a:endParaRPr>
-          </a:p>
-        </p:txBody>
-      </p:sp>
-      <p:sp>
-        <p:nvSpPr>
-          <p:cNvPr id="32" name="PlaceHolder 4"/>
-          <p:cNvSpPr>
-            <a:spLocks noGrp="1"/>
-          </p:cNvSpPr>
-          <p:nvPr>
-            <p:ph type="body"/>
-          </p:nvPr>
-        </p:nvSpPr>
-        <p:spPr>
-          <a:xfrm>
-            <a:off x="504000" y="5086080"/>
-            <a:ext cx="4426920" cy="1751400"/>
-          </a:xfrm>
-          <a:prstGeom prst="rect">
-            <a:avLst/>
-          </a:prstGeom>
-        </p:spPr>
-        <p:txBody>
-          <a:bodyPr lIns="0" rIns="0" tIns="0" bIns="0">
-            <a:normAutofit/>
-          </a:bodyPr>
-          <a:p>
-            <a:endParaRPr b="0" lang="ru-RU" sz="4200" spc="-1" strike="noStrike">
-              <a:solidFill>
-                <a:srgbClr val="ffffff"/>
-              </a:solidFill>
-              <a:latin typeface="Arial"/>
-            </a:endParaRPr>
-          </a:p>
-        </p:txBody>
-      </p:sp>
-      <p:sp>
-        <p:nvSpPr>
-          <p:cNvPr id="33" name="PlaceHolder 5"/>
-          <p:cNvSpPr>
-            <a:spLocks noGrp="1"/>
-          </p:cNvSpPr>
-          <p:nvPr>
-            <p:ph type="body"/>
-          </p:nvPr>
-        </p:nvSpPr>
-        <p:spPr>
-          <a:xfrm>
-            <a:off x="5152680" y="5086080"/>
-            <a:ext cx="4426920" cy="1751400"/>
-          </a:xfrm>
-          <a:prstGeom prst="rect">
-            <a:avLst/>
-          </a:prstGeom>
-        </p:spPr>
-        <p:txBody>
-          <a:bodyPr lIns="0" rIns="0" tIns="0" bIns="0">
-            <a:normAutofit/>
-          </a:bodyPr>
-          <a:p>
-            <a:endParaRPr b="0" lang="ru-RU" sz="4200" spc="-1" strike="noStrike">
-              <a:solidFill>
-                <a:srgbClr val="ffffff"/>
-              </a:solidFill>
+            <a:endParaRPr b="0" lang="ru-RU" sz="4400" spc="-1" strike="noStrike">
+              <a:latin typeface="Arial"/>
+            </a:endParaRPr>
+          </a:p>
+        </p:txBody>
+      </p:sp>
+      <p:sp>
+        <p:nvSpPr>
+          <p:cNvPr id="27" name="PlaceHolder 2"/>
+          <p:cNvSpPr>
+            <a:spLocks noGrp="1"/>
+          </p:cNvSpPr>
+          <p:nvPr>
+            <p:ph type="body"/>
+          </p:nvPr>
+        </p:nvSpPr>
+        <p:spPr>
+          <a:xfrm>
+            <a:off x="504000" y="1768680"/>
+            <a:ext cx="4426920" cy="2090880"/>
+          </a:xfrm>
+          <a:prstGeom prst="rect">
+            <a:avLst/>
+          </a:prstGeom>
+        </p:spPr>
+        <p:txBody>
+          <a:bodyPr lIns="0" rIns="0" tIns="0" bIns="0">
+            <a:normAutofit/>
+          </a:bodyPr>
+          <a:p>
+            <a:endParaRPr b="0" lang="ru-RU" sz="3200" spc="-1" strike="noStrike">
+              <a:latin typeface="Arial"/>
+            </a:endParaRPr>
+          </a:p>
+        </p:txBody>
+      </p:sp>
+      <p:sp>
+        <p:nvSpPr>
+          <p:cNvPr id="28" name="PlaceHolder 3"/>
+          <p:cNvSpPr>
+            <a:spLocks noGrp="1"/>
+          </p:cNvSpPr>
+          <p:nvPr>
+            <p:ph type="body"/>
+          </p:nvPr>
+        </p:nvSpPr>
+        <p:spPr>
+          <a:xfrm>
+            <a:off x="5152680" y="1768680"/>
+            <a:ext cx="4426920" cy="2090880"/>
+          </a:xfrm>
+          <a:prstGeom prst="rect">
+            <a:avLst/>
+          </a:prstGeom>
+        </p:spPr>
+        <p:txBody>
+          <a:bodyPr lIns="0" rIns="0" tIns="0" bIns="0">
+            <a:normAutofit/>
+          </a:bodyPr>
+          <a:p>
+            <a:endParaRPr b="0" lang="ru-RU" sz="3200" spc="-1" strike="noStrike">
+              <a:latin typeface="Arial"/>
+            </a:endParaRPr>
+          </a:p>
+        </p:txBody>
+      </p:sp>
+      <p:sp>
+        <p:nvSpPr>
+          <p:cNvPr id="29" name="PlaceHolder 4"/>
+          <p:cNvSpPr>
+            <a:spLocks noGrp="1"/>
+          </p:cNvSpPr>
+          <p:nvPr>
+            <p:ph type="body"/>
+          </p:nvPr>
+        </p:nvSpPr>
+        <p:spPr>
+          <a:xfrm>
+            <a:off x="504000" y="4058640"/>
+            <a:ext cx="4426920" cy="2090880"/>
+          </a:xfrm>
+          <a:prstGeom prst="rect">
+            <a:avLst/>
+          </a:prstGeom>
+        </p:spPr>
+        <p:txBody>
+          <a:bodyPr lIns="0" rIns="0" tIns="0" bIns="0">
+            <a:normAutofit/>
+          </a:bodyPr>
+          <a:p>
+            <a:endParaRPr b="0" lang="ru-RU" sz="3200" spc="-1" strike="noStrike">
+              <a:latin typeface="Arial"/>
+            </a:endParaRPr>
+          </a:p>
+        </p:txBody>
+      </p:sp>
+      <p:sp>
+        <p:nvSpPr>
+          <p:cNvPr id="30" name="PlaceHolder 5"/>
+          <p:cNvSpPr>
+            <a:spLocks noGrp="1"/>
+          </p:cNvSpPr>
+          <p:nvPr>
+            <p:ph type="body"/>
+          </p:nvPr>
+        </p:nvSpPr>
+        <p:spPr>
+          <a:xfrm>
+            <a:off x="5152680" y="4058640"/>
+            <a:ext cx="4426920" cy="2090880"/>
+          </a:xfrm>
+          <a:prstGeom prst="rect">
+            <a:avLst/>
+          </a:prstGeom>
+        </p:spPr>
+        <p:txBody>
+          <a:bodyPr lIns="0" rIns="0" tIns="0" bIns="0">
+            <a:normAutofit/>
+          </a:bodyPr>
+          <a:p>
+            <a:endParaRPr b="0" lang="ru-RU" sz="3200" spc="-1" strike="noStrike">
               <a:latin typeface="Arial"/>
             </a:endParaRPr>
           </a:p>
@@ -372,7 +348,7 @@
       </p:grpSpPr>
       <p:sp>
         <p:nvSpPr>
-          <p:cNvPr id="34" name="PlaceHolder 1"/>
+          <p:cNvPr id="31" name="PlaceHolder 1"/>
           <p:cNvSpPr>
             <a:spLocks noGrp="1"/>
           </p:cNvSpPr>
@@ -382,8 +358,8 @@
         </p:nvSpPr>
         <p:spPr>
           <a:xfrm>
-            <a:off x="504000" y="1080000"/>
-            <a:ext cx="9071640" cy="1728000"/>
+            <a:off x="504000" y="301320"/>
+            <a:ext cx="9072000" cy="1261800"/>
           </a:xfrm>
           <a:prstGeom prst="rect">
             <a:avLst/>
@@ -395,208 +371,187 @@
           </a:bodyPr>
           <a:p>
             <a:pPr algn="ctr"/>
-            <a:endParaRPr b="0" lang="ru-RU" sz="5860" spc="-1" strike="noStrike">
-              <a:solidFill>
-                <a:srgbClr val="ffffff"/>
-              </a:solidFill>
-              <a:latin typeface="Arial"/>
-            </a:endParaRPr>
-          </a:p>
-        </p:txBody>
-      </p:sp>
-      <p:sp>
-        <p:nvSpPr>
-          <p:cNvPr id="35" name="PlaceHolder 2"/>
-          <p:cNvSpPr>
-            <a:spLocks noGrp="1"/>
-          </p:cNvSpPr>
-          <p:nvPr>
-            <p:ph type="body"/>
-          </p:nvPr>
-        </p:nvSpPr>
-        <p:spPr>
-          <a:xfrm>
-            <a:off x="504000" y="3168000"/>
-            <a:ext cx="2920680" cy="1751400"/>
-          </a:xfrm>
-          <a:prstGeom prst="rect">
-            <a:avLst/>
-          </a:prstGeom>
-        </p:spPr>
-        <p:txBody>
-          <a:bodyPr lIns="0" rIns="0" tIns="0" bIns="0">
-            <a:normAutofit/>
-          </a:bodyPr>
-          <a:p>
-            <a:endParaRPr b="0" lang="ru-RU" sz="4200" spc="-1" strike="noStrike">
-              <a:solidFill>
-                <a:srgbClr val="ffffff"/>
-              </a:solidFill>
-              <a:latin typeface="Arial"/>
-            </a:endParaRPr>
-          </a:p>
-        </p:txBody>
-      </p:sp>
-      <p:sp>
-        <p:nvSpPr>
-          <p:cNvPr id="36" name="PlaceHolder 3"/>
-          <p:cNvSpPr>
-            <a:spLocks noGrp="1"/>
-          </p:cNvSpPr>
-          <p:nvPr>
-            <p:ph type="body"/>
-          </p:nvPr>
-        </p:nvSpPr>
-        <p:spPr>
-          <a:xfrm>
-            <a:off x="3571200" y="3168000"/>
-            <a:ext cx="2920680" cy="1751400"/>
-          </a:xfrm>
-          <a:prstGeom prst="rect">
-            <a:avLst/>
-          </a:prstGeom>
-        </p:spPr>
-        <p:txBody>
-          <a:bodyPr lIns="0" rIns="0" tIns="0" bIns="0">
-            <a:normAutofit/>
-          </a:bodyPr>
-          <a:p>
-            <a:endParaRPr b="0" lang="ru-RU" sz="4200" spc="-1" strike="noStrike">
-              <a:solidFill>
-                <a:srgbClr val="ffffff"/>
-              </a:solidFill>
-              <a:latin typeface="Arial"/>
-            </a:endParaRPr>
-          </a:p>
-        </p:txBody>
-      </p:sp>
-      <p:sp>
-        <p:nvSpPr>
-          <p:cNvPr id="37" name="PlaceHolder 4"/>
-          <p:cNvSpPr>
-            <a:spLocks noGrp="1"/>
-          </p:cNvSpPr>
-          <p:nvPr>
-            <p:ph type="body"/>
-          </p:nvPr>
-        </p:nvSpPr>
-        <p:spPr>
-          <a:xfrm>
-            <a:off x="6638040" y="3168000"/>
-            <a:ext cx="2920680" cy="1751400"/>
-          </a:xfrm>
-          <a:prstGeom prst="rect">
-            <a:avLst/>
-          </a:prstGeom>
-        </p:spPr>
-        <p:txBody>
-          <a:bodyPr lIns="0" rIns="0" tIns="0" bIns="0">
-            <a:normAutofit/>
-          </a:bodyPr>
-          <a:p>
-            <a:endParaRPr b="0" lang="ru-RU" sz="4200" spc="-1" strike="noStrike">
-              <a:solidFill>
-                <a:srgbClr val="ffffff"/>
-              </a:solidFill>
-              <a:latin typeface="Arial"/>
-            </a:endParaRPr>
-          </a:p>
-        </p:txBody>
-      </p:sp>
-      <p:sp>
-        <p:nvSpPr>
-          <p:cNvPr id="38" name="PlaceHolder 5"/>
-          <p:cNvSpPr>
-            <a:spLocks noGrp="1"/>
-          </p:cNvSpPr>
-          <p:nvPr>
-            <p:ph type="body"/>
-          </p:nvPr>
-        </p:nvSpPr>
-        <p:spPr>
-          <a:xfrm>
-            <a:off x="504000" y="5086080"/>
-            <a:ext cx="2920680" cy="1751400"/>
-          </a:xfrm>
-          <a:prstGeom prst="rect">
-            <a:avLst/>
-          </a:prstGeom>
-        </p:spPr>
-        <p:txBody>
-          <a:bodyPr lIns="0" rIns="0" tIns="0" bIns="0">
-            <a:normAutofit/>
-          </a:bodyPr>
-          <a:p>
-            <a:endParaRPr b="0" lang="ru-RU" sz="4200" spc="-1" strike="noStrike">
-              <a:solidFill>
-                <a:srgbClr val="ffffff"/>
-              </a:solidFill>
-              <a:latin typeface="Arial"/>
-            </a:endParaRPr>
-          </a:p>
-        </p:txBody>
-      </p:sp>
-      <p:sp>
-        <p:nvSpPr>
-          <p:cNvPr id="39" name="PlaceHolder 6"/>
-          <p:cNvSpPr>
-            <a:spLocks noGrp="1"/>
-          </p:cNvSpPr>
-          <p:nvPr>
-            <p:ph type="body"/>
-          </p:nvPr>
-        </p:nvSpPr>
-        <p:spPr>
-          <a:xfrm>
-            <a:off x="3571200" y="5086080"/>
-            <a:ext cx="2920680" cy="1751400"/>
-          </a:xfrm>
-          <a:prstGeom prst="rect">
-            <a:avLst/>
-          </a:prstGeom>
-        </p:spPr>
-        <p:txBody>
-          <a:bodyPr lIns="0" rIns="0" tIns="0" bIns="0">
-            <a:normAutofit/>
-          </a:bodyPr>
-          <a:p>
-            <a:endParaRPr b="0" lang="ru-RU" sz="4200" spc="-1" strike="noStrike">
-              <a:solidFill>
-                <a:srgbClr val="ffffff"/>
-              </a:solidFill>
-              <a:latin typeface="Arial"/>
-            </a:endParaRPr>
-          </a:p>
-        </p:txBody>
-      </p:sp>
-      <p:sp>
-        <p:nvSpPr>
-          <p:cNvPr id="40" name="PlaceHolder 7"/>
-          <p:cNvSpPr>
-            <a:spLocks noGrp="1"/>
-          </p:cNvSpPr>
-          <p:nvPr>
-            <p:ph type="body"/>
-          </p:nvPr>
-        </p:nvSpPr>
-        <p:spPr>
-          <a:xfrm>
-            <a:off x="6638040" y="5086080"/>
-            <a:ext cx="2920680" cy="1751400"/>
-          </a:xfrm>
-          <a:prstGeom prst="rect">
-            <a:avLst/>
-          </a:prstGeom>
-        </p:spPr>
-        <p:txBody>
-          <a:bodyPr lIns="0" rIns="0" tIns="0" bIns="0">
-            <a:normAutofit/>
-          </a:bodyPr>
-          <a:p>
-            <a:endParaRPr b="0" lang="ru-RU" sz="4200" spc="-1" strike="noStrike">
-              <a:solidFill>
-                <a:srgbClr val="ffffff"/>
-              </a:solidFill>
+            <a:endParaRPr b="0" lang="ru-RU" sz="4400" spc="-1" strike="noStrike">
+              <a:latin typeface="Arial"/>
+            </a:endParaRPr>
+          </a:p>
+        </p:txBody>
+      </p:sp>
+      <p:sp>
+        <p:nvSpPr>
+          <p:cNvPr id="32" name="PlaceHolder 2"/>
+          <p:cNvSpPr>
+            <a:spLocks noGrp="1"/>
+          </p:cNvSpPr>
+          <p:nvPr>
+            <p:ph type="body"/>
+          </p:nvPr>
+        </p:nvSpPr>
+        <p:spPr>
+          <a:xfrm>
+            <a:off x="504000" y="1768680"/>
+            <a:ext cx="2921040" cy="2090880"/>
+          </a:xfrm>
+          <a:prstGeom prst="rect">
+            <a:avLst/>
+          </a:prstGeom>
+        </p:spPr>
+        <p:txBody>
+          <a:bodyPr lIns="0" rIns="0" tIns="0" bIns="0">
+            <a:normAutofit/>
+          </a:bodyPr>
+          <a:p>
+            <a:endParaRPr b="0" lang="ru-RU" sz="3200" spc="-1" strike="noStrike">
+              <a:latin typeface="Arial"/>
+            </a:endParaRPr>
+          </a:p>
+        </p:txBody>
+      </p:sp>
+      <p:sp>
+        <p:nvSpPr>
+          <p:cNvPr id="33" name="PlaceHolder 3"/>
+          <p:cNvSpPr>
+            <a:spLocks noGrp="1"/>
+          </p:cNvSpPr>
+          <p:nvPr>
+            <p:ph type="body"/>
+          </p:nvPr>
+        </p:nvSpPr>
+        <p:spPr>
+          <a:xfrm>
+            <a:off x="3571560" y="1768680"/>
+            <a:ext cx="2921040" cy="2090880"/>
+          </a:xfrm>
+          <a:prstGeom prst="rect">
+            <a:avLst/>
+          </a:prstGeom>
+        </p:spPr>
+        <p:txBody>
+          <a:bodyPr lIns="0" rIns="0" tIns="0" bIns="0">
+            <a:normAutofit/>
+          </a:bodyPr>
+          <a:p>
+            <a:endParaRPr b="0" lang="ru-RU" sz="3200" spc="-1" strike="noStrike">
+              <a:latin typeface="Arial"/>
+            </a:endParaRPr>
+          </a:p>
+        </p:txBody>
+      </p:sp>
+      <p:sp>
+        <p:nvSpPr>
+          <p:cNvPr id="34" name="PlaceHolder 4"/>
+          <p:cNvSpPr>
+            <a:spLocks noGrp="1"/>
+          </p:cNvSpPr>
+          <p:nvPr>
+            <p:ph type="body"/>
+          </p:nvPr>
+        </p:nvSpPr>
+        <p:spPr>
+          <a:xfrm>
+            <a:off x="6639120" y="1768680"/>
+            <a:ext cx="2921040" cy="2090880"/>
+          </a:xfrm>
+          <a:prstGeom prst="rect">
+            <a:avLst/>
+          </a:prstGeom>
+        </p:spPr>
+        <p:txBody>
+          <a:bodyPr lIns="0" rIns="0" tIns="0" bIns="0">
+            <a:normAutofit/>
+          </a:bodyPr>
+          <a:p>
+            <a:endParaRPr b="0" lang="ru-RU" sz="3200" spc="-1" strike="noStrike">
+              <a:latin typeface="Arial"/>
+            </a:endParaRPr>
+          </a:p>
+        </p:txBody>
+      </p:sp>
+      <p:sp>
+        <p:nvSpPr>
+          <p:cNvPr id="35" name="PlaceHolder 5"/>
+          <p:cNvSpPr>
+            <a:spLocks noGrp="1"/>
+          </p:cNvSpPr>
+          <p:nvPr>
+            <p:ph type="body"/>
+          </p:nvPr>
+        </p:nvSpPr>
+        <p:spPr>
+          <a:xfrm>
+            <a:off x="504000" y="4058640"/>
+            <a:ext cx="2921040" cy="2090880"/>
+          </a:xfrm>
+          <a:prstGeom prst="rect">
+            <a:avLst/>
+          </a:prstGeom>
+        </p:spPr>
+        <p:txBody>
+          <a:bodyPr lIns="0" rIns="0" tIns="0" bIns="0">
+            <a:normAutofit/>
+          </a:bodyPr>
+          <a:p>
+            <a:endParaRPr b="0" lang="ru-RU" sz="3200" spc="-1" strike="noStrike">
+              <a:latin typeface="Arial"/>
+            </a:endParaRPr>
+          </a:p>
+        </p:txBody>
+      </p:sp>
+      <p:sp>
+        <p:nvSpPr>
+          <p:cNvPr id="36" name="PlaceHolder 6"/>
+          <p:cNvSpPr>
+            <a:spLocks noGrp="1"/>
+          </p:cNvSpPr>
+          <p:nvPr>
+            <p:ph type="body"/>
+          </p:nvPr>
+        </p:nvSpPr>
+        <p:spPr>
+          <a:xfrm>
+            <a:off x="3571560" y="4058640"/>
+            <a:ext cx="2921040" cy="2090880"/>
+          </a:xfrm>
+          <a:prstGeom prst="rect">
+            <a:avLst/>
+          </a:prstGeom>
+        </p:spPr>
+        <p:txBody>
+          <a:bodyPr lIns="0" rIns="0" tIns="0" bIns="0">
+            <a:normAutofit/>
+          </a:bodyPr>
+          <a:p>
+            <a:endParaRPr b="0" lang="ru-RU" sz="3200" spc="-1" strike="noStrike">
+              <a:latin typeface="Arial"/>
+            </a:endParaRPr>
+          </a:p>
+        </p:txBody>
+      </p:sp>
+      <p:sp>
+        <p:nvSpPr>
+          <p:cNvPr id="37" name="PlaceHolder 7"/>
+          <p:cNvSpPr>
+            <a:spLocks noGrp="1"/>
+          </p:cNvSpPr>
+          <p:nvPr>
+            <p:ph type="body"/>
+          </p:nvPr>
+        </p:nvSpPr>
+        <p:spPr>
+          <a:xfrm>
+            <a:off x="6639120" y="4058640"/>
+            <a:ext cx="2921040" cy="2090880"/>
+          </a:xfrm>
+          <a:prstGeom prst="rect">
+            <a:avLst/>
+          </a:prstGeom>
+        </p:spPr>
+        <p:txBody>
+          <a:bodyPr lIns="0" rIns="0" tIns="0" bIns="0">
+            <a:normAutofit/>
+          </a:bodyPr>
+          <a:p>
+            <a:endParaRPr b="0" lang="ru-RU" sz="3200" spc="-1" strike="noStrike">
               <a:latin typeface="Arial"/>
             </a:endParaRPr>
           </a:p>
@@ -648,7 +603,7 @@
       </p:grpSpPr>
       <p:sp>
         <p:nvSpPr>
-          <p:cNvPr id="46" name="PlaceHolder 1"/>
+          <p:cNvPr id="40" name="PlaceHolder 1"/>
           <p:cNvSpPr>
             <a:spLocks noGrp="1"/>
           </p:cNvSpPr>
@@ -658,8 +613,8 @@
         </p:nvSpPr>
         <p:spPr>
           <a:xfrm>
-            <a:off x="504000" y="1080000"/>
-            <a:ext cx="9071640" cy="1728000"/>
+            <a:off x="504000" y="301320"/>
+            <a:ext cx="9072000" cy="1261800"/>
           </a:xfrm>
           <a:prstGeom prst="rect">
             <a:avLst/>
@@ -671,18 +626,15 @@
           </a:bodyPr>
           <a:p>
             <a:pPr algn="ctr"/>
-            <a:endParaRPr b="0" lang="ru-RU" sz="5860" spc="-1" strike="noStrike">
-              <a:solidFill>
-                <a:srgbClr val="ffffff"/>
-              </a:solidFill>
-              <a:latin typeface="Arial"/>
-            </a:endParaRPr>
-          </a:p>
-        </p:txBody>
-      </p:sp>
-      <p:sp>
-        <p:nvSpPr>
-          <p:cNvPr id="47" name="PlaceHolder 2"/>
+            <a:endParaRPr b="0" lang="ru-RU" sz="4400" spc="-1" strike="noStrike">
+              <a:latin typeface="Arial"/>
+            </a:endParaRPr>
+          </a:p>
+        </p:txBody>
+      </p:sp>
+      <p:sp>
+        <p:nvSpPr>
+          <p:cNvPr id="41" name="PlaceHolder 2"/>
           <p:cNvSpPr>
             <a:spLocks noGrp="1"/>
           </p:cNvSpPr>
@@ -692,8 +644,8 @@
         </p:nvSpPr>
         <p:spPr>
           <a:xfrm>
-            <a:off x="504000" y="3168000"/>
-            <a:ext cx="9071640" cy="3672000"/>
+            <a:off x="504000" y="1768680"/>
+            <a:ext cx="9072000" cy="4384080"/>
           </a:xfrm>
           <a:prstGeom prst="rect">
             <a:avLst/>
@@ -706,9 +658,6 @@
           <a:p>
             <a:pPr algn="ctr"/>
             <a:endParaRPr b="0" lang="ru-RU" sz="3200" spc="-1" strike="noStrike">
-              <a:solidFill>
-                <a:srgbClr val="ffffff"/>
-              </a:solidFill>
               <a:latin typeface="Arial"/>
             </a:endParaRPr>
           </a:p>
@@ -738,7 +687,7 @@
       </p:grpSpPr>
       <p:sp>
         <p:nvSpPr>
-          <p:cNvPr id="48" name="PlaceHolder 1"/>
+          <p:cNvPr id="42" name="PlaceHolder 1"/>
           <p:cNvSpPr>
             <a:spLocks noGrp="1"/>
           </p:cNvSpPr>
@@ -748,8 +697,8 @@
         </p:nvSpPr>
         <p:spPr>
           <a:xfrm>
-            <a:off x="504000" y="1080000"/>
-            <a:ext cx="9071640" cy="1728000"/>
+            <a:off x="504000" y="301320"/>
+            <a:ext cx="9072000" cy="1261800"/>
           </a:xfrm>
           <a:prstGeom prst="rect">
             <a:avLst/>
@@ -761,43 +710,37 @@
           </a:bodyPr>
           <a:p>
             <a:pPr algn="ctr"/>
-            <a:endParaRPr b="0" lang="ru-RU" sz="5860" spc="-1" strike="noStrike">
-              <a:solidFill>
-                <a:srgbClr val="ffffff"/>
-              </a:solidFill>
-              <a:latin typeface="Arial"/>
-            </a:endParaRPr>
-          </a:p>
-        </p:txBody>
-      </p:sp>
-      <p:sp>
-        <p:nvSpPr>
-          <p:cNvPr id="49" name="PlaceHolder 2"/>
-          <p:cNvSpPr>
-            <a:spLocks noGrp="1"/>
-          </p:cNvSpPr>
-          <p:nvPr>
-            <p:ph type="body"/>
-          </p:nvPr>
-        </p:nvSpPr>
-        <p:spPr>
-          <a:xfrm>
-            <a:off x="504000" y="3168000"/>
-            <a:ext cx="9071640" cy="3672000"/>
-          </a:xfrm>
-          <a:prstGeom prst="rect">
-            <a:avLst/>
-          </a:prstGeom>
-        </p:spPr>
-        <p:txBody>
-          <a:bodyPr lIns="0" rIns="0" tIns="0" bIns="0">
-            <a:normAutofit/>
-          </a:bodyPr>
-          <a:p>
-            <a:endParaRPr b="0" lang="ru-RU" sz="4200" spc="-1" strike="noStrike">
-              <a:solidFill>
-                <a:srgbClr val="ffffff"/>
-              </a:solidFill>
+            <a:endParaRPr b="0" lang="ru-RU" sz="4400" spc="-1" strike="noStrike">
+              <a:latin typeface="Arial"/>
+            </a:endParaRPr>
+          </a:p>
+        </p:txBody>
+      </p:sp>
+      <p:sp>
+        <p:nvSpPr>
+          <p:cNvPr id="43" name="PlaceHolder 2"/>
+          <p:cNvSpPr>
+            <a:spLocks noGrp="1"/>
+          </p:cNvSpPr>
+          <p:nvPr>
+            <p:ph type="body"/>
+          </p:nvPr>
+        </p:nvSpPr>
+        <p:spPr>
+          <a:xfrm>
+            <a:off x="504000" y="1768680"/>
+            <a:ext cx="9072000" cy="4384080"/>
+          </a:xfrm>
+          <a:prstGeom prst="rect">
+            <a:avLst/>
+          </a:prstGeom>
+        </p:spPr>
+        <p:txBody>
+          <a:bodyPr lIns="0" rIns="0" tIns="0" bIns="0">
+            <a:normAutofit/>
+          </a:bodyPr>
+          <a:p>
+            <a:endParaRPr b="0" lang="ru-RU" sz="3200" spc="-1" strike="noStrike">
               <a:latin typeface="Arial"/>
             </a:endParaRPr>
           </a:p>
@@ -827,7 +770,7 @@
       </p:grpSpPr>
       <p:sp>
         <p:nvSpPr>
-          <p:cNvPr id="50" name="PlaceHolder 1"/>
+          <p:cNvPr id="44" name="PlaceHolder 1"/>
           <p:cNvSpPr>
             <a:spLocks noGrp="1"/>
           </p:cNvSpPr>
@@ -837,8 +780,8 @@
         </p:nvSpPr>
         <p:spPr>
           <a:xfrm>
-            <a:off x="504000" y="1080000"/>
-            <a:ext cx="9071640" cy="1728000"/>
+            <a:off x="504000" y="301320"/>
+            <a:ext cx="9072000" cy="1261800"/>
           </a:xfrm>
           <a:prstGeom prst="rect">
             <a:avLst/>
@@ -850,76 +793,67 @@
           </a:bodyPr>
           <a:p>
             <a:pPr algn="ctr"/>
-            <a:endParaRPr b="0" lang="ru-RU" sz="5860" spc="-1" strike="noStrike">
-              <a:solidFill>
-                <a:srgbClr val="ffffff"/>
-              </a:solidFill>
-              <a:latin typeface="Arial"/>
-            </a:endParaRPr>
-          </a:p>
-        </p:txBody>
-      </p:sp>
-      <p:sp>
-        <p:nvSpPr>
-          <p:cNvPr id="51" name="PlaceHolder 2"/>
-          <p:cNvSpPr>
-            <a:spLocks noGrp="1"/>
-          </p:cNvSpPr>
-          <p:nvPr>
-            <p:ph type="body"/>
-          </p:nvPr>
-        </p:nvSpPr>
-        <p:spPr>
-          <a:xfrm>
-            <a:off x="504000" y="3168000"/>
-            <a:ext cx="4426920" cy="3672000"/>
-          </a:xfrm>
-          <a:prstGeom prst="rect">
-            <a:avLst/>
-          </a:prstGeom>
-        </p:spPr>
-        <p:txBody>
-          <a:bodyPr lIns="0" rIns="0" tIns="0" bIns="0">
-            <a:normAutofit/>
-          </a:bodyPr>
-          <a:p>
-            <a:endParaRPr b="0" lang="ru-RU" sz="4200" spc="-1" strike="noStrike">
-              <a:solidFill>
-                <a:srgbClr val="ffffff"/>
-              </a:solidFill>
-              <a:latin typeface="Arial"/>
-            </a:endParaRPr>
-          </a:p>
-        </p:txBody>
-      </p:sp>
-      <p:sp>
-        <p:nvSpPr>
-          <p:cNvPr id="52" name="PlaceHolder 3"/>
-          <p:cNvSpPr>
-            <a:spLocks noGrp="1"/>
-          </p:cNvSpPr>
-          <p:nvPr>
-            <p:ph type="body"/>
-          </p:nvPr>
-        </p:nvSpPr>
-        <p:spPr>
-          <a:xfrm>
-            <a:off x="5152680" y="3168000"/>
-            <a:ext cx="4426920" cy="3672000"/>
-          </a:xfrm>
-          <a:prstGeom prst="rect">
-            <a:avLst/>
-          </a:prstGeom>
-        </p:spPr>
-        <p:txBody>
-          <a:bodyPr lIns="0" rIns="0" tIns="0" bIns="0">
-            <a:normAutofit/>
-          </a:bodyPr>
-          <a:p>
-            <a:endParaRPr b="0" lang="ru-RU" sz="4200" spc="-1" strike="noStrike">
-              <a:solidFill>
-                <a:srgbClr val="ffffff"/>
-              </a:solidFill>
+            <a:endParaRPr b="0" lang="ru-RU" sz="4400" spc="-1" strike="noStrike">
+              <a:latin typeface="Arial"/>
+            </a:endParaRPr>
+          </a:p>
+        </p:txBody>
+      </p:sp>
+      <p:sp>
+        <p:nvSpPr>
+          <p:cNvPr id="45" name="PlaceHolder 2"/>
+          <p:cNvSpPr>
+            <a:spLocks noGrp="1"/>
+          </p:cNvSpPr>
+          <p:nvPr>
+            <p:ph type="body"/>
+          </p:nvPr>
+        </p:nvSpPr>
+        <p:spPr>
+          <a:xfrm>
+            <a:off x="504000" y="1768680"/>
+            <a:ext cx="4426920" cy="4384080"/>
+          </a:xfrm>
+          <a:prstGeom prst="rect">
+            <a:avLst/>
+          </a:prstGeom>
+        </p:spPr>
+        <p:txBody>
+          <a:bodyPr lIns="0" rIns="0" tIns="0" bIns="0">
+            <a:normAutofit/>
+          </a:bodyPr>
+          <a:p>
+            <a:endParaRPr b="0" lang="ru-RU" sz="3200" spc="-1" strike="noStrike">
+              <a:latin typeface="Arial"/>
+            </a:endParaRPr>
+          </a:p>
+        </p:txBody>
+      </p:sp>
+      <p:sp>
+        <p:nvSpPr>
+          <p:cNvPr id="46" name="PlaceHolder 3"/>
+          <p:cNvSpPr>
+            <a:spLocks noGrp="1"/>
+          </p:cNvSpPr>
+          <p:nvPr>
+            <p:ph type="body"/>
+          </p:nvPr>
+        </p:nvSpPr>
+        <p:spPr>
+          <a:xfrm>
+            <a:off x="5152680" y="1768680"/>
+            <a:ext cx="4426920" cy="4384080"/>
+          </a:xfrm>
+          <a:prstGeom prst="rect">
+            <a:avLst/>
+          </a:prstGeom>
+        </p:spPr>
+        <p:txBody>
+          <a:bodyPr lIns="0" rIns="0" tIns="0" bIns="0">
+            <a:normAutofit/>
+          </a:bodyPr>
+          <a:p>
+            <a:endParaRPr b="0" lang="ru-RU" sz="3200" spc="-1" strike="noStrike">
               <a:latin typeface="Arial"/>
             </a:endParaRPr>
           </a:p>
@@ -949,7 +883,7 @@
       </p:grpSpPr>
       <p:sp>
         <p:nvSpPr>
-          <p:cNvPr id="53" name="PlaceHolder 1"/>
+          <p:cNvPr id="47" name="PlaceHolder 1"/>
           <p:cNvSpPr>
             <a:spLocks noGrp="1"/>
           </p:cNvSpPr>
@@ -959,8 +893,8 @@
         </p:nvSpPr>
         <p:spPr>
           <a:xfrm>
-            <a:off x="504000" y="1080000"/>
-            <a:ext cx="9071640" cy="1728000"/>
+            <a:off x="504000" y="301320"/>
+            <a:ext cx="9072000" cy="1261800"/>
           </a:xfrm>
           <a:prstGeom prst="rect">
             <a:avLst/>
@@ -972,10 +906,7 @@
           </a:bodyPr>
           <a:p>
             <a:pPr algn="ctr"/>
-            <a:endParaRPr b="0" lang="ru-RU" sz="5860" spc="-1" strike="noStrike">
-              <a:solidFill>
-                <a:srgbClr val="ffffff"/>
-              </a:solidFill>
+            <a:endParaRPr b="0" lang="ru-RU" sz="4400" spc="-1" strike="noStrike">
               <a:latin typeface="Arial"/>
             </a:endParaRPr>
           </a:p>
@@ -1005,7 +936,7 @@
       </p:grpSpPr>
       <p:sp>
         <p:nvSpPr>
-          <p:cNvPr id="54" name="PlaceHolder 1"/>
+          <p:cNvPr id="48" name="PlaceHolder 1"/>
           <p:cNvSpPr>
             <a:spLocks noGrp="1"/>
           </p:cNvSpPr>
@@ -1015,8 +946,8 @@
         </p:nvSpPr>
         <p:spPr>
           <a:xfrm>
-            <a:off x="504000" y="1080000"/>
-            <a:ext cx="9071640" cy="8011440"/>
+            <a:off x="504000" y="301320"/>
+            <a:ext cx="9072000" cy="5850360"/>
           </a:xfrm>
           <a:prstGeom prst="rect">
             <a:avLst/>
@@ -1029,9 +960,6 @@
           <a:p>
             <a:pPr algn="ctr"/>
             <a:endParaRPr b="0" lang="ru-RU" sz="3200" spc="-1" strike="noStrike">
-              <a:solidFill>
-                <a:srgbClr val="ffffff"/>
-              </a:solidFill>
               <a:latin typeface="Arial"/>
             </a:endParaRPr>
           </a:p>
@@ -1061,7 +989,7 @@
       </p:grpSpPr>
       <p:sp>
         <p:nvSpPr>
-          <p:cNvPr id="55" name="PlaceHolder 1"/>
+          <p:cNvPr id="49" name="PlaceHolder 1"/>
           <p:cNvSpPr>
             <a:spLocks noGrp="1"/>
           </p:cNvSpPr>
@@ -1071,8 +999,8 @@
         </p:nvSpPr>
         <p:spPr>
           <a:xfrm>
-            <a:off x="504000" y="1080000"/>
-            <a:ext cx="9071640" cy="1728000"/>
+            <a:off x="504000" y="301320"/>
+            <a:ext cx="9072000" cy="1261800"/>
           </a:xfrm>
           <a:prstGeom prst="rect">
             <a:avLst/>
@@ -1084,109 +1012,97 @@
           </a:bodyPr>
           <a:p>
             <a:pPr algn="ctr"/>
-            <a:endParaRPr b="0" lang="ru-RU" sz="5860" spc="-1" strike="noStrike">
-              <a:solidFill>
-                <a:srgbClr val="ffffff"/>
-              </a:solidFill>
-              <a:latin typeface="Arial"/>
-            </a:endParaRPr>
-          </a:p>
-        </p:txBody>
-      </p:sp>
-      <p:sp>
-        <p:nvSpPr>
-          <p:cNvPr id="56" name="PlaceHolder 2"/>
-          <p:cNvSpPr>
-            <a:spLocks noGrp="1"/>
-          </p:cNvSpPr>
-          <p:nvPr>
-            <p:ph type="body"/>
-          </p:nvPr>
-        </p:nvSpPr>
-        <p:spPr>
-          <a:xfrm>
-            <a:off x="504000" y="3168000"/>
-            <a:ext cx="4426920" cy="1751400"/>
-          </a:xfrm>
-          <a:prstGeom prst="rect">
-            <a:avLst/>
-          </a:prstGeom>
-        </p:spPr>
-        <p:txBody>
-          <a:bodyPr lIns="0" rIns="0" tIns="0" bIns="0">
-            <a:normAutofit/>
-          </a:bodyPr>
-          <a:p>
-            <a:endParaRPr b="0" lang="ru-RU" sz="4200" spc="-1" strike="noStrike">
-              <a:solidFill>
-                <a:srgbClr val="ffffff"/>
-              </a:solidFill>
-              <a:latin typeface="Arial"/>
-            </a:endParaRPr>
-          </a:p>
-        </p:txBody>
-      </p:sp>
-      <p:sp>
-        <p:nvSpPr>
-          <p:cNvPr id="57" name="PlaceHolder 3"/>
-          <p:cNvSpPr>
-            <a:spLocks noGrp="1"/>
-          </p:cNvSpPr>
-          <p:nvPr>
-            <p:ph type="body"/>
-          </p:nvPr>
-        </p:nvSpPr>
-        <p:spPr>
-          <a:xfrm>
-            <a:off x="5152680" y="3168000"/>
-            <a:ext cx="4426920" cy="3672000"/>
-          </a:xfrm>
-          <a:prstGeom prst="rect">
-            <a:avLst/>
-          </a:prstGeom>
-        </p:spPr>
-        <p:txBody>
-          <a:bodyPr lIns="0" rIns="0" tIns="0" bIns="0">
-            <a:normAutofit/>
-          </a:bodyPr>
-          <a:p>
-            <a:endParaRPr b="0" lang="ru-RU" sz="4200" spc="-1" strike="noStrike">
-              <a:solidFill>
-                <a:srgbClr val="ffffff"/>
-              </a:solidFill>
-              <a:latin typeface="Arial"/>
-            </a:endParaRPr>
-          </a:p>
-        </p:txBody>
-      </p:sp>
-      <p:sp>
-        <p:nvSpPr>
-          <p:cNvPr id="58" name="PlaceHolder 4"/>
-          <p:cNvSpPr>
-            <a:spLocks noGrp="1"/>
-          </p:cNvSpPr>
-          <p:nvPr>
-            <p:ph type="body"/>
-          </p:nvPr>
-        </p:nvSpPr>
-        <p:spPr>
-          <a:xfrm>
-            <a:off x="504000" y="5086080"/>
-            <a:ext cx="4426920" cy="1751400"/>
-          </a:xfrm>
-          <a:prstGeom prst="rect">
-            <a:avLst/>
-          </a:prstGeom>
-        </p:spPr>
-        <p:txBody>
-          <a:bodyPr lIns="0" rIns="0" tIns="0" bIns="0">
-            <a:normAutofit/>
-          </a:bodyPr>
-          <a:p>
-            <a:endParaRPr b="0" lang="ru-RU" sz="4200" spc="-1" strike="noStrike">
-              <a:solidFill>
-                <a:srgbClr val="ffffff"/>
-              </a:solidFill>
+            <a:endParaRPr b="0" lang="ru-RU" sz="4400" spc="-1" strike="noStrike">
+              <a:latin typeface="Arial"/>
+            </a:endParaRPr>
+          </a:p>
+        </p:txBody>
+      </p:sp>
+      <p:sp>
+        <p:nvSpPr>
+          <p:cNvPr id="50" name="PlaceHolder 2"/>
+          <p:cNvSpPr>
+            <a:spLocks noGrp="1"/>
+          </p:cNvSpPr>
+          <p:nvPr>
+            <p:ph type="body"/>
+          </p:nvPr>
+        </p:nvSpPr>
+        <p:spPr>
+          <a:xfrm>
+            <a:off x="504000" y="1768680"/>
+            <a:ext cx="4426920" cy="2090880"/>
+          </a:xfrm>
+          <a:prstGeom prst="rect">
+            <a:avLst/>
+          </a:prstGeom>
+        </p:spPr>
+        <p:txBody>
+          <a:bodyPr lIns="0" rIns="0" tIns="0" bIns="0">
+            <a:normAutofit/>
+          </a:bodyPr>
+          <a:p>
+            <a:endParaRPr b="0" lang="ru-RU" sz="3200" spc="-1" strike="noStrike">
+              <a:latin typeface="Arial"/>
+            </a:endParaRPr>
+          </a:p>
+        </p:txBody>
+      </p:sp>
+      <p:sp>
+        <p:nvSpPr>
+          <p:cNvPr id="51" name="PlaceHolder 3"/>
+          <p:cNvSpPr>
+            <a:spLocks noGrp="1"/>
+          </p:cNvSpPr>
+          <p:nvPr>
+            <p:ph type="body"/>
+          </p:nvPr>
+        </p:nvSpPr>
+        <p:spPr>
+          <a:xfrm>
+            <a:off x="5152680" y="1768680"/>
+            <a:ext cx="4426920" cy="4384080"/>
+          </a:xfrm>
+          <a:prstGeom prst="rect">
+            <a:avLst/>
+          </a:prstGeom>
+        </p:spPr>
+        <p:txBody>
+          <a:bodyPr lIns="0" rIns="0" tIns="0" bIns="0">
+            <a:normAutofit/>
+          </a:bodyPr>
+          <a:p>
+            <a:endParaRPr b="0" lang="ru-RU" sz="3200" spc="-1" strike="noStrike">
+              <a:latin typeface="Arial"/>
+            </a:endParaRPr>
+          </a:p>
+        </p:txBody>
+      </p:sp>
+      <p:sp>
+        <p:nvSpPr>
+          <p:cNvPr id="52" name="PlaceHolder 4"/>
+          <p:cNvSpPr>
+            <a:spLocks noGrp="1"/>
+          </p:cNvSpPr>
+          <p:nvPr>
+            <p:ph type="body"/>
+          </p:nvPr>
+        </p:nvSpPr>
+        <p:spPr>
+          <a:xfrm>
+            <a:off x="504000" y="4058640"/>
+            <a:ext cx="4426920" cy="2090880"/>
+          </a:xfrm>
+          <a:prstGeom prst="rect">
+            <a:avLst/>
+          </a:prstGeom>
+        </p:spPr>
+        <p:txBody>
+          <a:bodyPr lIns="0" rIns="0" tIns="0" bIns="0">
+            <a:normAutofit/>
+          </a:bodyPr>
+          <a:p>
+            <a:endParaRPr b="0" lang="ru-RU" sz="3200" spc="-1" strike="noStrike">
               <a:latin typeface="Arial"/>
             </a:endParaRPr>
           </a:p>
@@ -1216,7 +1132,7 @@
       </p:grpSpPr>
       <p:sp>
         <p:nvSpPr>
-          <p:cNvPr id="5" name="PlaceHolder 1"/>
+          <p:cNvPr id="2" name="PlaceHolder 1"/>
           <p:cNvSpPr>
             <a:spLocks noGrp="1"/>
           </p:cNvSpPr>
@@ -1226,8 +1142,8 @@
         </p:nvSpPr>
         <p:spPr>
           <a:xfrm>
-            <a:off x="504000" y="1080000"/>
-            <a:ext cx="9071640" cy="1728000"/>
+            <a:off x="504000" y="301320"/>
+            <a:ext cx="9072000" cy="1261800"/>
           </a:xfrm>
           <a:prstGeom prst="rect">
             <a:avLst/>
@@ -1239,18 +1155,15 @@
           </a:bodyPr>
           <a:p>
             <a:pPr algn="ctr"/>
-            <a:endParaRPr b="0" lang="ru-RU" sz="5860" spc="-1" strike="noStrike">
-              <a:solidFill>
-                <a:srgbClr val="ffffff"/>
-              </a:solidFill>
-              <a:latin typeface="Arial"/>
-            </a:endParaRPr>
-          </a:p>
-        </p:txBody>
-      </p:sp>
-      <p:sp>
-        <p:nvSpPr>
-          <p:cNvPr id="6" name="PlaceHolder 2"/>
+            <a:endParaRPr b="0" lang="ru-RU" sz="4400" spc="-1" strike="noStrike">
+              <a:latin typeface="Arial"/>
+            </a:endParaRPr>
+          </a:p>
+        </p:txBody>
+      </p:sp>
+      <p:sp>
+        <p:nvSpPr>
+          <p:cNvPr id="3" name="PlaceHolder 2"/>
           <p:cNvSpPr>
             <a:spLocks noGrp="1"/>
           </p:cNvSpPr>
@@ -1260,8 +1173,8 @@
         </p:nvSpPr>
         <p:spPr>
           <a:xfrm>
-            <a:off x="504000" y="3168000"/>
-            <a:ext cx="9071640" cy="3672000"/>
+            <a:off x="504000" y="1768680"/>
+            <a:ext cx="9072000" cy="4384080"/>
           </a:xfrm>
           <a:prstGeom prst="rect">
             <a:avLst/>
@@ -1274,9 +1187,6 @@
           <a:p>
             <a:pPr algn="ctr"/>
             <a:endParaRPr b="0" lang="ru-RU" sz="3200" spc="-1" strike="noStrike">
-              <a:solidFill>
-                <a:srgbClr val="ffffff"/>
-              </a:solidFill>
               <a:latin typeface="Arial"/>
             </a:endParaRPr>
           </a:p>
@@ -1306,7 +1216,7 @@
       </p:grpSpPr>
       <p:sp>
         <p:nvSpPr>
-          <p:cNvPr id="59" name="PlaceHolder 1"/>
+          <p:cNvPr id="53" name="PlaceHolder 1"/>
           <p:cNvSpPr>
             <a:spLocks noGrp="1"/>
           </p:cNvSpPr>
@@ -1316,8 +1226,8 @@
         </p:nvSpPr>
         <p:spPr>
           <a:xfrm>
-            <a:off x="504000" y="1080000"/>
-            <a:ext cx="9071640" cy="1728000"/>
+            <a:off x="504000" y="301320"/>
+            <a:ext cx="9072000" cy="1261800"/>
           </a:xfrm>
           <a:prstGeom prst="rect">
             <a:avLst/>
@@ -1329,109 +1239,97 @@
           </a:bodyPr>
           <a:p>
             <a:pPr algn="ctr"/>
-            <a:endParaRPr b="0" lang="ru-RU" sz="5860" spc="-1" strike="noStrike">
-              <a:solidFill>
-                <a:srgbClr val="ffffff"/>
-              </a:solidFill>
-              <a:latin typeface="Arial"/>
-            </a:endParaRPr>
-          </a:p>
-        </p:txBody>
-      </p:sp>
-      <p:sp>
-        <p:nvSpPr>
-          <p:cNvPr id="60" name="PlaceHolder 2"/>
-          <p:cNvSpPr>
-            <a:spLocks noGrp="1"/>
-          </p:cNvSpPr>
-          <p:nvPr>
-            <p:ph type="body"/>
-          </p:nvPr>
-        </p:nvSpPr>
-        <p:spPr>
-          <a:xfrm>
-            <a:off x="504000" y="3168000"/>
-            <a:ext cx="4426920" cy="3672000"/>
-          </a:xfrm>
-          <a:prstGeom prst="rect">
-            <a:avLst/>
-          </a:prstGeom>
-        </p:spPr>
-        <p:txBody>
-          <a:bodyPr lIns="0" rIns="0" tIns="0" bIns="0">
-            <a:normAutofit/>
-          </a:bodyPr>
-          <a:p>
-            <a:endParaRPr b="0" lang="ru-RU" sz="4200" spc="-1" strike="noStrike">
-              <a:solidFill>
-                <a:srgbClr val="ffffff"/>
-              </a:solidFill>
-              <a:latin typeface="Arial"/>
-            </a:endParaRPr>
-          </a:p>
-        </p:txBody>
-      </p:sp>
-      <p:sp>
-        <p:nvSpPr>
-          <p:cNvPr id="61" name="PlaceHolder 3"/>
-          <p:cNvSpPr>
-            <a:spLocks noGrp="1"/>
-          </p:cNvSpPr>
-          <p:nvPr>
-            <p:ph type="body"/>
-          </p:nvPr>
-        </p:nvSpPr>
-        <p:spPr>
-          <a:xfrm>
-            <a:off x="5152680" y="3168000"/>
-            <a:ext cx="4426920" cy="1751400"/>
-          </a:xfrm>
-          <a:prstGeom prst="rect">
-            <a:avLst/>
-          </a:prstGeom>
-        </p:spPr>
-        <p:txBody>
-          <a:bodyPr lIns="0" rIns="0" tIns="0" bIns="0">
-            <a:normAutofit/>
-          </a:bodyPr>
-          <a:p>
-            <a:endParaRPr b="0" lang="ru-RU" sz="4200" spc="-1" strike="noStrike">
-              <a:solidFill>
-                <a:srgbClr val="ffffff"/>
-              </a:solidFill>
-              <a:latin typeface="Arial"/>
-            </a:endParaRPr>
-          </a:p>
-        </p:txBody>
-      </p:sp>
-      <p:sp>
-        <p:nvSpPr>
-          <p:cNvPr id="62" name="PlaceHolder 4"/>
-          <p:cNvSpPr>
-            <a:spLocks noGrp="1"/>
-          </p:cNvSpPr>
-          <p:nvPr>
-            <p:ph type="body"/>
-          </p:nvPr>
-        </p:nvSpPr>
-        <p:spPr>
-          <a:xfrm>
-            <a:off x="5152680" y="5086080"/>
-            <a:ext cx="4426920" cy="1751400"/>
-          </a:xfrm>
-          <a:prstGeom prst="rect">
-            <a:avLst/>
-          </a:prstGeom>
-        </p:spPr>
-        <p:txBody>
-          <a:bodyPr lIns="0" rIns="0" tIns="0" bIns="0">
-            <a:normAutofit/>
-          </a:bodyPr>
-          <a:p>
-            <a:endParaRPr b="0" lang="ru-RU" sz="4200" spc="-1" strike="noStrike">
-              <a:solidFill>
-                <a:srgbClr val="ffffff"/>
-              </a:solidFill>
+            <a:endParaRPr b="0" lang="ru-RU" sz="4400" spc="-1" strike="noStrike">
+              <a:latin typeface="Arial"/>
+            </a:endParaRPr>
+          </a:p>
+        </p:txBody>
+      </p:sp>
+      <p:sp>
+        <p:nvSpPr>
+          <p:cNvPr id="54" name="PlaceHolder 2"/>
+          <p:cNvSpPr>
+            <a:spLocks noGrp="1"/>
+          </p:cNvSpPr>
+          <p:nvPr>
+            <p:ph type="body"/>
+          </p:nvPr>
+        </p:nvSpPr>
+        <p:spPr>
+          <a:xfrm>
+            <a:off x="504000" y="1768680"/>
+            <a:ext cx="4426920" cy="4384080"/>
+          </a:xfrm>
+          <a:prstGeom prst="rect">
+            <a:avLst/>
+          </a:prstGeom>
+        </p:spPr>
+        <p:txBody>
+          <a:bodyPr lIns="0" rIns="0" tIns="0" bIns="0">
+            <a:normAutofit/>
+          </a:bodyPr>
+          <a:p>
+            <a:endParaRPr b="0" lang="ru-RU" sz="3200" spc="-1" strike="noStrike">
+              <a:latin typeface="Arial"/>
+            </a:endParaRPr>
+          </a:p>
+        </p:txBody>
+      </p:sp>
+      <p:sp>
+        <p:nvSpPr>
+          <p:cNvPr id="55" name="PlaceHolder 3"/>
+          <p:cNvSpPr>
+            <a:spLocks noGrp="1"/>
+          </p:cNvSpPr>
+          <p:nvPr>
+            <p:ph type="body"/>
+          </p:nvPr>
+        </p:nvSpPr>
+        <p:spPr>
+          <a:xfrm>
+            <a:off x="5152680" y="1768680"/>
+            <a:ext cx="4426920" cy="2090880"/>
+          </a:xfrm>
+          <a:prstGeom prst="rect">
+            <a:avLst/>
+          </a:prstGeom>
+        </p:spPr>
+        <p:txBody>
+          <a:bodyPr lIns="0" rIns="0" tIns="0" bIns="0">
+            <a:normAutofit/>
+          </a:bodyPr>
+          <a:p>
+            <a:endParaRPr b="0" lang="ru-RU" sz="3200" spc="-1" strike="noStrike">
+              <a:latin typeface="Arial"/>
+            </a:endParaRPr>
+          </a:p>
+        </p:txBody>
+      </p:sp>
+      <p:sp>
+        <p:nvSpPr>
+          <p:cNvPr id="56" name="PlaceHolder 4"/>
+          <p:cNvSpPr>
+            <a:spLocks noGrp="1"/>
+          </p:cNvSpPr>
+          <p:nvPr>
+            <p:ph type="body"/>
+          </p:nvPr>
+        </p:nvSpPr>
+        <p:spPr>
+          <a:xfrm>
+            <a:off x="5152680" y="4058640"/>
+            <a:ext cx="4426920" cy="2090880"/>
+          </a:xfrm>
+          <a:prstGeom prst="rect">
+            <a:avLst/>
+          </a:prstGeom>
+        </p:spPr>
+        <p:txBody>
+          <a:bodyPr lIns="0" rIns="0" tIns="0" bIns="0">
+            <a:normAutofit/>
+          </a:bodyPr>
+          <a:p>
+            <a:endParaRPr b="0" lang="ru-RU" sz="3200" spc="-1" strike="noStrike">
               <a:latin typeface="Arial"/>
             </a:endParaRPr>
           </a:p>
@@ -1461,7 +1359,7 @@
       </p:grpSpPr>
       <p:sp>
         <p:nvSpPr>
-          <p:cNvPr id="63" name="PlaceHolder 1"/>
+          <p:cNvPr id="57" name="PlaceHolder 1"/>
           <p:cNvSpPr>
             <a:spLocks noGrp="1"/>
           </p:cNvSpPr>
@@ -1471,8 +1369,8 @@
         </p:nvSpPr>
         <p:spPr>
           <a:xfrm>
-            <a:off x="504000" y="1080000"/>
-            <a:ext cx="9071640" cy="1728000"/>
+            <a:off x="504000" y="301320"/>
+            <a:ext cx="9072000" cy="1261800"/>
           </a:xfrm>
           <a:prstGeom prst="rect">
             <a:avLst/>
@@ -1484,109 +1382,97 @@
           </a:bodyPr>
           <a:p>
             <a:pPr algn="ctr"/>
-            <a:endParaRPr b="0" lang="ru-RU" sz="5860" spc="-1" strike="noStrike">
-              <a:solidFill>
-                <a:srgbClr val="ffffff"/>
-              </a:solidFill>
-              <a:latin typeface="Arial"/>
-            </a:endParaRPr>
-          </a:p>
-        </p:txBody>
-      </p:sp>
-      <p:sp>
-        <p:nvSpPr>
-          <p:cNvPr id="64" name="PlaceHolder 2"/>
-          <p:cNvSpPr>
-            <a:spLocks noGrp="1"/>
-          </p:cNvSpPr>
-          <p:nvPr>
-            <p:ph type="body"/>
-          </p:nvPr>
-        </p:nvSpPr>
-        <p:spPr>
-          <a:xfrm>
-            <a:off x="504000" y="3168000"/>
-            <a:ext cx="4426920" cy="1751400"/>
-          </a:xfrm>
-          <a:prstGeom prst="rect">
-            <a:avLst/>
-          </a:prstGeom>
-        </p:spPr>
-        <p:txBody>
-          <a:bodyPr lIns="0" rIns="0" tIns="0" bIns="0">
-            <a:normAutofit/>
-          </a:bodyPr>
-          <a:p>
-            <a:endParaRPr b="0" lang="ru-RU" sz="4200" spc="-1" strike="noStrike">
-              <a:solidFill>
-                <a:srgbClr val="ffffff"/>
-              </a:solidFill>
-              <a:latin typeface="Arial"/>
-            </a:endParaRPr>
-          </a:p>
-        </p:txBody>
-      </p:sp>
-      <p:sp>
-        <p:nvSpPr>
-          <p:cNvPr id="65" name="PlaceHolder 3"/>
-          <p:cNvSpPr>
-            <a:spLocks noGrp="1"/>
-          </p:cNvSpPr>
-          <p:nvPr>
-            <p:ph type="body"/>
-          </p:nvPr>
-        </p:nvSpPr>
-        <p:spPr>
-          <a:xfrm>
-            <a:off x="5152680" y="3168000"/>
-            <a:ext cx="4426920" cy="1751400"/>
-          </a:xfrm>
-          <a:prstGeom prst="rect">
-            <a:avLst/>
-          </a:prstGeom>
-        </p:spPr>
-        <p:txBody>
-          <a:bodyPr lIns="0" rIns="0" tIns="0" bIns="0">
-            <a:normAutofit/>
-          </a:bodyPr>
-          <a:p>
-            <a:endParaRPr b="0" lang="ru-RU" sz="4200" spc="-1" strike="noStrike">
-              <a:solidFill>
-                <a:srgbClr val="ffffff"/>
-              </a:solidFill>
-              <a:latin typeface="Arial"/>
-            </a:endParaRPr>
-          </a:p>
-        </p:txBody>
-      </p:sp>
-      <p:sp>
-        <p:nvSpPr>
-          <p:cNvPr id="66" name="PlaceHolder 4"/>
-          <p:cNvSpPr>
-            <a:spLocks noGrp="1"/>
-          </p:cNvSpPr>
-          <p:nvPr>
-            <p:ph type="body"/>
-          </p:nvPr>
-        </p:nvSpPr>
-        <p:spPr>
-          <a:xfrm>
-            <a:off x="504000" y="5086080"/>
-            <a:ext cx="9071640" cy="1751400"/>
-          </a:xfrm>
-          <a:prstGeom prst="rect">
-            <a:avLst/>
-          </a:prstGeom>
-        </p:spPr>
-        <p:txBody>
-          <a:bodyPr lIns="0" rIns="0" tIns="0" bIns="0">
-            <a:normAutofit/>
-          </a:bodyPr>
-          <a:p>
-            <a:endParaRPr b="0" lang="ru-RU" sz="4200" spc="-1" strike="noStrike">
-              <a:solidFill>
-                <a:srgbClr val="ffffff"/>
-              </a:solidFill>
+            <a:endParaRPr b="0" lang="ru-RU" sz="4400" spc="-1" strike="noStrike">
+              <a:latin typeface="Arial"/>
+            </a:endParaRPr>
+          </a:p>
+        </p:txBody>
+      </p:sp>
+      <p:sp>
+        <p:nvSpPr>
+          <p:cNvPr id="58" name="PlaceHolder 2"/>
+          <p:cNvSpPr>
+            <a:spLocks noGrp="1"/>
+          </p:cNvSpPr>
+          <p:nvPr>
+            <p:ph type="body"/>
+          </p:nvPr>
+        </p:nvSpPr>
+        <p:spPr>
+          <a:xfrm>
+            <a:off x="504000" y="1768680"/>
+            <a:ext cx="4426920" cy="2090880"/>
+          </a:xfrm>
+          <a:prstGeom prst="rect">
+            <a:avLst/>
+          </a:prstGeom>
+        </p:spPr>
+        <p:txBody>
+          <a:bodyPr lIns="0" rIns="0" tIns="0" bIns="0">
+            <a:normAutofit/>
+          </a:bodyPr>
+          <a:p>
+            <a:endParaRPr b="0" lang="ru-RU" sz="3200" spc="-1" strike="noStrike">
+              <a:latin typeface="Arial"/>
+            </a:endParaRPr>
+          </a:p>
+        </p:txBody>
+      </p:sp>
+      <p:sp>
+        <p:nvSpPr>
+          <p:cNvPr id="59" name="PlaceHolder 3"/>
+          <p:cNvSpPr>
+            <a:spLocks noGrp="1"/>
+          </p:cNvSpPr>
+          <p:nvPr>
+            <p:ph type="body"/>
+          </p:nvPr>
+        </p:nvSpPr>
+        <p:spPr>
+          <a:xfrm>
+            <a:off x="5152680" y="1768680"/>
+            <a:ext cx="4426920" cy="2090880"/>
+          </a:xfrm>
+          <a:prstGeom prst="rect">
+            <a:avLst/>
+          </a:prstGeom>
+        </p:spPr>
+        <p:txBody>
+          <a:bodyPr lIns="0" rIns="0" tIns="0" bIns="0">
+            <a:normAutofit/>
+          </a:bodyPr>
+          <a:p>
+            <a:endParaRPr b="0" lang="ru-RU" sz="3200" spc="-1" strike="noStrike">
+              <a:latin typeface="Arial"/>
+            </a:endParaRPr>
+          </a:p>
+        </p:txBody>
+      </p:sp>
+      <p:sp>
+        <p:nvSpPr>
+          <p:cNvPr id="60" name="PlaceHolder 4"/>
+          <p:cNvSpPr>
+            <a:spLocks noGrp="1"/>
+          </p:cNvSpPr>
+          <p:nvPr>
+            <p:ph type="body"/>
+          </p:nvPr>
+        </p:nvSpPr>
+        <p:spPr>
+          <a:xfrm>
+            <a:off x="504000" y="4058640"/>
+            <a:ext cx="9072000" cy="2090880"/>
+          </a:xfrm>
+          <a:prstGeom prst="rect">
+            <a:avLst/>
+          </a:prstGeom>
+        </p:spPr>
+        <p:txBody>
+          <a:bodyPr lIns="0" rIns="0" tIns="0" bIns="0">
+            <a:normAutofit/>
+          </a:bodyPr>
+          <a:p>
+            <a:endParaRPr b="0" lang="ru-RU" sz="3200" spc="-1" strike="noStrike">
               <a:latin typeface="Arial"/>
             </a:endParaRPr>
           </a:p>
@@ -1616,7 +1502,7 @@
       </p:grpSpPr>
       <p:sp>
         <p:nvSpPr>
-          <p:cNvPr id="67" name="PlaceHolder 1"/>
+          <p:cNvPr id="61" name="PlaceHolder 1"/>
           <p:cNvSpPr>
             <a:spLocks noGrp="1"/>
           </p:cNvSpPr>
@@ -1626,8 +1512,8 @@
         </p:nvSpPr>
         <p:spPr>
           <a:xfrm>
-            <a:off x="504000" y="1080000"/>
-            <a:ext cx="9071640" cy="1728000"/>
+            <a:off x="504000" y="301320"/>
+            <a:ext cx="9072000" cy="1261800"/>
           </a:xfrm>
           <a:prstGeom prst="rect">
             <a:avLst/>
@@ -1639,76 +1525,67 @@
           </a:bodyPr>
           <a:p>
             <a:pPr algn="ctr"/>
-            <a:endParaRPr b="0" lang="ru-RU" sz="5860" spc="-1" strike="noStrike">
-              <a:solidFill>
-                <a:srgbClr val="ffffff"/>
-              </a:solidFill>
-              <a:latin typeface="Arial"/>
-            </a:endParaRPr>
-          </a:p>
-        </p:txBody>
-      </p:sp>
-      <p:sp>
-        <p:nvSpPr>
-          <p:cNvPr id="68" name="PlaceHolder 2"/>
-          <p:cNvSpPr>
-            <a:spLocks noGrp="1"/>
-          </p:cNvSpPr>
-          <p:nvPr>
-            <p:ph type="body"/>
-          </p:nvPr>
-        </p:nvSpPr>
-        <p:spPr>
-          <a:xfrm>
-            <a:off x="504000" y="3168000"/>
-            <a:ext cx="9071640" cy="1751400"/>
-          </a:xfrm>
-          <a:prstGeom prst="rect">
-            <a:avLst/>
-          </a:prstGeom>
-        </p:spPr>
-        <p:txBody>
-          <a:bodyPr lIns="0" rIns="0" tIns="0" bIns="0">
-            <a:normAutofit/>
-          </a:bodyPr>
-          <a:p>
-            <a:endParaRPr b="0" lang="ru-RU" sz="4200" spc="-1" strike="noStrike">
-              <a:solidFill>
-                <a:srgbClr val="ffffff"/>
-              </a:solidFill>
-              <a:latin typeface="Arial"/>
-            </a:endParaRPr>
-          </a:p>
-        </p:txBody>
-      </p:sp>
-      <p:sp>
-        <p:nvSpPr>
-          <p:cNvPr id="69" name="PlaceHolder 3"/>
-          <p:cNvSpPr>
-            <a:spLocks noGrp="1"/>
-          </p:cNvSpPr>
-          <p:nvPr>
-            <p:ph type="body"/>
-          </p:nvPr>
-        </p:nvSpPr>
-        <p:spPr>
-          <a:xfrm>
-            <a:off x="504000" y="5086080"/>
-            <a:ext cx="9071640" cy="1751400"/>
-          </a:xfrm>
-          <a:prstGeom prst="rect">
-            <a:avLst/>
-          </a:prstGeom>
-        </p:spPr>
-        <p:txBody>
-          <a:bodyPr lIns="0" rIns="0" tIns="0" bIns="0">
-            <a:normAutofit/>
-          </a:bodyPr>
-          <a:p>
-            <a:endParaRPr b="0" lang="ru-RU" sz="4200" spc="-1" strike="noStrike">
-              <a:solidFill>
-                <a:srgbClr val="ffffff"/>
-              </a:solidFill>
+            <a:endParaRPr b="0" lang="ru-RU" sz="4400" spc="-1" strike="noStrike">
+              <a:latin typeface="Arial"/>
+            </a:endParaRPr>
+          </a:p>
+        </p:txBody>
+      </p:sp>
+      <p:sp>
+        <p:nvSpPr>
+          <p:cNvPr id="62" name="PlaceHolder 2"/>
+          <p:cNvSpPr>
+            <a:spLocks noGrp="1"/>
+          </p:cNvSpPr>
+          <p:nvPr>
+            <p:ph type="body"/>
+          </p:nvPr>
+        </p:nvSpPr>
+        <p:spPr>
+          <a:xfrm>
+            <a:off x="504000" y="1768680"/>
+            <a:ext cx="9072000" cy="2090880"/>
+          </a:xfrm>
+          <a:prstGeom prst="rect">
+            <a:avLst/>
+          </a:prstGeom>
+        </p:spPr>
+        <p:txBody>
+          <a:bodyPr lIns="0" rIns="0" tIns="0" bIns="0">
+            <a:normAutofit/>
+          </a:bodyPr>
+          <a:p>
+            <a:endParaRPr b="0" lang="ru-RU" sz="3200" spc="-1" strike="noStrike">
+              <a:latin typeface="Arial"/>
+            </a:endParaRPr>
+          </a:p>
+        </p:txBody>
+      </p:sp>
+      <p:sp>
+        <p:nvSpPr>
+          <p:cNvPr id="63" name="PlaceHolder 3"/>
+          <p:cNvSpPr>
+            <a:spLocks noGrp="1"/>
+          </p:cNvSpPr>
+          <p:nvPr>
+            <p:ph type="body"/>
+          </p:nvPr>
+        </p:nvSpPr>
+        <p:spPr>
+          <a:xfrm>
+            <a:off x="504000" y="4058640"/>
+            <a:ext cx="9072000" cy="2090880"/>
+          </a:xfrm>
+          <a:prstGeom prst="rect">
+            <a:avLst/>
+          </a:prstGeom>
+        </p:spPr>
+        <p:txBody>
+          <a:bodyPr lIns="0" rIns="0" tIns="0" bIns="0">
+            <a:normAutofit/>
+          </a:bodyPr>
+          <a:p>
+            <a:endParaRPr b="0" lang="ru-RU" sz="3200" spc="-1" strike="noStrike">
               <a:latin typeface="Arial"/>
             </a:endParaRPr>
           </a:p>
@@ -1738,7 +1615,7 @@
       </p:grpSpPr>
       <p:sp>
         <p:nvSpPr>
-          <p:cNvPr id="70" name="PlaceHolder 1"/>
+          <p:cNvPr id="64" name="PlaceHolder 1"/>
           <p:cNvSpPr>
             <a:spLocks noGrp="1"/>
           </p:cNvSpPr>
@@ -1748,8 +1625,8 @@
         </p:nvSpPr>
         <p:spPr>
           <a:xfrm>
-            <a:off x="504000" y="1080000"/>
-            <a:ext cx="9071640" cy="1728000"/>
+            <a:off x="504000" y="301320"/>
+            <a:ext cx="9072000" cy="1261800"/>
           </a:xfrm>
           <a:prstGeom prst="rect">
             <a:avLst/>
@@ -1761,142 +1638,127 @@
           </a:bodyPr>
           <a:p>
             <a:pPr algn="ctr"/>
-            <a:endParaRPr b="0" lang="ru-RU" sz="5860" spc="-1" strike="noStrike">
-              <a:solidFill>
-                <a:srgbClr val="ffffff"/>
-              </a:solidFill>
-              <a:latin typeface="Arial"/>
-            </a:endParaRPr>
-          </a:p>
-        </p:txBody>
-      </p:sp>
-      <p:sp>
-        <p:nvSpPr>
-          <p:cNvPr id="71" name="PlaceHolder 2"/>
-          <p:cNvSpPr>
-            <a:spLocks noGrp="1"/>
-          </p:cNvSpPr>
-          <p:nvPr>
-            <p:ph type="body"/>
-          </p:nvPr>
-        </p:nvSpPr>
-        <p:spPr>
-          <a:xfrm>
-            <a:off x="504000" y="3168000"/>
-            <a:ext cx="4426920" cy="1751400"/>
-          </a:xfrm>
-          <a:prstGeom prst="rect">
-            <a:avLst/>
-          </a:prstGeom>
-        </p:spPr>
-        <p:txBody>
-          <a:bodyPr lIns="0" rIns="0" tIns="0" bIns="0">
-            <a:normAutofit/>
-          </a:bodyPr>
-          <a:p>
-            <a:endParaRPr b="0" lang="ru-RU" sz="4200" spc="-1" strike="noStrike">
-              <a:solidFill>
-                <a:srgbClr val="ffffff"/>
-              </a:solidFill>
-              <a:latin typeface="Arial"/>
-            </a:endParaRPr>
-          </a:p>
-        </p:txBody>
-      </p:sp>
-      <p:sp>
-        <p:nvSpPr>
-          <p:cNvPr id="72" name="PlaceHolder 3"/>
-          <p:cNvSpPr>
-            <a:spLocks noGrp="1"/>
-          </p:cNvSpPr>
-          <p:nvPr>
-            <p:ph type="body"/>
-          </p:nvPr>
-        </p:nvSpPr>
-        <p:spPr>
-          <a:xfrm>
-            <a:off x="5152680" y="3168000"/>
-            <a:ext cx="4426920" cy="1751400"/>
-          </a:xfrm>
-          <a:prstGeom prst="rect">
-            <a:avLst/>
-          </a:prstGeom>
-        </p:spPr>
-        <p:txBody>
-          <a:bodyPr lIns="0" rIns="0" tIns="0" bIns="0">
-            <a:normAutofit/>
-          </a:bodyPr>
-          <a:p>
-            <a:endParaRPr b="0" lang="ru-RU" sz="4200" spc="-1" strike="noStrike">
-              <a:solidFill>
-                <a:srgbClr val="ffffff"/>
-              </a:solidFill>
-              <a:latin typeface="Arial"/>
-            </a:endParaRPr>
-          </a:p>
-        </p:txBody>
-      </p:sp>
-      <p:sp>
-        <p:nvSpPr>
-          <p:cNvPr id="73" name="PlaceHolder 4"/>
-          <p:cNvSpPr>
-            <a:spLocks noGrp="1"/>
-          </p:cNvSpPr>
-          <p:nvPr>
-            <p:ph type="body"/>
-          </p:nvPr>
-        </p:nvSpPr>
-        <p:spPr>
-          <a:xfrm>
-            <a:off x="504000" y="5086080"/>
-            <a:ext cx="4426920" cy="1751400"/>
-          </a:xfrm>
-          <a:prstGeom prst="rect">
-            <a:avLst/>
-          </a:prstGeom>
-        </p:spPr>
-        <p:txBody>
-          <a:bodyPr lIns="0" rIns="0" tIns="0" bIns="0">
-            <a:normAutofit/>
-          </a:bodyPr>
-          <a:p>
-            <a:endParaRPr b="0" lang="ru-RU" sz="4200" spc="-1" strike="noStrike">
-              <a:solidFill>
-                <a:srgbClr val="ffffff"/>
-              </a:solidFill>
-              <a:latin typeface="Arial"/>
-            </a:endParaRPr>
-          </a:p>
-        </p:txBody>
-      </p:sp>
-      <p:sp>
-        <p:nvSpPr>
-          <p:cNvPr id="74" name="PlaceHolder 5"/>
-          <p:cNvSpPr>
-            <a:spLocks noGrp="1"/>
-          </p:cNvSpPr>
-          <p:nvPr>
-            <p:ph type="body"/>
-          </p:nvPr>
-        </p:nvSpPr>
-        <p:spPr>
-          <a:xfrm>
-            <a:off x="5152680" y="5086080"/>
-            <a:ext cx="4426920" cy="1751400"/>
-          </a:xfrm>
-          <a:prstGeom prst="rect">
-            <a:avLst/>
-          </a:prstGeom>
-        </p:spPr>
-        <p:txBody>
-          <a:bodyPr lIns="0" rIns="0" tIns="0" bIns="0">
-            <a:normAutofit/>
-          </a:bodyPr>
-          <a:p>
-            <a:endParaRPr b="0" lang="ru-RU" sz="4200" spc="-1" strike="noStrike">
-              <a:solidFill>
-                <a:srgbClr val="ffffff"/>
-              </a:solidFill>
+            <a:endParaRPr b="0" lang="ru-RU" sz="4400" spc="-1" strike="noStrike">
+              <a:latin typeface="Arial"/>
+            </a:endParaRPr>
+          </a:p>
+        </p:txBody>
+      </p:sp>
+      <p:sp>
+        <p:nvSpPr>
+          <p:cNvPr id="65" name="PlaceHolder 2"/>
+          <p:cNvSpPr>
+            <a:spLocks noGrp="1"/>
+          </p:cNvSpPr>
+          <p:nvPr>
+            <p:ph type="body"/>
+          </p:nvPr>
+        </p:nvSpPr>
+        <p:spPr>
+          <a:xfrm>
+            <a:off x="504000" y="1768680"/>
+            <a:ext cx="4426920" cy="2090880"/>
+          </a:xfrm>
+          <a:prstGeom prst="rect">
+            <a:avLst/>
+          </a:prstGeom>
+        </p:spPr>
+        <p:txBody>
+          <a:bodyPr lIns="0" rIns="0" tIns="0" bIns="0">
+            <a:normAutofit/>
+          </a:bodyPr>
+          <a:p>
+            <a:endParaRPr b="0" lang="ru-RU" sz="3200" spc="-1" strike="noStrike">
+              <a:latin typeface="Arial"/>
+            </a:endParaRPr>
+          </a:p>
+        </p:txBody>
+      </p:sp>
+      <p:sp>
+        <p:nvSpPr>
+          <p:cNvPr id="66" name="PlaceHolder 3"/>
+          <p:cNvSpPr>
+            <a:spLocks noGrp="1"/>
+          </p:cNvSpPr>
+          <p:nvPr>
+            <p:ph type="body"/>
+          </p:nvPr>
+        </p:nvSpPr>
+        <p:spPr>
+          <a:xfrm>
+            <a:off x="5152680" y="1768680"/>
+            <a:ext cx="4426920" cy="2090880"/>
+          </a:xfrm>
+          <a:prstGeom prst="rect">
+            <a:avLst/>
+          </a:prstGeom>
+        </p:spPr>
+        <p:txBody>
+          <a:bodyPr lIns="0" rIns="0" tIns="0" bIns="0">
+            <a:normAutofit/>
+          </a:bodyPr>
+          <a:p>
+            <a:endParaRPr b="0" lang="ru-RU" sz="3200" spc="-1" strike="noStrike">
+              <a:latin typeface="Arial"/>
+            </a:endParaRPr>
+          </a:p>
+        </p:txBody>
+      </p:sp>
+      <p:sp>
+        <p:nvSpPr>
+          <p:cNvPr id="67" name="PlaceHolder 4"/>
+          <p:cNvSpPr>
+            <a:spLocks noGrp="1"/>
+          </p:cNvSpPr>
+          <p:nvPr>
+            <p:ph type="body"/>
+          </p:nvPr>
+        </p:nvSpPr>
+        <p:spPr>
+          <a:xfrm>
+            <a:off x="504000" y="4058640"/>
+            <a:ext cx="4426920" cy="2090880"/>
+          </a:xfrm>
+          <a:prstGeom prst="rect">
+            <a:avLst/>
+          </a:prstGeom>
+        </p:spPr>
+        <p:txBody>
+          <a:bodyPr lIns="0" rIns="0" tIns="0" bIns="0">
+            <a:normAutofit/>
+          </a:bodyPr>
+          <a:p>
+            <a:endParaRPr b="0" lang="ru-RU" sz="3200" spc="-1" strike="noStrike">
+              <a:latin typeface="Arial"/>
+            </a:endParaRPr>
+          </a:p>
+        </p:txBody>
+      </p:sp>
+      <p:sp>
+        <p:nvSpPr>
+          <p:cNvPr id="68" name="PlaceHolder 5"/>
+          <p:cNvSpPr>
+            <a:spLocks noGrp="1"/>
+          </p:cNvSpPr>
+          <p:nvPr>
+            <p:ph type="body"/>
+          </p:nvPr>
+        </p:nvSpPr>
+        <p:spPr>
+          <a:xfrm>
+            <a:off x="5152680" y="4058640"/>
+            <a:ext cx="4426920" cy="2090880"/>
+          </a:xfrm>
+          <a:prstGeom prst="rect">
+            <a:avLst/>
+          </a:prstGeom>
+        </p:spPr>
+        <p:txBody>
+          <a:bodyPr lIns="0" rIns="0" tIns="0" bIns="0">
+            <a:normAutofit/>
+          </a:bodyPr>
+          <a:p>
+            <a:endParaRPr b="0" lang="ru-RU" sz="3200" spc="-1" strike="noStrike">
               <a:latin typeface="Arial"/>
             </a:endParaRPr>
           </a:p>
@@ -1926,7 +1788,7 @@
       </p:grpSpPr>
       <p:sp>
         <p:nvSpPr>
-          <p:cNvPr id="75" name="PlaceHolder 1"/>
+          <p:cNvPr id="69" name="PlaceHolder 1"/>
           <p:cNvSpPr>
             <a:spLocks noGrp="1"/>
           </p:cNvSpPr>
@@ -1936,8 +1798,8 @@
         </p:nvSpPr>
         <p:spPr>
           <a:xfrm>
-            <a:off x="504000" y="1080000"/>
-            <a:ext cx="9071640" cy="1728000"/>
+            <a:off x="504000" y="301320"/>
+            <a:ext cx="9072000" cy="1261800"/>
           </a:xfrm>
           <a:prstGeom prst="rect">
             <a:avLst/>
@@ -1949,208 +1811,542 @@
           </a:bodyPr>
           <a:p>
             <a:pPr algn="ctr"/>
-            <a:endParaRPr b="0" lang="ru-RU" sz="5860" spc="-1" strike="noStrike">
-              <a:solidFill>
-                <a:srgbClr val="ffffff"/>
-              </a:solidFill>
-              <a:latin typeface="Arial"/>
-            </a:endParaRPr>
-          </a:p>
-        </p:txBody>
-      </p:sp>
-      <p:sp>
-        <p:nvSpPr>
-          <p:cNvPr id="76" name="PlaceHolder 2"/>
-          <p:cNvSpPr>
-            <a:spLocks noGrp="1"/>
-          </p:cNvSpPr>
-          <p:nvPr>
-            <p:ph type="body"/>
-          </p:nvPr>
-        </p:nvSpPr>
-        <p:spPr>
-          <a:xfrm>
-            <a:off x="504000" y="3168000"/>
-            <a:ext cx="2920680" cy="1751400"/>
-          </a:xfrm>
-          <a:prstGeom prst="rect">
-            <a:avLst/>
-          </a:prstGeom>
-        </p:spPr>
-        <p:txBody>
-          <a:bodyPr lIns="0" rIns="0" tIns="0" bIns="0">
-            <a:normAutofit/>
-          </a:bodyPr>
-          <a:p>
-            <a:endParaRPr b="0" lang="ru-RU" sz="4200" spc="-1" strike="noStrike">
-              <a:solidFill>
-                <a:srgbClr val="ffffff"/>
-              </a:solidFill>
-              <a:latin typeface="Arial"/>
-            </a:endParaRPr>
-          </a:p>
-        </p:txBody>
-      </p:sp>
-      <p:sp>
-        <p:nvSpPr>
-          <p:cNvPr id="77" name="PlaceHolder 3"/>
-          <p:cNvSpPr>
-            <a:spLocks noGrp="1"/>
-          </p:cNvSpPr>
-          <p:nvPr>
-            <p:ph type="body"/>
-          </p:nvPr>
-        </p:nvSpPr>
-        <p:spPr>
-          <a:xfrm>
-            <a:off x="3571200" y="3168000"/>
-            <a:ext cx="2920680" cy="1751400"/>
-          </a:xfrm>
-          <a:prstGeom prst="rect">
-            <a:avLst/>
-          </a:prstGeom>
-        </p:spPr>
-        <p:txBody>
-          <a:bodyPr lIns="0" rIns="0" tIns="0" bIns="0">
-            <a:normAutofit/>
-          </a:bodyPr>
-          <a:p>
-            <a:endParaRPr b="0" lang="ru-RU" sz="4200" spc="-1" strike="noStrike">
-              <a:solidFill>
-                <a:srgbClr val="ffffff"/>
-              </a:solidFill>
-              <a:latin typeface="Arial"/>
-            </a:endParaRPr>
-          </a:p>
-        </p:txBody>
-      </p:sp>
-      <p:sp>
-        <p:nvSpPr>
-          <p:cNvPr id="78" name="PlaceHolder 4"/>
-          <p:cNvSpPr>
-            <a:spLocks noGrp="1"/>
-          </p:cNvSpPr>
-          <p:nvPr>
-            <p:ph type="body"/>
-          </p:nvPr>
-        </p:nvSpPr>
-        <p:spPr>
-          <a:xfrm>
-            <a:off x="6638040" y="3168000"/>
-            <a:ext cx="2920680" cy="1751400"/>
-          </a:xfrm>
-          <a:prstGeom prst="rect">
-            <a:avLst/>
-          </a:prstGeom>
-        </p:spPr>
-        <p:txBody>
-          <a:bodyPr lIns="0" rIns="0" tIns="0" bIns="0">
-            <a:normAutofit/>
-          </a:bodyPr>
-          <a:p>
-            <a:endParaRPr b="0" lang="ru-RU" sz="4200" spc="-1" strike="noStrike">
-              <a:solidFill>
-                <a:srgbClr val="ffffff"/>
-              </a:solidFill>
-              <a:latin typeface="Arial"/>
-            </a:endParaRPr>
-          </a:p>
-        </p:txBody>
-      </p:sp>
-      <p:sp>
-        <p:nvSpPr>
-          <p:cNvPr id="79" name="PlaceHolder 5"/>
-          <p:cNvSpPr>
-            <a:spLocks noGrp="1"/>
-          </p:cNvSpPr>
-          <p:nvPr>
-            <p:ph type="body"/>
-          </p:nvPr>
-        </p:nvSpPr>
-        <p:spPr>
-          <a:xfrm>
-            <a:off x="504000" y="5086080"/>
-            <a:ext cx="2920680" cy="1751400"/>
-          </a:xfrm>
-          <a:prstGeom prst="rect">
-            <a:avLst/>
-          </a:prstGeom>
-        </p:spPr>
-        <p:txBody>
-          <a:bodyPr lIns="0" rIns="0" tIns="0" bIns="0">
-            <a:normAutofit/>
-          </a:bodyPr>
-          <a:p>
-            <a:endParaRPr b="0" lang="ru-RU" sz="4200" spc="-1" strike="noStrike">
-              <a:solidFill>
-                <a:srgbClr val="ffffff"/>
-              </a:solidFill>
-              <a:latin typeface="Arial"/>
-            </a:endParaRPr>
-          </a:p>
-        </p:txBody>
-      </p:sp>
-      <p:sp>
-        <p:nvSpPr>
-          <p:cNvPr id="80" name="PlaceHolder 6"/>
-          <p:cNvSpPr>
-            <a:spLocks noGrp="1"/>
-          </p:cNvSpPr>
-          <p:nvPr>
-            <p:ph type="body"/>
-          </p:nvPr>
-        </p:nvSpPr>
-        <p:spPr>
-          <a:xfrm>
-            <a:off x="3571200" y="5086080"/>
-            <a:ext cx="2920680" cy="1751400"/>
-          </a:xfrm>
-          <a:prstGeom prst="rect">
-            <a:avLst/>
-          </a:prstGeom>
-        </p:spPr>
-        <p:txBody>
-          <a:bodyPr lIns="0" rIns="0" tIns="0" bIns="0">
-            <a:normAutofit/>
-          </a:bodyPr>
-          <a:p>
-            <a:endParaRPr b="0" lang="ru-RU" sz="4200" spc="-1" strike="noStrike">
-              <a:solidFill>
-                <a:srgbClr val="ffffff"/>
-              </a:solidFill>
-              <a:latin typeface="Arial"/>
-            </a:endParaRPr>
-          </a:p>
-        </p:txBody>
-      </p:sp>
-      <p:sp>
-        <p:nvSpPr>
-          <p:cNvPr id="81" name="PlaceHolder 7"/>
-          <p:cNvSpPr>
-            <a:spLocks noGrp="1"/>
-          </p:cNvSpPr>
-          <p:nvPr>
-            <p:ph type="body"/>
-          </p:nvPr>
-        </p:nvSpPr>
-        <p:spPr>
-          <a:xfrm>
-            <a:off x="6638040" y="5086080"/>
-            <a:ext cx="2920680" cy="1751400"/>
-          </a:xfrm>
-          <a:prstGeom prst="rect">
-            <a:avLst/>
-          </a:prstGeom>
-        </p:spPr>
-        <p:txBody>
-          <a:bodyPr lIns="0" rIns="0" tIns="0" bIns="0">
-            <a:normAutofit/>
-          </a:bodyPr>
-          <a:p>
-            <a:endParaRPr b="0" lang="ru-RU" sz="4200" spc="-1" strike="noStrike">
-              <a:solidFill>
-                <a:srgbClr val="ffffff"/>
-              </a:solidFill>
+            <a:endParaRPr b="0" lang="ru-RU" sz="4400" spc="-1" strike="noStrike">
+              <a:latin typeface="Arial"/>
+            </a:endParaRPr>
+          </a:p>
+        </p:txBody>
+      </p:sp>
+      <p:sp>
+        <p:nvSpPr>
+          <p:cNvPr id="70" name="PlaceHolder 2"/>
+          <p:cNvSpPr>
+            <a:spLocks noGrp="1"/>
+          </p:cNvSpPr>
+          <p:nvPr>
+            <p:ph type="body"/>
+          </p:nvPr>
+        </p:nvSpPr>
+        <p:spPr>
+          <a:xfrm>
+            <a:off x="504000" y="1768680"/>
+            <a:ext cx="2921040" cy="2090880"/>
+          </a:xfrm>
+          <a:prstGeom prst="rect">
+            <a:avLst/>
+          </a:prstGeom>
+        </p:spPr>
+        <p:txBody>
+          <a:bodyPr lIns="0" rIns="0" tIns="0" bIns="0">
+            <a:normAutofit/>
+          </a:bodyPr>
+          <a:p>
+            <a:endParaRPr b="0" lang="ru-RU" sz="3200" spc="-1" strike="noStrike">
+              <a:latin typeface="Arial"/>
+            </a:endParaRPr>
+          </a:p>
+        </p:txBody>
+      </p:sp>
+      <p:sp>
+        <p:nvSpPr>
+          <p:cNvPr id="71" name="PlaceHolder 3"/>
+          <p:cNvSpPr>
+            <a:spLocks noGrp="1"/>
+          </p:cNvSpPr>
+          <p:nvPr>
+            <p:ph type="body"/>
+          </p:nvPr>
+        </p:nvSpPr>
+        <p:spPr>
+          <a:xfrm>
+            <a:off x="3571560" y="1768680"/>
+            <a:ext cx="2921040" cy="2090880"/>
+          </a:xfrm>
+          <a:prstGeom prst="rect">
+            <a:avLst/>
+          </a:prstGeom>
+        </p:spPr>
+        <p:txBody>
+          <a:bodyPr lIns="0" rIns="0" tIns="0" bIns="0">
+            <a:normAutofit/>
+          </a:bodyPr>
+          <a:p>
+            <a:endParaRPr b="0" lang="ru-RU" sz="3200" spc="-1" strike="noStrike">
+              <a:latin typeface="Arial"/>
+            </a:endParaRPr>
+          </a:p>
+        </p:txBody>
+      </p:sp>
+      <p:sp>
+        <p:nvSpPr>
+          <p:cNvPr id="72" name="PlaceHolder 4"/>
+          <p:cNvSpPr>
+            <a:spLocks noGrp="1"/>
+          </p:cNvSpPr>
+          <p:nvPr>
+            <p:ph type="body"/>
+          </p:nvPr>
+        </p:nvSpPr>
+        <p:spPr>
+          <a:xfrm>
+            <a:off x="6639120" y="1768680"/>
+            <a:ext cx="2921040" cy="2090880"/>
+          </a:xfrm>
+          <a:prstGeom prst="rect">
+            <a:avLst/>
+          </a:prstGeom>
+        </p:spPr>
+        <p:txBody>
+          <a:bodyPr lIns="0" rIns="0" tIns="0" bIns="0">
+            <a:normAutofit/>
+          </a:bodyPr>
+          <a:p>
+            <a:endParaRPr b="0" lang="ru-RU" sz="3200" spc="-1" strike="noStrike">
+              <a:latin typeface="Arial"/>
+            </a:endParaRPr>
+          </a:p>
+        </p:txBody>
+      </p:sp>
+      <p:sp>
+        <p:nvSpPr>
+          <p:cNvPr id="73" name="PlaceHolder 5"/>
+          <p:cNvSpPr>
+            <a:spLocks noGrp="1"/>
+          </p:cNvSpPr>
+          <p:nvPr>
+            <p:ph type="body"/>
+          </p:nvPr>
+        </p:nvSpPr>
+        <p:spPr>
+          <a:xfrm>
+            <a:off x="504000" y="4058640"/>
+            <a:ext cx="2921040" cy="2090880"/>
+          </a:xfrm>
+          <a:prstGeom prst="rect">
+            <a:avLst/>
+          </a:prstGeom>
+        </p:spPr>
+        <p:txBody>
+          <a:bodyPr lIns="0" rIns="0" tIns="0" bIns="0">
+            <a:normAutofit/>
+          </a:bodyPr>
+          <a:p>
+            <a:endParaRPr b="0" lang="ru-RU" sz="3200" spc="-1" strike="noStrike">
+              <a:latin typeface="Arial"/>
+            </a:endParaRPr>
+          </a:p>
+        </p:txBody>
+      </p:sp>
+      <p:sp>
+        <p:nvSpPr>
+          <p:cNvPr id="74" name="PlaceHolder 6"/>
+          <p:cNvSpPr>
+            <a:spLocks noGrp="1"/>
+          </p:cNvSpPr>
+          <p:nvPr>
+            <p:ph type="body"/>
+          </p:nvPr>
+        </p:nvSpPr>
+        <p:spPr>
+          <a:xfrm>
+            <a:off x="3571560" y="4058640"/>
+            <a:ext cx="2921040" cy="2090880"/>
+          </a:xfrm>
+          <a:prstGeom prst="rect">
+            <a:avLst/>
+          </a:prstGeom>
+        </p:spPr>
+        <p:txBody>
+          <a:bodyPr lIns="0" rIns="0" tIns="0" bIns="0">
+            <a:normAutofit/>
+          </a:bodyPr>
+          <a:p>
+            <a:endParaRPr b="0" lang="ru-RU" sz="3200" spc="-1" strike="noStrike">
+              <a:latin typeface="Arial"/>
+            </a:endParaRPr>
+          </a:p>
+        </p:txBody>
+      </p:sp>
+      <p:sp>
+        <p:nvSpPr>
+          <p:cNvPr id="75" name="PlaceHolder 7"/>
+          <p:cNvSpPr>
+            <a:spLocks noGrp="1"/>
+          </p:cNvSpPr>
+          <p:nvPr>
+            <p:ph type="body"/>
+          </p:nvPr>
+        </p:nvSpPr>
+        <p:spPr>
+          <a:xfrm>
+            <a:off x="6639120" y="4058640"/>
+            <a:ext cx="2921040" cy="2090880"/>
+          </a:xfrm>
+          <a:prstGeom prst="rect">
+            <a:avLst/>
+          </a:prstGeom>
+        </p:spPr>
+        <p:txBody>
+          <a:bodyPr lIns="0" rIns="0" tIns="0" bIns="0">
+            <a:normAutofit/>
+          </a:bodyPr>
+          <a:p>
+            <a:endParaRPr b="0" lang="ru-RU" sz="3200" spc="-1" strike="noStrike">
+              <a:latin typeface="Arial"/>
+            </a:endParaRPr>
+          </a:p>
+        </p:txBody>
+      </p:sp>
+    </p:spTree>
+  </p:cSld>
+</p:sldLayout>
+</file>
+
+<file path=ppt/slideLayouts/slideLayout25.xml><?xml version="1.0" encoding="utf-8"?>
+<p:sldLayout xmlns:a="http://schemas.openxmlformats.org/drawingml/2006/main" xmlns:p="http://schemas.openxmlformats.org/presentationml/2006/main" xmlns:r="http://schemas.openxmlformats.org/officeDocument/2006/relationships" xmlns:p14="http://schemas.microsoft.com/office/powerpoint/2010/main" xmlns:p15="http://schemas.microsoft.com/office/powerpoint/2012/main" xmlns:mc="http://schemas.openxmlformats.org/markup-compatibility/2006" type="blank" preserve="1">
+  <p:cSld name="Blank Slide">
+    <p:spTree>
+      <p:nvGrpSpPr>
+        <p:cNvPr id="1" name=""/>
+        <p:cNvGrpSpPr/>
+        <p:nvPr/>
+      </p:nvGrpSpPr>
+      <p:grpSpPr>
+        <a:xfrm>
+          <a:off x="0" y="0"/>
+          <a:ext cx="0" cy="0"/>
+          <a:chOff x="0" y="0"/>
+          <a:chExt cx="0" cy="0"/>
+        </a:xfrm>
+      </p:grpSpPr>
+    </p:spTree>
+  </p:cSld>
+</p:sldLayout>
+</file>
+
+<file path=ppt/slideLayouts/slideLayout26.xml><?xml version="1.0" encoding="utf-8"?>
+<p:sldLayout xmlns:a="http://schemas.openxmlformats.org/drawingml/2006/main" xmlns:p="http://schemas.openxmlformats.org/presentationml/2006/main" xmlns:r="http://schemas.openxmlformats.org/officeDocument/2006/relationships" xmlns:p14="http://schemas.microsoft.com/office/powerpoint/2010/main" xmlns:p15="http://schemas.microsoft.com/office/powerpoint/2012/main" xmlns:mc="http://schemas.openxmlformats.org/markup-compatibility/2006" type="tx" preserve="1">
+  <p:cSld name="Title Slide">
+    <p:spTree>
+      <p:nvGrpSpPr>
+        <p:cNvPr id="1" name=""/>
+        <p:cNvGrpSpPr/>
+        <p:nvPr/>
+      </p:nvGrpSpPr>
+      <p:grpSpPr>
+        <a:xfrm>
+          <a:off x="0" y="0"/>
+          <a:ext cx="0" cy="0"/>
+          <a:chOff x="0" y="0"/>
+          <a:chExt cx="0" cy="0"/>
+        </a:xfrm>
+      </p:grpSpPr>
+      <p:sp>
+        <p:nvSpPr>
+          <p:cNvPr id="78" name="PlaceHolder 1"/>
+          <p:cNvSpPr>
+            <a:spLocks noGrp="1"/>
+          </p:cNvSpPr>
+          <p:nvPr>
+            <p:ph type="title"/>
+          </p:nvPr>
+        </p:nvSpPr>
+        <p:spPr>
+          <a:xfrm>
+            <a:off x="504000" y="301320"/>
+            <a:ext cx="9072000" cy="1261800"/>
+          </a:xfrm>
+          <a:prstGeom prst="rect">
+            <a:avLst/>
+          </a:prstGeom>
+        </p:spPr>
+        <p:txBody>
+          <a:bodyPr lIns="0" rIns="0" tIns="0" bIns="0" anchor="ctr">
+            <a:noAutofit/>
+          </a:bodyPr>
+          <a:p>
+            <a:pPr algn="ctr"/>
+            <a:endParaRPr b="0" lang="ru-RU" sz="4400" spc="-1" strike="noStrike">
+              <a:latin typeface="Arial"/>
+            </a:endParaRPr>
+          </a:p>
+        </p:txBody>
+      </p:sp>
+      <p:sp>
+        <p:nvSpPr>
+          <p:cNvPr id="79" name="PlaceHolder 2"/>
+          <p:cNvSpPr>
+            <a:spLocks noGrp="1"/>
+          </p:cNvSpPr>
+          <p:nvPr>
+            <p:ph type="subTitle"/>
+          </p:nvPr>
+        </p:nvSpPr>
+        <p:spPr>
+          <a:xfrm>
+            <a:off x="504000" y="1768680"/>
+            <a:ext cx="9072000" cy="4384080"/>
+          </a:xfrm>
+          <a:prstGeom prst="rect">
+            <a:avLst/>
+          </a:prstGeom>
+        </p:spPr>
+        <p:txBody>
+          <a:bodyPr lIns="0" rIns="0" tIns="0" bIns="0" anchor="ctr">
+            <a:noAutofit/>
+          </a:bodyPr>
+          <a:p>
+            <a:pPr algn="ctr"/>
+            <a:endParaRPr b="0" lang="ru-RU" sz="3200" spc="-1" strike="noStrike">
+              <a:latin typeface="Arial"/>
+            </a:endParaRPr>
+          </a:p>
+        </p:txBody>
+      </p:sp>
+    </p:spTree>
+  </p:cSld>
+</p:sldLayout>
+</file>
+
+<file path=ppt/slideLayouts/slideLayout27.xml><?xml version="1.0" encoding="utf-8"?>
+<p:sldLayout xmlns:a="http://schemas.openxmlformats.org/drawingml/2006/main" xmlns:p="http://schemas.openxmlformats.org/presentationml/2006/main" xmlns:r="http://schemas.openxmlformats.org/officeDocument/2006/relationships" xmlns:p14="http://schemas.microsoft.com/office/powerpoint/2010/main" xmlns:p15="http://schemas.microsoft.com/office/powerpoint/2012/main" xmlns:mc="http://schemas.openxmlformats.org/markup-compatibility/2006" type="obj" preserve="1">
+  <p:cSld name="Title, Content">
+    <p:spTree>
+      <p:nvGrpSpPr>
+        <p:cNvPr id="1" name=""/>
+        <p:cNvGrpSpPr/>
+        <p:nvPr/>
+      </p:nvGrpSpPr>
+      <p:grpSpPr>
+        <a:xfrm>
+          <a:off x="0" y="0"/>
+          <a:ext cx="0" cy="0"/>
+          <a:chOff x="0" y="0"/>
+          <a:chExt cx="0" cy="0"/>
+        </a:xfrm>
+      </p:grpSpPr>
+      <p:sp>
+        <p:nvSpPr>
+          <p:cNvPr id="80" name="PlaceHolder 1"/>
+          <p:cNvSpPr>
+            <a:spLocks noGrp="1"/>
+          </p:cNvSpPr>
+          <p:nvPr>
+            <p:ph type="title"/>
+          </p:nvPr>
+        </p:nvSpPr>
+        <p:spPr>
+          <a:xfrm>
+            <a:off x="504000" y="301320"/>
+            <a:ext cx="9072000" cy="1261800"/>
+          </a:xfrm>
+          <a:prstGeom prst="rect">
+            <a:avLst/>
+          </a:prstGeom>
+        </p:spPr>
+        <p:txBody>
+          <a:bodyPr lIns="0" rIns="0" tIns="0" bIns="0" anchor="ctr">
+            <a:noAutofit/>
+          </a:bodyPr>
+          <a:p>
+            <a:pPr algn="ctr"/>
+            <a:endParaRPr b="0" lang="ru-RU" sz="4400" spc="-1" strike="noStrike">
+              <a:latin typeface="Arial"/>
+            </a:endParaRPr>
+          </a:p>
+        </p:txBody>
+      </p:sp>
+      <p:sp>
+        <p:nvSpPr>
+          <p:cNvPr id="81" name="PlaceHolder 2"/>
+          <p:cNvSpPr>
+            <a:spLocks noGrp="1"/>
+          </p:cNvSpPr>
+          <p:nvPr>
+            <p:ph type="body"/>
+          </p:nvPr>
+        </p:nvSpPr>
+        <p:spPr>
+          <a:xfrm>
+            <a:off x="504000" y="1768680"/>
+            <a:ext cx="9072000" cy="4384080"/>
+          </a:xfrm>
+          <a:prstGeom prst="rect">
+            <a:avLst/>
+          </a:prstGeom>
+        </p:spPr>
+        <p:txBody>
+          <a:bodyPr lIns="0" rIns="0" tIns="0" bIns="0">
+            <a:normAutofit/>
+          </a:bodyPr>
+          <a:p>
+            <a:endParaRPr b="0" lang="ru-RU" sz="3200" spc="-1" strike="noStrike">
+              <a:latin typeface="Arial"/>
+            </a:endParaRPr>
+          </a:p>
+        </p:txBody>
+      </p:sp>
+    </p:spTree>
+  </p:cSld>
+</p:sldLayout>
+</file>
+
+<file path=ppt/slideLayouts/slideLayout28.xml><?xml version="1.0" encoding="utf-8"?>
+<p:sldLayout xmlns:a="http://schemas.openxmlformats.org/drawingml/2006/main" xmlns:p="http://schemas.openxmlformats.org/presentationml/2006/main" xmlns:r="http://schemas.openxmlformats.org/officeDocument/2006/relationships" xmlns:p14="http://schemas.microsoft.com/office/powerpoint/2010/main" xmlns:p15="http://schemas.microsoft.com/office/powerpoint/2012/main" xmlns:mc="http://schemas.openxmlformats.org/markup-compatibility/2006" type="twoObj" preserve="1">
+  <p:cSld name="Title, 2 Content">
+    <p:spTree>
+      <p:nvGrpSpPr>
+        <p:cNvPr id="1" name=""/>
+        <p:cNvGrpSpPr/>
+        <p:nvPr/>
+      </p:nvGrpSpPr>
+      <p:grpSpPr>
+        <a:xfrm>
+          <a:off x="0" y="0"/>
+          <a:ext cx="0" cy="0"/>
+          <a:chOff x="0" y="0"/>
+          <a:chExt cx="0" cy="0"/>
+        </a:xfrm>
+      </p:grpSpPr>
+      <p:sp>
+        <p:nvSpPr>
+          <p:cNvPr id="82" name="PlaceHolder 1"/>
+          <p:cNvSpPr>
+            <a:spLocks noGrp="1"/>
+          </p:cNvSpPr>
+          <p:nvPr>
+            <p:ph type="title"/>
+          </p:nvPr>
+        </p:nvSpPr>
+        <p:spPr>
+          <a:xfrm>
+            <a:off x="504000" y="301320"/>
+            <a:ext cx="9072000" cy="1261800"/>
+          </a:xfrm>
+          <a:prstGeom prst="rect">
+            <a:avLst/>
+          </a:prstGeom>
+        </p:spPr>
+        <p:txBody>
+          <a:bodyPr lIns="0" rIns="0" tIns="0" bIns="0" anchor="ctr">
+            <a:noAutofit/>
+          </a:bodyPr>
+          <a:p>
+            <a:pPr algn="ctr"/>
+            <a:endParaRPr b="0" lang="ru-RU" sz="4400" spc="-1" strike="noStrike">
+              <a:latin typeface="Arial"/>
+            </a:endParaRPr>
+          </a:p>
+        </p:txBody>
+      </p:sp>
+      <p:sp>
+        <p:nvSpPr>
+          <p:cNvPr id="83" name="PlaceHolder 2"/>
+          <p:cNvSpPr>
+            <a:spLocks noGrp="1"/>
+          </p:cNvSpPr>
+          <p:nvPr>
+            <p:ph type="body"/>
+          </p:nvPr>
+        </p:nvSpPr>
+        <p:spPr>
+          <a:xfrm>
+            <a:off x="504000" y="1768680"/>
+            <a:ext cx="4426920" cy="4384080"/>
+          </a:xfrm>
+          <a:prstGeom prst="rect">
+            <a:avLst/>
+          </a:prstGeom>
+        </p:spPr>
+        <p:txBody>
+          <a:bodyPr lIns="0" rIns="0" tIns="0" bIns="0">
+            <a:normAutofit/>
+          </a:bodyPr>
+          <a:p>
+            <a:endParaRPr b="0" lang="ru-RU" sz="3200" spc="-1" strike="noStrike">
+              <a:latin typeface="Arial"/>
+            </a:endParaRPr>
+          </a:p>
+        </p:txBody>
+      </p:sp>
+      <p:sp>
+        <p:nvSpPr>
+          <p:cNvPr id="84" name="PlaceHolder 3"/>
+          <p:cNvSpPr>
+            <a:spLocks noGrp="1"/>
+          </p:cNvSpPr>
+          <p:nvPr>
+            <p:ph type="body"/>
+          </p:nvPr>
+        </p:nvSpPr>
+        <p:spPr>
+          <a:xfrm>
+            <a:off x="5152680" y="1768680"/>
+            <a:ext cx="4426920" cy="4384080"/>
+          </a:xfrm>
+          <a:prstGeom prst="rect">
+            <a:avLst/>
+          </a:prstGeom>
+        </p:spPr>
+        <p:txBody>
+          <a:bodyPr lIns="0" rIns="0" tIns="0" bIns="0">
+            <a:normAutofit/>
+          </a:bodyPr>
+          <a:p>
+            <a:endParaRPr b="0" lang="ru-RU" sz="3200" spc="-1" strike="noStrike">
+              <a:latin typeface="Arial"/>
+            </a:endParaRPr>
+          </a:p>
+        </p:txBody>
+      </p:sp>
+    </p:spTree>
+  </p:cSld>
+</p:sldLayout>
+</file>
+
+<file path=ppt/slideLayouts/slideLayout29.xml><?xml version="1.0" encoding="utf-8"?>
+<p:sldLayout xmlns:a="http://schemas.openxmlformats.org/drawingml/2006/main" xmlns:p="http://schemas.openxmlformats.org/presentationml/2006/main" xmlns:r="http://schemas.openxmlformats.org/officeDocument/2006/relationships" xmlns:p14="http://schemas.microsoft.com/office/powerpoint/2010/main" xmlns:p15="http://schemas.microsoft.com/office/powerpoint/2012/main" xmlns:mc="http://schemas.openxmlformats.org/markup-compatibility/2006" type="titleOnly" preserve="1">
+  <p:cSld name="Title Only">
+    <p:spTree>
+      <p:nvGrpSpPr>
+        <p:cNvPr id="1" name=""/>
+        <p:cNvGrpSpPr/>
+        <p:nvPr/>
+      </p:nvGrpSpPr>
+      <p:grpSpPr>
+        <a:xfrm>
+          <a:off x="0" y="0"/>
+          <a:ext cx="0" cy="0"/>
+          <a:chOff x="0" y="0"/>
+          <a:chExt cx="0" cy="0"/>
+        </a:xfrm>
+      </p:grpSpPr>
+      <p:sp>
+        <p:nvSpPr>
+          <p:cNvPr id="85" name="PlaceHolder 1"/>
+          <p:cNvSpPr>
+            <a:spLocks noGrp="1"/>
+          </p:cNvSpPr>
+          <p:nvPr>
+            <p:ph type="title"/>
+          </p:nvPr>
+        </p:nvSpPr>
+        <p:spPr>
+          <a:xfrm>
+            <a:off x="504000" y="301320"/>
+            <a:ext cx="9072000" cy="1261800"/>
+          </a:xfrm>
+          <a:prstGeom prst="rect">
+            <a:avLst/>
+          </a:prstGeom>
+        </p:spPr>
+        <p:txBody>
+          <a:bodyPr lIns="0" rIns="0" tIns="0" bIns="0" anchor="ctr">
+            <a:noAutofit/>
+          </a:bodyPr>
+          <a:p>
+            <a:pPr algn="ctr"/>
+            <a:endParaRPr b="0" lang="ru-RU" sz="4400" spc="-1" strike="noStrike">
               <a:latin typeface="Arial"/>
             </a:endParaRPr>
           </a:p>
@@ -2180,7 +2376,7 @@
       </p:grpSpPr>
       <p:sp>
         <p:nvSpPr>
-          <p:cNvPr id="7" name="PlaceHolder 1"/>
+          <p:cNvPr id="4" name="PlaceHolder 1"/>
           <p:cNvSpPr>
             <a:spLocks noGrp="1"/>
           </p:cNvSpPr>
@@ -2190,8 +2386,8 @@
         </p:nvSpPr>
         <p:spPr>
           <a:xfrm>
-            <a:off x="504000" y="1080000"/>
-            <a:ext cx="9071640" cy="1728000"/>
+            <a:off x="504000" y="301320"/>
+            <a:ext cx="9072000" cy="1261800"/>
           </a:xfrm>
           <a:prstGeom prst="rect">
             <a:avLst/>
@@ -2203,43 +2399,1038 @@
           </a:bodyPr>
           <a:p>
             <a:pPr algn="ctr"/>
-            <a:endParaRPr b="0" lang="ru-RU" sz="5860" spc="-1" strike="noStrike">
-              <a:solidFill>
-                <a:srgbClr val="ffffff"/>
-              </a:solidFill>
-              <a:latin typeface="Arial"/>
-            </a:endParaRPr>
-          </a:p>
-        </p:txBody>
-      </p:sp>
-      <p:sp>
-        <p:nvSpPr>
-          <p:cNvPr id="8" name="PlaceHolder 2"/>
-          <p:cNvSpPr>
-            <a:spLocks noGrp="1"/>
-          </p:cNvSpPr>
-          <p:nvPr>
-            <p:ph type="body"/>
-          </p:nvPr>
-        </p:nvSpPr>
-        <p:spPr>
-          <a:xfrm>
-            <a:off x="504000" y="3168000"/>
-            <a:ext cx="9071640" cy="3672000"/>
-          </a:xfrm>
-          <a:prstGeom prst="rect">
-            <a:avLst/>
-          </a:prstGeom>
-        </p:spPr>
-        <p:txBody>
-          <a:bodyPr lIns="0" rIns="0" tIns="0" bIns="0">
-            <a:normAutofit/>
-          </a:bodyPr>
-          <a:p>
-            <a:endParaRPr b="0" lang="ru-RU" sz="4200" spc="-1" strike="noStrike">
-              <a:solidFill>
-                <a:srgbClr val="ffffff"/>
-              </a:solidFill>
+            <a:endParaRPr b="0" lang="ru-RU" sz="4400" spc="-1" strike="noStrike">
+              <a:latin typeface="Arial"/>
+            </a:endParaRPr>
+          </a:p>
+        </p:txBody>
+      </p:sp>
+      <p:sp>
+        <p:nvSpPr>
+          <p:cNvPr id="5" name="PlaceHolder 2"/>
+          <p:cNvSpPr>
+            <a:spLocks noGrp="1"/>
+          </p:cNvSpPr>
+          <p:nvPr>
+            <p:ph type="body"/>
+          </p:nvPr>
+        </p:nvSpPr>
+        <p:spPr>
+          <a:xfrm>
+            <a:off x="504000" y="1768680"/>
+            <a:ext cx="9072000" cy="4384080"/>
+          </a:xfrm>
+          <a:prstGeom prst="rect">
+            <a:avLst/>
+          </a:prstGeom>
+        </p:spPr>
+        <p:txBody>
+          <a:bodyPr lIns="0" rIns="0" tIns="0" bIns="0">
+            <a:normAutofit/>
+          </a:bodyPr>
+          <a:p>
+            <a:endParaRPr b="0" lang="ru-RU" sz="3200" spc="-1" strike="noStrike">
+              <a:latin typeface="Arial"/>
+            </a:endParaRPr>
+          </a:p>
+        </p:txBody>
+      </p:sp>
+    </p:spTree>
+  </p:cSld>
+</p:sldLayout>
+</file>
+
+<file path=ppt/slideLayouts/slideLayout30.xml><?xml version="1.0" encoding="utf-8"?>
+<p:sldLayout xmlns:a="http://schemas.openxmlformats.org/drawingml/2006/main" xmlns:p="http://schemas.openxmlformats.org/presentationml/2006/main" xmlns:r="http://schemas.openxmlformats.org/officeDocument/2006/relationships" xmlns:p14="http://schemas.microsoft.com/office/powerpoint/2010/main" xmlns:p15="http://schemas.microsoft.com/office/powerpoint/2012/main" xmlns:mc="http://schemas.openxmlformats.org/markup-compatibility/2006" type="objOnly" preserve="1">
+  <p:cSld name="Centered Text">
+    <p:spTree>
+      <p:nvGrpSpPr>
+        <p:cNvPr id="1" name=""/>
+        <p:cNvGrpSpPr/>
+        <p:nvPr/>
+      </p:nvGrpSpPr>
+      <p:grpSpPr>
+        <a:xfrm>
+          <a:off x="0" y="0"/>
+          <a:ext cx="0" cy="0"/>
+          <a:chOff x="0" y="0"/>
+          <a:chExt cx="0" cy="0"/>
+        </a:xfrm>
+      </p:grpSpPr>
+      <p:sp>
+        <p:nvSpPr>
+          <p:cNvPr id="86" name="PlaceHolder 1"/>
+          <p:cNvSpPr>
+            <a:spLocks noGrp="1"/>
+          </p:cNvSpPr>
+          <p:nvPr>
+            <p:ph type="subTitle"/>
+          </p:nvPr>
+        </p:nvSpPr>
+        <p:spPr>
+          <a:xfrm>
+            <a:off x="504000" y="301320"/>
+            <a:ext cx="9072000" cy="5850360"/>
+          </a:xfrm>
+          <a:prstGeom prst="rect">
+            <a:avLst/>
+          </a:prstGeom>
+        </p:spPr>
+        <p:txBody>
+          <a:bodyPr lIns="0" rIns="0" tIns="0" bIns="0" anchor="ctr">
+            <a:noAutofit/>
+          </a:bodyPr>
+          <a:p>
+            <a:pPr algn="ctr"/>
+            <a:endParaRPr b="0" lang="ru-RU" sz="3200" spc="-1" strike="noStrike">
+              <a:latin typeface="Arial"/>
+            </a:endParaRPr>
+          </a:p>
+        </p:txBody>
+      </p:sp>
+    </p:spTree>
+  </p:cSld>
+</p:sldLayout>
+</file>
+
+<file path=ppt/slideLayouts/slideLayout31.xml><?xml version="1.0" encoding="utf-8"?>
+<p:sldLayout xmlns:a="http://schemas.openxmlformats.org/drawingml/2006/main" xmlns:p="http://schemas.openxmlformats.org/presentationml/2006/main" xmlns:r="http://schemas.openxmlformats.org/officeDocument/2006/relationships" xmlns:p14="http://schemas.microsoft.com/office/powerpoint/2010/main" xmlns:p15="http://schemas.microsoft.com/office/powerpoint/2012/main" xmlns:mc="http://schemas.openxmlformats.org/markup-compatibility/2006" type="twoObjAndObj" preserve="1">
+  <p:cSld name="Title, 2 Content and Content">
+    <p:spTree>
+      <p:nvGrpSpPr>
+        <p:cNvPr id="1" name=""/>
+        <p:cNvGrpSpPr/>
+        <p:nvPr/>
+      </p:nvGrpSpPr>
+      <p:grpSpPr>
+        <a:xfrm>
+          <a:off x="0" y="0"/>
+          <a:ext cx="0" cy="0"/>
+          <a:chOff x="0" y="0"/>
+          <a:chExt cx="0" cy="0"/>
+        </a:xfrm>
+      </p:grpSpPr>
+      <p:sp>
+        <p:nvSpPr>
+          <p:cNvPr id="87" name="PlaceHolder 1"/>
+          <p:cNvSpPr>
+            <a:spLocks noGrp="1"/>
+          </p:cNvSpPr>
+          <p:nvPr>
+            <p:ph type="title"/>
+          </p:nvPr>
+        </p:nvSpPr>
+        <p:spPr>
+          <a:xfrm>
+            <a:off x="504000" y="301320"/>
+            <a:ext cx="9072000" cy="1261800"/>
+          </a:xfrm>
+          <a:prstGeom prst="rect">
+            <a:avLst/>
+          </a:prstGeom>
+        </p:spPr>
+        <p:txBody>
+          <a:bodyPr lIns="0" rIns="0" tIns="0" bIns="0" anchor="ctr">
+            <a:noAutofit/>
+          </a:bodyPr>
+          <a:p>
+            <a:pPr algn="ctr"/>
+            <a:endParaRPr b="0" lang="ru-RU" sz="4400" spc="-1" strike="noStrike">
+              <a:latin typeface="Arial"/>
+            </a:endParaRPr>
+          </a:p>
+        </p:txBody>
+      </p:sp>
+      <p:sp>
+        <p:nvSpPr>
+          <p:cNvPr id="88" name="PlaceHolder 2"/>
+          <p:cNvSpPr>
+            <a:spLocks noGrp="1"/>
+          </p:cNvSpPr>
+          <p:nvPr>
+            <p:ph type="body"/>
+          </p:nvPr>
+        </p:nvSpPr>
+        <p:spPr>
+          <a:xfrm>
+            <a:off x="504000" y="1768680"/>
+            <a:ext cx="4426920" cy="2090880"/>
+          </a:xfrm>
+          <a:prstGeom prst="rect">
+            <a:avLst/>
+          </a:prstGeom>
+        </p:spPr>
+        <p:txBody>
+          <a:bodyPr lIns="0" rIns="0" tIns="0" bIns="0">
+            <a:normAutofit/>
+          </a:bodyPr>
+          <a:p>
+            <a:endParaRPr b="0" lang="ru-RU" sz="3200" spc="-1" strike="noStrike">
+              <a:latin typeface="Arial"/>
+            </a:endParaRPr>
+          </a:p>
+        </p:txBody>
+      </p:sp>
+      <p:sp>
+        <p:nvSpPr>
+          <p:cNvPr id="89" name="PlaceHolder 3"/>
+          <p:cNvSpPr>
+            <a:spLocks noGrp="1"/>
+          </p:cNvSpPr>
+          <p:nvPr>
+            <p:ph type="body"/>
+          </p:nvPr>
+        </p:nvSpPr>
+        <p:spPr>
+          <a:xfrm>
+            <a:off x="5152680" y="1768680"/>
+            <a:ext cx="4426920" cy="4384080"/>
+          </a:xfrm>
+          <a:prstGeom prst="rect">
+            <a:avLst/>
+          </a:prstGeom>
+        </p:spPr>
+        <p:txBody>
+          <a:bodyPr lIns="0" rIns="0" tIns="0" bIns="0">
+            <a:normAutofit/>
+          </a:bodyPr>
+          <a:p>
+            <a:endParaRPr b="0" lang="ru-RU" sz="3200" spc="-1" strike="noStrike">
+              <a:latin typeface="Arial"/>
+            </a:endParaRPr>
+          </a:p>
+        </p:txBody>
+      </p:sp>
+      <p:sp>
+        <p:nvSpPr>
+          <p:cNvPr id="90" name="PlaceHolder 4"/>
+          <p:cNvSpPr>
+            <a:spLocks noGrp="1"/>
+          </p:cNvSpPr>
+          <p:nvPr>
+            <p:ph type="body"/>
+          </p:nvPr>
+        </p:nvSpPr>
+        <p:spPr>
+          <a:xfrm>
+            <a:off x="504000" y="4058640"/>
+            <a:ext cx="4426920" cy="2090880"/>
+          </a:xfrm>
+          <a:prstGeom prst="rect">
+            <a:avLst/>
+          </a:prstGeom>
+        </p:spPr>
+        <p:txBody>
+          <a:bodyPr lIns="0" rIns="0" tIns="0" bIns="0">
+            <a:normAutofit/>
+          </a:bodyPr>
+          <a:p>
+            <a:endParaRPr b="0" lang="ru-RU" sz="3200" spc="-1" strike="noStrike">
+              <a:latin typeface="Arial"/>
+            </a:endParaRPr>
+          </a:p>
+        </p:txBody>
+      </p:sp>
+    </p:spTree>
+  </p:cSld>
+</p:sldLayout>
+</file>
+
+<file path=ppt/slideLayouts/slideLayout32.xml><?xml version="1.0" encoding="utf-8"?>
+<p:sldLayout xmlns:a="http://schemas.openxmlformats.org/drawingml/2006/main" xmlns:p="http://schemas.openxmlformats.org/presentationml/2006/main" xmlns:r="http://schemas.openxmlformats.org/officeDocument/2006/relationships" xmlns:p14="http://schemas.microsoft.com/office/powerpoint/2010/main" xmlns:p15="http://schemas.microsoft.com/office/powerpoint/2012/main" xmlns:mc="http://schemas.openxmlformats.org/markup-compatibility/2006" type="objAndTwoObj" preserve="1">
+  <p:cSld name="Title Content and 2 Content">
+    <p:spTree>
+      <p:nvGrpSpPr>
+        <p:cNvPr id="1" name=""/>
+        <p:cNvGrpSpPr/>
+        <p:nvPr/>
+      </p:nvGrpSpPr>
+      <p:grpSpPr>
+        <a:xfrm>
+          <a:off x="0" y="0"/>
+          <a:ext cx="0" cy="0"/>
+          <a:chOff x="0" y="0"/>
+          <a:chExt cx="0" cy="0"/>
+        </a:xfrm>
+      </p:grpSpPr>
+      <p:sp>
+        <p:nvSpPr>
+          <p:cNvPr id="91" name="PlaceHolder 1"/>
+          <p:cNvSpPr>
+            <a:spLocks noGrp="1"/>
+          </p:cNvSpPr>
+          <p:nvPr>
+            <p:ph type="title"/>
+          </p:nvPr>
+        </p:nvSpPr>
+        <p:spPr>
+          <a:xfrm>
+            <a:off x="504000" y="301320"/>
+            <a:ext cx="9072000" cy="1261800"/>
+          </a:xfrm>
+          <a:prstGeom prst="rect">
+            <a:avLst/>
+          </a:prstGeom>
+        </p:spPr>
+        <p:txBody>
+          <a:bodyPr lIns="0" rIns="0" tIns="0" bIns="0" anchor="ctr">
+            <a:noAutofit/>
+          </a:bodyPr>
+          <a:p>
+            <a:pPr algn="ctr"/>
+            <a:endParaRPr b="0" lang="ru-RU" sz="4400" spc="-1" strike="noStrike">
+              <a:latin typeface="Arial"/>
+            </a:endParaRPr>
+          </a:p>
+        </p:txBody>
+      </p:sp>
+      <p:sp>
+        <p:nvSpPr>
+          <p:cNvPr id="92" name="PlaceHolder 2"/>
+          <p:cNvSpPr>
+            <a:spLocks noGrp="1"/>
+          </p:cNvSpPr>
+          <p:nvPr>
+            <p:ph type="body"/>
+          </p:nvPr>
+        </p:nvSpPr>
+        <p:spPr>
+          <a:xfrm>
+            <a:off x="504000" y="1768680"/>
+            <a:ext cx="4426920" cy="4384080"/>
+          </a:xfrm>
+          <a:prstGeom prst="rect">
+            <a:avLst/>
+          </a:prstGeom>
+        </p:spPr>
+        <p:txBody>
+          <a:bodyPr lIns="0" rIns="0" tIns="0" bIns="0">
+            <a:normAutofit/>
+          </a:bodyPr>
+          <a:p>
+            <a:endParaRPr b="0" lang="ru-RU" sz="3200" spc="-1" strike="noStrike">
+              <a:latin typeface="Arial"/>
+            </a:endParaRPr>
+          </a:p>
+        </p:txBody>
+      </p:sp>
+      <p:sp>
+        <p:nvSpPr>
+          <p:cNvPr id="93" name="PlaceHolder 3"/>
+          <p:cNvSpPr>
+            <a:spLocks noGrp="1"/>
+          </p:cNvSpPr>
+          <p:nvPr>
+            <p:ph type="body"/>
+          </p:nvPr>
+        </p:nvSpPr>
+        <p:spPr>
+          <a:xfrm>
+            <a:off x="5152680" y="1768680"/>
+            <a:ext cx="4426920" cy="2090880"/>
+          </a:xfrm>
+          <a:prstGeom prst="rect">
+            <a:avLst/>
+          </a:prstGeom>
+        </p:spPr>
+        <p:txBody>
+          <a:bodyPr lIns="0" rIns="0" tIns="0" bIns="0">
+            <a:normAutofit/>
+          </a:bodyPr>
+          <a:p>
+            <a:endParaRPr b="0" lang="ru-RU" sz="3200" spc="-1" strike="noStrike">
+              <a:latin typeface="Arial"/>
+            </a:endParaRPr>
+          </a:p>
+        </p:txBody>
+      </p:sp>
+      <p:sp>
+        <p:nvSpPr>
+          <p:cNvPr id="94" name="PlaceHolder 4"/>
+          <p:cNvSpPr>
+            <a:spLocks noGrp="1"/>
+          </p:cNvSpPr>
+          <p:nvPr>
+            <p:ph type="body"/>
+          </p:nvPr>
+        </p:nvSpPr>
+        <p:spPr>
+          <a:xfrm>
+            <a:off x="5152680" y="4058640"/>
+            <a:ext cx="4426920" cy="2090880"/>
+          </a:xfrm>
+          <a:prstGeom prst="rect">
+            <a:avLst/>
+          </a:prstGeom>
+        </p:spPr>
+        <p:txBody>
+          <a:bodyPr lIns="0" rIns="0" tIns="0" bIns="0">
+            <a:normAutofit/>
+          </a:bodyPr>
+          <a:p>
+            <a:endParaRPr b="0" lang="ru-RU" sz="3200" spc="-1" strike="noStrike">
+              <a:latin typeface="Arial"/>
+            </a:endParaRPr>
+          </a:p>
+        </p:txBody>
+      </p:sp>
+    </p:spTree>
+  </p:cSld>
+</p:sldLayout>
+</file>
+
+<file path=ppt/slideLayouts/slideLayout33.xml><?xml version="1.0" encoding="utf-8"?>
+<p:sldLayout xmlns:a="http://schemas.openxmlformats.org/drawingml/2006/main" xmlns:p="http://schemas.openxmlformats.org/presentationml/2006/main" xmlns:r="http://schemas.openxmlformats.org/officeDocument/2006/relationships" xmlns:p14="http://schemas.microsoft.com/office/powerpoint/2010/main" xmlns:p15="http://schemas.microsoft.com/office/powerpoint/2012/main" xmlns:mc="http://schemas.openxmlformats.org/markup-compatibility/2006" type="twoObjOverTx" preserve="1">
+  <p:cSld name="Title, 2 Content over Content">
+    <p:spTree>
+      <p:nvGrpSpPr>
+        <p:cNvPr id="1" name=""/>
+        <p:cNvGrpSpPr/>
+        <p:nvPr/>
+      </p:nvGrpSpPr>
+      <p:grpSpPr>
+        <a:xfrm>
+          <a:off x="0" y="0"/>
+          <a:ext cx="0" cy="0"/>
+          <a:chOff x="0" y="0"/>
+          <a:chExt cx="0" cy="0"/>
+        </a:xfrm>
+      </p:grpSpPr>
+      <p:sp>
+        <p:nvSpPr>
+          <p:cNvPr id="95" name="PlaceHolder 1"/>
+          <p:cNvSpPr>
+            <a:spLocks noGrp="1"/>
+          </p:cNvSpPr>
+          <p:nvPr>
+            <p:ph type="title"/>
+          </p:nvPr>
+        </p:nvSpPr>
+        <p:spPr>
+          <a:xfrm>
+            <a:off x="504000" y="301320"/>
+            <a:ext cx="9072000" cy="1261800"/>
+          </a:xfrm>
+          <a:prstGeom prst="rect">
+            <a:avLst/>
+          </a:prstGeom>
+        </p:spPr>
+        <p:txBody>
+          <a:bodyPr lIns="0" rIns="0" tIns="0" bIns="0" anchor="ctr">
+            <a:noAutofit/>
+          </a:bodyPr>
+          <a:p>
+            <a:pPr algn="ctr"/>
+            <a:endParaRPr b="0" lang="ru-RU" sz="4400" spc="-1" strike="noStrike">
+              <a:latin typeface="Arial"/>
+            </a:endParaRPr>
+          </a:p>
+        </p:txBody>
+      </p:sp>
+      <p:sp>
+        <p:nvSpPr>
+          <p:cNvPr id="96" name="PlaceHolder 2"/>
+          <p:cNvSpPr>
+            <a:spLocks noGrp="1"/>
+          </p:cNvSpPr>
+          <p:nvPr>
+            <p:ph type="body"/>
+          </p:nvPr>
+        </p:nvSpPr>
+        <p:spPr>
+          <a:xfrm>
+            <a:off x="504000" y="1768680"/>
+            <a:ext cx="4426920" cy="2090880"/>
+          </a:xfrm>
+          <a:prstGeom prst="rect">
+            <a:avLst/>
+          </a:prstGeom>
+        </p:spPr>
+        <p:txBody>
+          <a:bodyPr lIns="0" rIns="0" tIns="0" bIns="0">
+            <a:normAutofit/>
+          </a:bodyPr>
+          <a:p>
+            <a:endParaRPr b="0" lang="ru-RU" sz="3200" spc="-1" strike="noStrike">
+              <a:latin typeface="Arial"/>
+            </a:endParaRPr>
+          </a:p>
+        </p:txBody>
+      </p:sp>
+      <p:sp>
+        <p:nvSpPr>
+          <p:cNvPr id="97" name="PlaceHolder 3"/>
+          <p:cNvSpPr>
+            <a:spLocks noGrp="1"/>
+          </p:cNvSpPr>
+          <p:nvPr>
+            <p:ph type="body"/>
+          </p:nvPr>
+        </p:nvSpPr>
+        <p:spPr>
+          <a:xfrm>
+            <a:off x="5152680" y="1768680"/>
+            <a:ext cx="4426920" cy="2090880"/>
+          </a:xfrm>
+          <a:prstGeom prst="rect">
+            <a:avLst/>
+          </a:prstGeom>
+        </p:spPr>
+        <p:txBody>
+          <a:bodyPr lIns="0" rIns="0" tIns="0" bIns="0">
+            <a:normAutofit/>
+          </a:bodyPr>
+          <a:p>
+            <a:endParaRPr b="0" lang="ru-RU" sz="3200" spc="-1" strike="noStrike">
+              <a:latin typeface="Arial"/>
+            </a:endParaRPr>
+          </a:p>
+        </p:txBody>
+      </p:sp>
+      <p:sp>
+        <p:nvSpPr>
+          <p:cNvPr id="98" name="PlaceHolder 4"/>
+          <p:cNvSpPr>
+            <a:spLocks noGrp="1"/>
+          </p:cNvSpPr>
+          <p:nvPr>
+            <p:ph type="body"/>
+          </p:nvPr>
+        </p:nvSpPr>
+        <p:spPr>
+          <a:xfrm>
+            <a:off x="504000" y="4058640"/>
+            <a:ext cx="9072000" cy="2090880"/>
+          </a:xfrm>
+          <a:prstGeom prst="rect">
+            <a:avLst/>
+          </a:prstGeom>
+        </p:spPr>
+        <p:txBody>
+          <a:bodyPr lIns="0" rIns="0" tIns="0" bIns="0">
+            <a:normAutofit/>
+          </a:bodyPr>
+          <a:p>
+            <a:endParaRPr b="0" lang="ru-RU" sz="3200" spc="-1" strike="noStrike">
+              <a:latin typeface="Arial"/>
+            </a:endParaRPr>
+          </a:p>
+        </p:txBody>
+      </p:sp>
+    </p:spTree>
+  </p:cSld>
+</p:sldLayout>
+</file>
+
+<file path=ppt/slideLayouts/slideLayout34.xml><?xml version="1.0" encoding="utf-8"?>
+<p:sldLayout xmlns:a="http://schemas.openxmlformats.org/drawingml/2006/main" xmlns:p="http://schemas.openxmlformats.org/presentationml/2006/main" xmlns:r="http://schemas.openxmlformats.org/officeDocument/2006/relationships" xmlns:p14="http://schemas.microsoft.com/office/powerpoint/2010/main" xmlns:p15="http://schemas.microsoft.com/office/powerpoint/2012/main" xmlns:mc="http://schemas.openxmlformats.org/markup-compatibility/2006" type="objOverTx" preserve="1">
+  <p:cSld name="Title, Content over Content">
+    <p:spTree>
+      <p:nvGrpSpPr>
+        <p:cNvPr id="1" name=""/>
+        <p:cNvGrpSpPr/>
+        <p:nvPr/>
+      </p:nvGrpSpPr>
+      <p:grpSpPr>
+        <a:xfrm>
+          <a:off x="0" y="0"/>
+          <a:ext cx="0" cy="0"/>
+          <a:chOff x="0" y="0"/>
+          <a:chExt cx="0" cy="0"/>
+        </a:xfrm>
+      </p:grpSpPr>
+      <p:sp>
+        <p:nvSpPr>
+          <p:cNvPr id="99" name="PlaceHolder 1"/>
+          <p:cNvSpPr>
+            <a:spLocks noGrp="1"/>
+          </p:cNvSpPr>
+          <p:nvPr>
+            <p:ph type="title"/>
+          </p:nvPr>
+        </p:nvSpPr>
+        <p:spPr>
+          <a:xfrm>
+            <a:off x="504000" y="301320"/>
+            <a:ext cx="9072000" cy="1261800"/>
+          </a:xfrm>
+          <a:prstGeom prst="rect">
+            <a:avLst/>
+          </a:prstGeom>
+        </p:spPr>
+        <p:txBody>
+          <a:bodyPr lIns="0" rIns="0" tIns="0" bIns="0" anchor="ctr">
+            <a:noAutofit/>
+          </a:bodyPr>
+          <a:p>
+            <a:pPr algn="ctr"/>
+            <a:endParaRPr b="0" lang="ru-RU" sz="4400" spc="-1" strike="noStrike">
+              <a:latin typeface="Arial"/>
+            </a:endParaRPr>
+          </a:p>
+        </p:txBody>
+      </p:sp>
+      <p:sp>
+        <p:nvSpPr>
+          <p:cNvPr id="100" name="PlaceHolder 2"/>
+          <p:cNvSpPr>
+            <a:spLocks noGrp="1"/>
+          </p:cNvSpPr>
+          <p:nvPr>
+            <p:ph type="body"/>
+          </p:nvPr>
+        </p:nvSpPr>
+        <p:spPr>
+          <a:xfrm>
+            <a:off x="504000" y="1768680"/>
+            <a:ext cx="9072000" cy="2090880"/>
+          </a:xfrm>
+          <a:prstGeom prst="rect">
+            <a:avLst/>
+          </a:prstGeom>
+        </p:spPr>
+        <p:txBody>
+          <a:bodyPr lIns="0" rIns="0" tIns="0" bIns="0">
+            <a:normAutofit/>
+          </a:bodyPr>
+          <a:p>
+            <a:endParaRPr b="0" lang="ru-RU" sz="3200" spc="-1" strike="noStrike">
+              <a:latin typeface="Arial"/>
+            </a:endParaRPr>
+          </a:p>
+        </p:txBody>
+      </p:sp>
+      <p:sp>
+        <p:nvSpPr>
+          <p:cNvPr id="101" name="PlaceHolder 3"/>
+          <p:cNvSpPr>
+            <a:spLocks noGrp="1"/>
+          </p:cNvSpPr>
+          <p:nvPr>
+            <p:ph type="body"/>
+          </p:nvPr>
+        </p:nvSpPr>
+        <p:spPr>
+          <a:xfrm>
+            <a:off x="504000" y="4058640"/>
+            <a:ext cx="9072000" cy="2090880"/>
+          </a:xfrm>
+          <a:prstGeom prst="rect">
+            <a:avLst/>
+          </a:prstGeom>
+        </p:spPr>
+        <p:txBody>
+          <a:bodyPr lIns="0" rIns="0" tIns="0" bIns="0">
+            <a:normAutofit/>
+          </a:bodyPr>
+          <a:p>
+            <a:endParaRPr b="0" lang="ru-RU" sz="3200" spc="-1" strike="noStrike">
+              <a:latin typeface="Arial"/>
+            </a:endParaRPr>
+          </a:p>
+        </p:txBody>
+      </p:sp>
+    </p:spTree>
+  </p:cSld>
+</p:sldLayout>
+</file>
+
+<file path=ppt/slideLayouts/slideLayout35.xml><?xml version="1.0" encoding="utf-8"?>
+<p:sldLayout xmlns:a="http://schemas.openxmlformats.org/drawingml/2006/main" xmlns:p="http://schemas.openxmlformats.org/presentationml/2006/main" xmlns:r="http://schemas.openxmlformats.org/officeDocument/2006/relationships" xmlns:p14="http://schemas.microsoft.com/office/powerpoint/2010/main" xmlns:p15="http://schemas.microsoft.com/office/powerpoint/2012/main" xmlns:mc="http://schemas.openxmlformats.org/markup-compatibility/2006" type="fourObj" preserve="1">
+  <p:cSld name="Title, 4 Content">
+    <p:spTree>
+      <p:nvGrpSpPr>
+        <p:cNvPr id="1" name=""/>
+        <p:cNvGrpSpPr/>
+        <p:nvPr/>
+      </p:nvGrpSpPr>
+      <p:grpSpPr>
+        <a:xfrm>
+          <a:off x="0" y="0"/>
+          <a:ext cx="0" cy="0"/>
+          <a:chOff x="0" y="0"/>
+          <a:chExt cx="0" cy="0"/>
+        </a:xfrm>
+      </p:grpSpPr>
+      <p:sp>
+        <p:nvSpPr>
+          <p:cNvPr id="102" name="PlaceHolder 1"/>
+          <p:cNvSpPr>
+            <a:spLocks noGrp="1"/>
+          </p:cNvSpPr>
+          <p:nvPr>
+            <p:ph type="title"/>
+          </p:nvPr>
+        </p:nvSpPr>
+        <p:spPr>
+          <a:xfrm>
+            <a:off x="504000" y="301320"/>
+            <a:ext cx="9072000" cy="1261800"/>
+          </a:xfrm>
+          <a:prstGeom prst="rect">
+            <a:avLst/>
+          </a:prstGeom>
+        </p:spPr>
+        <p:txBody>
+          <a:bodyPr lIns="0" rIns="0" tIns="0" bIns="0" anchor="ctr">
+            <a:noAutofit/>
+          </a:bodyPr>
+          <a:p>
+            <a:pPr algn="ctr"/>
+            <a:endParaRPr b="0" lang="ru-RU" sz="4400" spc="-1" strike="noStrike">
+              <a:latin typeface="Arial"/>
+            </a:endParaRPr>
+          </a:p>
+        </p:txBody>
+      </p:sp>
+      <p:sp>
+        <p:nvSpPr>
+          <p:cNvPr id="103" name="PlaceHolder 2"/>
+          <p:cNvSpPr>
+            <a:spLocks noGrp="1"/>
+          </p:cNvSpPr>
+          <p:nvPr>
+            <p:ph type="body"/>
+          </p:nvPr>
+        </p:nvSpPr>
+        <p:spPr>
+          <a:xfrm>
+            <a:off x="504000" y="1768680"/>
+            <a:ext cx="4426920" cy="2090880"/>
+          </a:xfrm>
+          <a:prstGeom prst="rect">
+            <a:avLst/>
+          </a:prstGeom>
+        </p:spPr>
+        <p:txBody>
+          <a:bodyPr lIns="0" rIns="0" tIns="0" bIns="0">
+            <a:normAutofit/>
+          </a:bodyPr>
+          <a:p>
+            <a:endParaRPr b="0" lang="ru-RU" sz="3200" spc="-1" strike="noStrike">
+              <a:latin typeface="Arial"/>
+            </a:endParaRPr>
+          </a:p>
+        </p:txBody>
+      </p:sp>
+      <p:sp>
+        <p:nvSpPr>
+          <p:cNvPr id="104" name="PlaceHolder 3"/>
+          <p:cNvSpPr>
+            <a:spLocks noGrp="1"/>
+          </p:cNvSpPr>
+          <p:nvPr>
+            <p:ph type="body"/>
+          </p:nvPr>
+        </p:nvSpPr>
+        <p:spPr>
+          <a:xfrm>
+            <a:off x="5152680" y="1768680"/>
+            <a:ext cx="4426920" cy="2090880"/>
+          </a:xfrm>
+          <a:prstGeom prst="rect">
+            <a:avLst/>
+          </a:prstGeom>
+        </p:spPr>
+        <p:txBody>
+          <a:bodyPr lIns="0" rIns="0" tIns="0" bIns="0">
+            <a:normAutofit/>
+          </a:bodyPr>
+          <a:p>
+            <a:endParaRPr b="0" lang="ru-RU" sz="3200" spc="-1" strike="noStrike">
+              <a:latin typeface="Arial"/>
+            </a:endParaRPr>
+          </a:p>
+        </p:txBody>
+      </p:sp>
+      <p:sp>
+        <p:nvSpPr>
+          <p:cNvPr id="105" name="PlaceHolder 4"/>
+          <p:cNvSpPr>
+            <a:spLocks noGrp="1"/>
+          </p:cNvSpPr>
+          <p:nvPr>
+            <p:ph type="body"/>
+          </p:nvPr>
+        </p:nvSpPr>
+        <p:spPr>
+          <a:xfrm>
+            <a:off x="504000" y="4058640"/>
+            <a:ext cx="4426920" cy="2090880"/>
+          </a:xfrm>
+          <a:prstGeom prst="rect">
+            <a:avLst/>
+          </a:prstGeom>
+        </p:spPr>
+        <p:txBody>
+          <a:bodyPr lIns="0" rIns="0" tIns="0" bIns="0">
+            <a:normAutofit/>
+          </a:bodyPr>
+          <a:p>
+            <a:endParaRPr b="0" lang="ru-RU" sz="3200" spc="-1" strike="noStrike">
+              <a:latin typeface="Arial"/>
+            </a:endParaRPr>
+          </a:p>
+        </p:txBody>
+      </p:sp>
+      <p:sp>
+        <p:nvSpPr>
+          <p:cNvPr id="106" name="PlaceHolder 5"/>
+          <p:cNvSpPr>
+            <a:spLocks noGrp="1"/>
+          </p:cNvSpPr>
+          <p:nvPr>
+            <p:ph type="body"/>
+          </p:nvPr>
+        </p:nvSpPr>
+        <p:spPr>
+          <a:xfrm>
+            <a:off x="5152680" y="4058640"/>
+            <a:ext cx="4426920" cy="2090880"/>
+          </a:xfrm>
+          <a:prstGeom prst="rect">
+            <a:avLst/>
+          </a:prstGeom>
+        </p:spPr>
+        <p:txBody>
+          <a:bodyPr lIns="0" rIns="0" tIns="0" bIns="0">
+            <a:normAutofit/>
+          </a:bodyPr>
+          <a:p>
+            <a:endParaRPr b="0" lang="ru-RU" sz="3200" spc="-1" strike="noStrike">
+              <a:latin typeface="Arial"/>
+            </a:endParaRPr>
+          </a:p>
+        </p:txBody>
+      </p:sp>
+    </p:spTree>
+  </p:cSld>
+</p:sldLayout>
+</file>
+
+<file path=ppt/slideLayouts/slideLayout36.xml><?xml version="1.0" encoding="utf-8"?>
+<p:sldLayout xmlns:a="http://schemas.openxmlformats.org/drawingml/2006/main" xmlns:p="http://schemas.openxmlformats.org/presentationml/2006/main" xmlns:r="http://schemas.openxmlformats.org/officeDocument/2006/relationships" xmlns:p14="http://schemas.microsoft.com/office/powerpoint/2010/main" xmlns:p15="http://schemas.microsoft.com/office/powerpoint/2012/main" xmlns:mc="http://schemas.openxmlformats.org/markup-compatibility/2006" type="blank" preserve="1">
+  <p:cSld name="Title, 6 Content">
+    <p:spTree>
+      <p:nvGrpSpPr>
+        <p:cNvPr id="1" name=""/>
+        <p:cNvGrpSpPr/>
+        <p:nvPr/>
+      </p:nvGrpSpPr>
+      <p:grpSpPr>
+        <a:xfrm>
+          <a:off x="0" y="0"/>
+          <a:ext cx="0" cy="0"/>
+          <a:chOff x="0" y="0"/>
+          <a:chExt cx="0" cy="0"/>
+        </a:xfrm>
+      </p:grpSpPr>
+      <p:sp>
+        <p:nvSpPr>
+          <p:cNvPr id="107" name="PlaceHolder 1"/>
+          <p:cNvSpPr>
+            <a:spLocks noGrp="1"/>
+          </p:cNvSpPr>
+          <p:nvPr>
+            <p:ph type="title"/>
+          </p:nvPr>
+        </p:nvSpPr>
+        <p:spPr>
+          <a:xfrm>
+            <a:off x="504000" y="301320"/>
+            <a:ext cx="9072000" cy="1261800"/>
+          </a:xfrm>
+          <a:prstGeom prst="rect">
+            <a:avLst/>
+          </a:prstGeom>
+        </p:spPr>
+        <p:txBody>
+          <a:bodyPr lIns="0" rIns="0" tIns="0" bIns="0" anchor="ctr">
+            <a:noAutofit/>
+          </a:bodyPr>
+          <a:p>
+            <a:pPr algn="ctr"/>
+            <a:endParaRPr b="0" lang="ru-RU" sz="4400" spc="-1" strike="noStrike">
+              <a:latin typeface="Arial"/>
+            </a:endParaRPr>
+          </a:p>
+        </p:txBody>
+      </p:sp>
+      <p:sp>
+        <p:nvSpPr>
+          <p:cNvPr id="108" name="PlaceHolder 2"/>
+          <p:cNvSpPr>
+            <a:spLocks noGrp="1"/>
+          </p:cNvSpPr>
+          <p:nvPr>
+            <p:ph type="body"/>
+          </p:nvPr>
+        </p:nvSpPr>
+        <p:spPr>
+          <a:xfrm>
+            <a:off x="504000" y="1768680"/>
+            <a:ext cx="2921040" cy="2090880"/>
+          </a:xfrm>
+          <a:prstGeom prst="rect">
+            <a:avLst/>
+          </a:prstGeom>
+        </p:spPr>
+        <p:txBody>
+          <a:bodyPr lIns="0" rIns="0" tIns="0" bIns="0">
+            <a:normAutofit/>
+          </a:bodyPr>
+          <a:p>
+            <a:endParaRPr b="0" lang="ru-RU" sz="3200" spc="-1" strike="noStrike">
+              <a:latin typeface="Arial"/>
+            </a:endParaRPr>
+          </a:p>
+        </p:txBody>
+      </p:sp>
+      <p:sp>
+        <p:nvSpPr>
+          <p:cNvPr id="109" name="PlaceHolder 3"/>
+          <p:cNvSpPr>
+            <a:spLocks noGrp="1"/>
+          </p:cNvSpPr>
+          <p:nvPr>
+            <p:ph type="body"/>
+          </p:nvPr>
+        </p:nvSpPr>
+        <p:spPr>
+          <a:xfrm>
+            <a:off x="3571560" y="1768680"/>
+            <a:ext cx="2921040" cy="2090880"/>
+          </a:xfrm>
+          <a:prstGeom prst="rect">
+            <a:avLst/>
+          </a:prstGeom>
+        </p:spPr>
+        <p:txBody>
+          <a:bodyPr lIns="0" rIns="0" tIns="0" bIns="0">
+            <a:normAutofit/>
+          </a:bodyPr>
+          <a:p>
+            <a:endParaRPr b="0" lang="ru-RU" sz="3200" spc="-1" strike="noStrike">
+              <a:latin typeface="Arial"/>
+            </a:endParaRPr>
+          </a:p>
+        </p:txBody>
+      </p:sp>
+      <p:sp>
+        <p:nvSpPr>
+          <p:cNvPr id="110" name="PlaceHolder 4"/>
+          <p:cNvSpPr>
+            <a:spLocks noGrp="1"/>
+          </p:cNvSpPr>
+          <p:nvPr>
+            <p:ph type="body"/>
+          </p:nvPr>
+        </p:nvSpPr>
+        <p:spPr>
+          <a:xfrm>
+            <a:off x="6639120" y="1768680"/>
+            <a:ext cx="2921040" cy="2090880"/>
+          </a:xfrm>
+          <a:prstGeom prst="rect">
+            <a:avLst/>
+          </a:prstGeom>
+        </p:spPr>
+        <p:txBody>
+          <a:bodyPr lIns="0" rIns="0" tIns="0" bIns="0">
+            <a:normAutofit/>
+          </a:bodyPr>
+          <a:p>
+            <a:endParaRPr b="0" lang="ru-RU" sz="3200" spc="-1" strike="noStrike">
+              <a:latin typeface="Arial"/>
+            </a:endParaRPr>
+          </a:p>
+        </p:txBody>
+      </p:sp>
+      <p:sp>
+        <p:nvSpPr>
+          <p:cNvPr id="111" name="PlaceHolder 5"/>
+          <p:cNvSpPr>
+            <a:spLocks noGrp="1"/>
+          </p:cNvSpPr>
+          <p:nvPr>
+            <p:ph type="body"/>
+          </p:nvPr>
+        </p:nvSpPr>
+        <p:spPr>
+          <a:xfrm>
+            <a:off x="504000" y="4058640"/>
+            <a:ext cx="2921040" cy="2090880"/>
+          </a:xfrm>
+          <a:prstGeom prst="rect">
+            <a:avLst/>
+          </a:prstGeom>
+        </p:spPr>
+        <p:txBody>
+          <a:bodyPr lIns="0" rIns="0" tIns="0" bIns="0">
+            <a:normAutofit/>
+          </a:bodyPr>
+          <a:p>
+            <a:endParaRPr b="0" lang="ru-RU" sz="3200" spc="-1" strike="noStrike">
+              <a:latin typeface="Arial"/>
+            </a:endParaRPr>
+          </a:p>
+        </p:txBody>
+      </p:sp>
+      <p:sp>
+        <p:nvSpPr>
+          <p:cNvPr id="112" name="PlaceHolder 6"/>
+          <p:cNvSpPr>
+            <a:spLocks noGrp="1"/>
+          </p:cNvSpPr>
+          <p:nvPr>
+            <p:ph type="body"/>
+          </p:nvPr>
+        </p:nvSpPr>
+        <p:spPr>
+          <a:xfrm>
+            <a:off x="3571560" y="4058640"/>
+            <a:ext cx="2921040" cy="2090880"/>
+          </a:xfrm>
+          <a:prstGeom prst="rect">
+            <a:avLst/>
+          </a:prstGeom>
+        </p:spPr>
+        <p:txBody>
+          <a:bodyPr lIns="0" rIns="0" tIns="0" bIns="0">
+            <a:normAutofit/>
+          </a:bodyPr>
+          <a:p>
+            <a:endParaRPr b="0" lang="ru-RU" sz="3200" spc="-1" strike="noStrike">
+              <a:latin typeface="Arial"/>
+            </a:endParaRPr>
+          </a:p>
+        </p:txBody>
+      </p:sp>
+      <p:sp>
+        <p:nvSpPr>
+          <p:cNvPr id="113" name="PlaceHolder 7"/>
+          <p:cNvSpPr>
+            <a:spLocks noGrp="1"/>
+          </p:cNvSpPr>
+          <p:nvPr>
+            <p:ph type="body"/>
+          </p:nvPr>
+        </p:nvSpPr>
+        <p:spPr>
+          <a:xfrm>
+            <a:off x="6639120" y="4058640"/>
+            <a:ext cx="2921040" cy="2090880"/>
+          </a:xfrm>
+          <a:prstGeom prst="rect">
+            <a:avLst/>
+          </a:prstGeom>
+        </p:spPr>
+        <p:txBody>
+          <a:bodyPr lIns="0" rIns="0" tIns="0" bIns="0">
+            <a:normAutofit/>
+          </a:bodyPr>
+          <a:p>
+            <a:endParaRPr b="0" lang="ru-RU" sz="3200" spc="-1" strike="noStrike">
               <a:latin typeface="Arial"/>
             </a:endParaRPr>
           </a:p>
@@ -2269,7 +3460,7 @@
       </p:grpSpPr>
       <p:sp>
         <p:nvSpPr>
-          <p:cNvPr id="9" name="PlaceHolder 1"/>
+          <p:cNvPr id="6" name="PlaceHolder 1"/>
           <p:cNvSpPr>
             <a:spLocks noGrp="1"/>
           </p:cNvSpPr>
@@ -2279,8 +3470,8 @@
         </p:nvSpPr>
         <p:spPr>
           <a:xfrm>
-            <a:off x="504000" y="1080000"/>
-            <a:ext cx="9071640" cy="1728000"/>
+            <a:off x="504000" y="301320"/>
+            <a:ext cx="9072000" cy="1261800"/>
           </a:xfrm>
           <a:prstGeom prst="rect">
             <a:avLst/>
@@ -2292,76 +3483,67 @@
           </a:bodyPr>
           <a:p>
             <a:pPr algn="ctr"/>
-            <a:endParaRPr b="0" lang="ru-RU" sz="5860" spc="-1" strike="noStrike">
-              <a:solidFill>
-                <a:srgbClr val="ffffff"/>
-              </a:solidFill>
-              <a:latin typeface="Arial"/>
-            </a:endParaRPr>
-          </a:p>
-        </p:txBody>
-      </p:sp>
-      <p:sp>
-        <p:nvSpPr>
-          <p:cNvPr id="10" name="PlaceHolder 2"/>
-          <p:cNvSpPr>
-            <a:spLocks noGrp="1"/>
-          </p:cNvSpPr>
-          <p:nvPr>
-            <p:ph type="body"/>
-          </p:nvPr>
-        </p:nvSpPr>
-        <p:spPr>
-          <a:xfrm>
-            <a:off x="504000" y="3168000"/>
-            <a:ext cx="4426920" cy="3672000"/>
-          </a:xfrm>
-          <a:prstGeom prst="rect">
-            <a:avLst/>
-          </a:prstGeom>
-        </p:spPr>
-        <p:txBody>
-          <a:bodyPr lIns="0" rIns="0" tIns="0" bIns="0">
-            <a:normAutofit/>
-          </a:bodyPr>
-          <a:p>
-            <a:endParaRPr b="0" lang="ru-RU" sz="4200" spc="-1" strike="noStrike">
-              <a:solidFill>
-                <a:srgbClr val="ffffff"/>
-              </a:solidFill>
-              <a:latin typeface="Arial"/>
-            </a:endParaRPr>
-          </a:p>
-        </p:txBody>
-      </p:sp>
-      <p:sp>
-        <p:nvSpPr>
-          <p:cNvPr id="11" name="PlaceHolder 3"/>
-          <p:cNvSpPr>
-            <a:spLocks noGrp="1"/>
-          </p:cNvSpPr>
-          <p:nvPr>
-            <p:ph type="body"/>
-          </p:nvPr>
-        </p:nvSpPr>
-        <p:spPr>
-          <a:xfrm>
-            <a:off x="5152680" y="3168000"/>
-            <a:ext cx="4426920" cy="3672000"/>
-          </a:xfrm>
-          <a:prstGeom prst="rect">
-            <a:avLst/>
-          </a:prstGeom>
-        </p:spPr>
-        <p:txBody>
-          <a:bodyPr lIns="0" rIns="0" tIns="0" bIns="0">
-            <a:normAutofit/>
-          </a:bodyPr>
-          <a:p>
-            <a:endParaRPr b="0" lang="ru-RU" sz="4200" spc="-1" strike="noStrike">
-              <a:solidFill>
-                <a:srgbClr val="ffffff"/>
-              </a:solidFill>
+            <a:endParaRPr b="0" lang="ru-RU" sz="4400" spc="-1" strike="noStrike">
+              <a:latin typeface="Arial"/>
+            </a:endParaRPr>
+          </a:p>
+        </p:txBody>
+      </p:sp>
+      <p:sp>
+        <p:nvSpPr>
+          <p:cNvPr id="7" name="PlaceHolder 2"/>
+          <p:cNvSpPr>
+            <a:spLocks noGrp="1"/>
+          </p:cNvSpPr>
+          <p:nvPr>
+            <p:ph type="body"/>
+          </p:nvPr>
+        </p:nvSpPr>
+        <p:spPr>
+          <a:xfrm>
+            <a:off x="504000" y="1768680"/>
+            <a:ext cx="4426920" cy="4384080"/>
+          </a:xfrm>
+          <a:prstGeom prst="rect">
+            <a:avLst/>
+          </a:prstGeom>
+        </p:spPr>
+        <p:txBody>
+          <a:bodyPr lIns="0" rIns="0" tIns="0" bIns="0">
+            <a:normAutofit/>
+          </a:bodyPr>
+          <a:p>
+            <a:endParaRPr b="0" lang="ru-RU" sz="3200" spc="-1" strike="noStrike">
+              <a:latin typeface="Arial"/>
+            </a:endParaRPr>
+          </a:p>
+        </p:txBody>
+      </p:sp>
+      <p:sp>
+        <p:nvSpPr>
+          <p:cNvPr id="8" name="PlaceHolder 3"/>
+          <p:cNvSpPr>
+            <a:spLocks noGrp="1"/>
+          </p:cNvSpPr>
+          <p:nvPr>
+            <p:ph type="body"/>
+          </p:nvPr>
+        </p:nvSpPr>
+        <p:spPr>
+          <a:xfrm>
+            <a:off x="5152680" y="1768680"/>
+            <a:ext cx="4426920" cy="4384080"/>
+          </a:xfrm>
+          <a:prstGeom prst="rect">
+            <a:avLst/>
+          </a:prstGeom>
+        </p:spPr>
+        <p:txBody>
+          <a:bodyPr lIns="0" rIns="0" tIns="0" bIns="0">
+            <a:normAutofit/>
+          </a:bodyPr>
+          <a:p>
+            <a:endParaRPr b="0" lang="ru-RU" sz="3200" spc="-1" strike="noStrike">
               <a:latin typeface="Arial"/>
             </a:endParaRPr>
           </a:p>
@@ -2391,7 +3573,7 @@
       </p:grpSpPr>
       <p:sp>
         <p:nvSpPr>
-          <p:cNvPr id="12" name="PlaceHolder 1"/>
+          <p:cNvPr id="9" name="PlaceHolder 1"/>
           <p:cNvSpPr>
             <a:spLocks noGrp="1"/>
           </p:cNvSpPr>
@@ -2401,8 +3583,8 @@
         </p:nvSpPr>
         <p:spPr>
           <a:xfrm>
-            <a:off x="504000" y="1080000"/>
-            <a:ext cx="9071640" cy="1728000"/>
+            <a:off x="504000" y="301320"/>
+            <a:ext cx="9072000" cy="1261800"/>
           </a:xfrm>
           <a:prstGeom prst="rect">
             <a:avLst/>
@@ -2414,10 +3596,7 @@
           </a:bodyPr>
           <a:p>
             <a:pPr algn="ctr"/>
-            <a:endParaRPr b="0" lang="ru-RU" sz="5860" spc="-1" strike="noStrike">
-              <a:solidFill>
-                <a:srgbClr val="ffffff"/>
-              </a:solidFill>
+            <a:endParaRPr b="0" lang="ru-RU" sz="4400" spc="-1" strike="noStrike">
               <a:latin typeface="Arial"/>
             </a:endParaRPr>
           </a:p>
@@ -2447,7 +3626,7 @@
       </p:grpSpPr>
       <p:sp>
         <p:nvSpPr>
-          <p:cNvPr id="13" name="PlaceHolder 1"/>
+          <p:cNvPr id="10" name="PlaceHolder 1"/>
           <p:cNvSpPr>
             <a:spLocks noGrp="1"/>
           </p:cNvSpPr>
@@ -2457,8 +3636,8 @@
         </p:nvSpPr>
         <p:spPr>
           <a:xfrm>
-            <a:off x="504000" y="1080000"/>
-            <a:ext cx="9071640" cy="8011440"/>
+            <a:off x="504000" y="301320"/>
+            <a:ext cx="9072000" cy="5850360"/>
           </a:xfrm>
           <a:prstGeom prst="rect">
             <a:avLst/>
@@ -2471,9 +3650,6 @@
           <a:p>
             <a:pPr algn="ctr"/>
             <a:endParaRPr b="0" lang="ru-RU" sz="3200" spc="-1" strike="noStrike">
-              <a:solidFill>
-                <a:srgbClr val="ffffff"/>
-              </a:solidFill>
               <a:latin typeface="Arial"/>
             </a:endParaRPr>
           </a:p>
@@ -2503,7 +3679,7 @@
       </p:grpSpPr>
       <p:sp>
         <p:nvSpPr>
-          <p:cNvPr id="14" name="PlaceHolder 1"/>
+          <p:cNvPr id="11" name="PlaceHolder 1"/>
           <p:cNvSpPr>
             <a:spLocks noGrp="1"/>
           </p:cNvSpPr>
@@ -2513,8 +3689,8 @@
         </p:nvSpPr>
         <p:spPr>
           <a:xfrm>
-            <a:off x="504000" y="1080000"/>
-            <a:ext cx="9071640" cy="1728000"/>
+            <a:off x="504000" y="301320"/>
+            <a:ext cx="9072000" cy="1261800"/>
           </a:xfrm>
           <a:prstGeom prst="rect">
             <a:avLst/>
@@ -2526,109 +3702,97 @@
           </a:bodyPr>
           <a:p>
             <a:pPr algn="ctr"/>
-            <a:endParaRPr b="0" lang="ru-RU" sz="5860" spc="-1" strike="noStrike">
-              <a:solidFill>
-                <a:srgbClr val="ffffff"/>
-              </a:solidFill>
-              <a:latin typeface="Arial"/>
-            </a:endParaRPr>
-          </a:p>
-        </p:txBody>
-      </p:sp>
-      <p:sp>
-        <p:nvSpPr>
-          <p:cNvPr id="15" name="PlaceHolder 2"/>
-          <p:cNvSpPr>
-            <a:spLocks noGrp="1"/>
-          </p:cNvSpPr>
-          <p:nvPr>
-            <p:ph type="body"/>
-          </p:nvPr>
-        </p:nvSpPr>
-        <p:spPr>
-          <a:xfrm>
-            <a:off x="504000" y="3168000"/>
-            <a:ext cx="4426920" cy="1751400"/>
-          </a:xfrm>
-          <a:prstGeom prst="rect">
-            <a:avLst/>
-          </a:prstGeom>
-        </p:spPr>
-        <p:txBody>
-          <a:bodyPr lIns="0" rIns="0" tIns="0" bIns="0">
-            <a:normAutofit/>
-          </a:bodyPr>
-          <a:p>
-            <a:endParaRPr b="0" lang="ru-RU" sz="4200" spc="-1" strike="noStrike">
-              <a:solidFill>
-                <a:srgbClr val="ffffff"/>
-              </a:solidFill>
-              <a:latin typeface="Arial"/>
-            </a:endParaRPr>
-          </a:p>
-        </p:txBody>
-      </p:sp>
-      <p:sp>
-        <p:nvSpPr>
-          <p:cNvPr id="16" name="PlaceHolder 3"/>
-          <p:cNvSpPr>
-            <a:spLocks noGrp="1"/>
-          </p:cNvSpPr>
-          <p:nvPr>
-            <p:ph type="body"/>
-          </p:nvPr>
-        </p:nvSpPr>
-        <p:spPr>
-          <a:xfrm>
-            <a:off x="5152680" y="3168000"/>
-            <a:ext cx="4426920" cy="3672000"/>
-          </a:xfrm>
-          <a:prstGeom prst="rect">
-            <a:avLst/>
-          </a:prstGeom>
-        </p:spPr>
-        <p:txBody>
-          <a:bodyPr lIns="0" rIns="0" tIns="0" bIns="0">
-            <a:normAutofit/>
-          </a:bodyPr>
-          <a:p>
-            <a:endParaRPr b="0" lang="ru-RU" sz="4200" spc="-1" strike="noStrike">
-              <a:solidFill>
-                <a:srgbClr val="ffffff"/>
-              </a:solidFill>
-              <a:latin typeface="Arial"/>
-            </a:endParaRPr>
-          </a:p>
-        </p:txBody>
-      </p:sp>
-      <p:sp>
-        <p:nvSpPr>
-          <p:cNvPr id="17" name="PlaceHolder 4"/>
-          <p:cNvSpPr>
-            <a:spLocks noGrp="1"/>
-          </p:cNvSpPr>
-          <p:nvPr>
-            <p:ph type="body"/>
-          </p:nvPr>
-        </p:nvSpPr>
-        <p:spPr>
-          <a:xfrm>
-            <a:off x="504000" y="5086080"/>
-            <a:ext cx="4426920" cy="1751400"/>
-          </a:xfrm>
-          <a:prstGeom prst="rect">
-            <a:avLst/>
-          </a:prstGeom>
-        </p:spPr>
-        <p:txBody>
-          <a:bodyPr lIns="0" rIns="0" tIns="0" bIns="0">
-            <a:normAutofit/>
-          </a:bodyPr>
-          <a:p>
-            <a:endParaRPr b="0" lang="ru-RU" sz="4200" spc="-1" strike="noStrike">
-              <a:solidFill>
-                <a:srgbClr val="ffffff"/>
-              </a:solidFill>
+            <a:endParaRPr b="0" lang="ru-RU" sz="4400" spc="-1" strike="noStrike">
+              <a:latin typeface="Arial"/>
+            </a:endParaRPr>
+          </a:p>
+        </p:txBody>
+      </p:sp>
+      <p:sp>
+        <p:nvSpPr>
+          <p:cNvPr id="12" name="PlaceHolder 2"/>
+          <p:cNvSpPr>
+            <a:spLocks noGrp="1"/>
+          </p:cNvSpPr>
+          <p:nvPr>
+            <p:ph type="body"/>
+          </p:nvPr>
+        </p:nvSpPr>
+        <p:spPr>
+          <a:xfrm>
+            <a:off x="504000" y="1768680"/>
+            <a:ext cx="4426920" cy="2090880"/>
+          </a:xfrm>
+          <a:prstGeom prst="rect">
+            <a:avLst/>
+          </a:prstGeom>
+        </p:spPr>
+        <p:txBody>
+          <a:bodyPr lIns="0" rIns="0" tIns="0" bIns="0">
+            <a:normAutofit/>
+          </a:bodyPr>
+          <a:p>
+            <a:endParaRPr b="0" lang="ru-RU" sz="3200" spc="-1" strike="noStrike">
+              <a:latin typeface="Arial"/>
+            </a:endParaRPr>
+          </a:p>
+        </p:txBody>
+      </p:sp>
+      <p:sp>
+        <p:nvSpPr>
+          <p:cNvPr id="13" name="PlaceHolder 3"/>
+          <p:cNvSpPr>
+            <a:spLocks noGrp="1"/>
+          </p:cNvSpPr>
+          <p:nvPr>
+            <p:ph type="body"/>
+          </p:nvPr>
+        </p:nvSpPr>
+        <p:spPr>
+          <a:xfrm>
+            <a:off x="5152680" y="1768680"/>
+            <a:ext cx="4426920" cy="4384080"/>
+          </a:xfrm>
+          <a:prstGeom prst="rect">
+            <a:avLst/>
+          </a:prstGeom>
+        </p:spPr>
+        <p:txBody>
+          <a:bodyPr lIns="0" rIns="0" tIns="0" bIns="0">
+            <a:normAutofit/>
+          </a:bodyPr>
+          <a:p>
+            <a:endParaRPr b="0" lang="ru-RU" sz="3200" spc="-1" strike="noStrike">
+              <a:latin typeface="Arial"/>
+            </a:endParaRPr>
+          </a:p>
+        </p:txBody>
+      </p:sp>
+      <p:sp>
+        <p:nvSpPr>
+          <p:cNvPr id="14" name="PlaceHolder 4"/>
+          <p:cNvSpPr>
+            <a:spLocks noGrp="1"/>
+          </p:cNvSpPr>
+          <p:nvPr>
+            <p:ph type="body"/>
+          </p:nvPr>
+        </p:nvSpPr>
+        <p:spPr>
+          <a:xfrm>
+            <a:off x="504000" y="4058640"/>
+            <a:ext cx="4426920" cy="2090880"/>
+          </a:xfrm>
+          <a:prstGeom prst="rect">
+            <a:avLst/>
+          </a:prstGeom>
+        </p:spPr>
+        <p:txBody>
+          <a:bodyPr lIns="0" rIns="0" tIns="0" bIns="0">
+            <a:normAutofit/>
+          </a:bodyPr>
+          <a:p>
+            <a:endParaRPr b="0" lang="ru-RU" sz="3200" spc="-1" strike="noStrike">
               <a:latin typeface="Arial"/>
             </a:endParaRPr>
           </a:p>
@@ -2658,7 +3822,7 @@
       </p:grpSpPr>
       <p:sp>
         <p:nvSpPr>
-          <p:cNvPr id="18" name="PlaceHolder 1"/>
+          <p:cNvPr id="15" name="PlaceHolder 1"/>
           <p:cNvSpPr>
             <a:spLocks noGrp="1"/>
           </p:cNvSpPr>
@@ -2668,8 +3832,8 @@
         </p:nvSpPr>
         <p:spPr>
           <a:xfrm>
-            <a:off x="504000" y="1080000"/>
-            <a:ext cx="9071640" cy="1728000"/>
+            <a:off x="504000" y="301320"/>
+            <a:ext cx="9072000" cy="1261800"/>
           </a:xfrm>
           <a:prstGeom prst="rect">
             <a:avLst/>
@@ -2681,109 +3845,97 @@
           </a:bodyPr>
           <a:p>
             <a:pPr algn="ctr"/>
-            <a:endParaRPr b="0" lang="ru-RU" sz="5860" spc="-1" strike="noStrike">
-              <a:solidFill>
-                <a:srgbClr val="ffffff"/>
-              </a:solidFill>
-              <a:latin typeface="Arial"/>
-            </a:endParaRPr>
-          </a:p>
-        </p:txBody>
-      </p:sp>
-      <p:sp>
-        <p:nvSpPr>
-          <p:cNvPr id="19" name="PlaceHolder 2"/>
-          <p:cNvSpPr>
-            <a:spLocks noGrp="1"/>
-          </p:cNvSpPr>
-          <p:nvPr>
-            <p:ph type="body"/>
-          </p:nvPr>
-        </p:nvSpPr>
-        <p:spPr>
-          <a:xfrm>
-            <a:off x="504000" y="3168000"/>
-            <a:ext cx="4426920" cy="3672000"/>
-          </a:xfrm>
-          <a:prstGeom prst="rect">
-            <a:avLst/>
-          </a:prstGeom>
-        </p:spPr>
-        <p:txBody>
-          <a:bodyPr lIns="0" rIns="0" tIns="0" bIns="0">
-            <a:normAutofit/>
-          </a:bodyPr>
-          <a:p>
-            <a:endParaRPr b="0" lang="ru-RU" sz="4200" spc="-1" strike="noStrike">
-              <a:solidFill>
-                <a:srgbClr val="ffffff"/>
-              </a:solidFill>
-              <a:latin typeface="Arial"/>
-            </a:endParaRPr>
-          </a:p>
-        </p:txBody>
-      </p:sp>
-      <p:sp>
-        <p:nvSpPr>
-          <p:cNvPr id="20" name="PlaceHolder 3"/>
-          <p:cNvSpPr>
-            <a:spLocks noGrp="1"/>
-          </p:cNvSpPr>
-          <p:nvPr>
-            <p:ph type="body"/>
-          </p:nvPr>
-        </p:nvSpPr>
-        <p:spPr>
-          <a:xfrm>
-            <a:off x="5152680" y="3168000"/>
-            <a:ext cx="4426920" cy="1751400"/>
-          </a:xfrm>
-          <a:prstGeom prst="rect">
-            <a:avLst/>
-          </a:prstGeom>
-        </p:spPr>
-        <p:txBody>
-          <a:bodyPr lIns="0" rIns="0" tIns="0" bIns="0">
-            <a:normAutofit/>
-          </a:bodyPr>
-          <a:p>
-            <a:endParaRPr b="0" lang="ru-RU" sz="4200" spc="-1" strike="noStrike">
-              <a:solidFill>
-                <a:srgbClr val="ffffff"/>
-              </a:solidFill>
-              <a:latin typeface="Arial"/>
-            </a:endParaRPr>
-          </a:p>
-        </p:txBody>
-      </p:sp>
-      <p:sp>
-        <p:nvSpPr>
-          <p:cNvPr id="21" name="PlaceHolder 4"/>
-          <p:cNvSpPr>
-            <a:spLocks noGrp="1"/>
-          </p:cNvSpPr>
-          <p:nvPr>
-            <p:ph type="body"/>
-          </p:nvPr>
-        </p:nvSpPr>
-        <p:spPr>
-          <a:xfrm>
-            <a:off x="5152680" y="5086080"/>
-            <a:ext cx="4426920" cy="1751400"/>
-          </a:xfrm>
-          <a:prstGeom prst="rect">
-            <a:avLst/>
-          </a:prstGeom>
-        </p:spPr>
-        <p:txBody>
-          <a:bodyPr lIns="0" rIns="0" tIns="0" bIns="0">
-            <a:normAutofit/>
-          </a:bodyPr>
-          <a:p>
-            <a:endParaRPr b="0" lang="ru-RU" sz="4200" spc="-1" strike="noStrike">
-              <a:solidFill>
-                <a:srgbClr val="ffffff"/>
-              </a:solidFill>
+            <a:endParaRPr b="0" lang="ru-RU" sz="4400" spc="-1" strike="noStrike">
+              <a:latin typeface="Arial"/>
+            </a:endParaRPr>
+          </a:p>
+        </p:txBody>
+      </p:sp>
+      <p:sp>
+        <p:nvSpPr>
+          <p:cNvPr id="16" name="PlaceHolder 2"/>
+          <p:cNvSpPr>
+            <a:spLocks noGrp="1"/>
+          </p:cNvSpPr>
+          <p:nvPr>
+            <p:ph type="body"/>
+          </p:nvPr>
+        </p:nvSpPr>
+        <p:spPr>
+          <a:xfrm>
+            <a:off x="504000" y="1768680"/>
+            <a:ext cx="4426920" cy="4384080"/>
+          </a:xfrm>
+          <a:prstGeom prst="rect">
+            <a:avLst/>
+          </a:prstGeom>
+        </p:spPr>
+        <p:txBody>
+          <a:bodyPr lIns="0" rIns="0" tIns="0" bIns="0">
+            <a:normAutofit/>
+          </a:bodyPr>
+          <a:p>
+            <a:endParaRPr b="0" lang="ru-RU" sz="3200" spc="-1" strike="noStrike">
+              <a:latin typeface="Arial"/>
+            </a:endParaRPr>
+          </a:p>
+        </p:txBody>
+      </p:sp>
+      <p:sp>
+        <p:nvSpPr>
+          <p:cNvPr id="17" name="PlaceHolder 3"/>
+          <p:cNvSpPr>
+            <a:spLocks noGrp="1"/>
+          </p:cNvSpPr>
+          <p:nvPr>
+            <p:ph type="body"/>
+          </p:nvPr>
+        </p:nvSpPr>
+        <p:spPr>
+          <a:xfrm>
+            <a:off x="5152680" y="1768680"/>
+            <a:ext cx="4426920" cy="2090880"/>
+          </a:xfrm>
+          <a:prstGeom prst="rect">
+            <a:avLst/>
+          </a:prstGeom>
+        </p:spPr>
+        <p:txBody>
+          <a:bodyPr lIns="0" rIns="0" tIns="0" bIns="0">
+            <a:normAutofit/>
+          </a:bodyPr>
+          <a:p>
+            <a:endParaRPr b="0" lang="ru-RU" sz="3200" spc="-1" strike="noStrike">
+              <a:latin typeface="Arial"/>
+            </a:endParaRPr>
+          </a:p>
+        </p:txBody>
+      </p:sp>
+      <p:sp>
+        <p:nvSpPr>
+          <p:cNvPr id="18" name="PlaceHolder 4"/>
+          <p:cNvSpPr>
+            <a:spLocks noGrp="1"/>
+          </p:cNvSpPr>
+          <p:nvPr>
+            <p:ph type="body"/>
+          </p:nvPr>
+        </p:nvSpPr>
+        <p:spPr>
+          <a:xfrm>
+            <a:off x="5152680" y="4058640"/>
+            <a:ext cx="4426920" cy="2090880"/>
+          </a:xfrm>
+          <a:prstGeom prst="rect">
+            <a:avLst/>
+          </a:prstGeom>
+        </p:spPr>
+        <p:txBody>
+          <a:bodyPr lIns="0" rIns="0" tIns="0" bIns="0">
+            <a:normAutofit/>
+          </a:bodyPr>
+          <a:p>
+            <a:endParaRPr b="0" lang="ru-RU" sz="3200" spc="-1" strike="noStrike">
               <a:latin typeface="Arial"/>
             </a:endParaRPr>
           </a:p>
@@ -2813,7 +3965,7 @@
       </p:grpSpPr>
       <p:sp>
         <p:nvSpPr>
-          <p:cNvPr id="22" name="PlaceHolder 1"/>
+          <p:cNvPr id="19" name="PlaceHolder 1"/>
           <p:cNvSpPr>
             <a:spLocks noGrp="1"/>
           </p:cNvSpPr>
@@ -2823,8 +3975,8 @@
         </p:nvSpPr>
         <p:spPr>
           <a:xfrm>
-            <a:off x="504000" y="1080000"/>
-            <a:ext cx="9071640" cy="1728000"/>
+            <a:off x="504000" y="301320"/>
+            <a:ext cx="9072000" cy="1261800"/>
           </a:xfrm>
           <a:prstGeom prst="rect">
             <a:avLst/>
@@ -2836,109 +3988,97 @@
           </a:bodyPr>
           <a:p>
             <a:pPr algn="ctr"/>
-            <a:endParaRPr b="0" lang="ru-RU" sz="5860" spc="-1" strike="noStrike">
-              <a:solidFill>
-                <a:srgbClr val="ffffff"/>
-              </a:solidFill>
-              <a:latin typeface="Arial"/>
-            </a:endParaRPr>
-          </a:p>
-        </p:txBody>
-      </p:sp>
-      <p:sp>
-        <p:nvSpPr>
-          <p:cNvPr id="23" name="PlaceHolder 2"/>
-          <p:cNvSpPr>
-            <a:spLocks noGrp="1"/>
-          </p:cNvSpPr>
-          <p:nvPr>
-            <p:ph type="body"/>
-          </p:nvPr>
-        </p:nvSpPr>
-        <p:spPr>
-          <a:xfrm>
-            <a:off x="504000" y="3168000"/>
-            <a:ext cx="4426920" cy="1751400"/>
-          </a:xfrm>
-          <a:prstGeom prst="rect">
-            <a:avLst/>
-          </a:prstGeom>
-        </p:spPr>
-        <p:txBody>
-          <a:bodyPr lIns="0" rIns="0" tIns="0" bIns="0">
-            <a:normAutofit/>
-          </a:bodyPr>
-          <a:p>
-            <a:endParaRPr b="0" lang="ru-RU" sz="4200" spc="-1" strike="noStrike">
-              <a:solidFill>
-                <a:srgbClr val="ffffff"/>
-              </a:solidFill>
-              <a:latin typeface="Arial"/>
-            </a:endParaRPr>
-          </a:p>
-        </p:txBody>
-      </p:sp>
-      <p:sp>
-        <p:nvSpPr>
-          <p:cNvPr id="24" name="PlaceHolder 3"/>
-          <p:cNvSpPr>
-            <a:spLocks noGrp="1"/>
-          </p:cNvSpPr>
-          <p:nvPr>
-            <p:ph type="body"/>
-          </p:nvPr>
-        </p:nvSpPr>
-        <p:spPr>
-          <a:xfrm>
-            <a:off x="5152680" y="3168000"/>
-            <a:ext cx="4426920" cy="1751400"/>
-          </a:xfrm>
-          <a:prstGeom prst="rect">
-            <a:avLst/>
-          </a:prstGeom>
-        </p:spPr>
-        <p:txBody>
-          <a:bodyPr lIns="0" rIns="0" tIns="0" bIns="0">
-            <a:normAutofit/>
-          </a:bodyPr>
-          <a:p>
-            <a:endParaRPr b="0" lang="ru-RU" sz="4200" spc="-1" strike="noStrike">
-              <a:solidFill>
-                <a:srgbClr val="ffffff"/>
-              </a:solidFill>
-              <a:latin typeface="Arial"/>
-            </a:endParaRPr>
-          </a:p>
-        </p:txBody>
-      </p:sp>
-      <p:sp>
-        <p:nvSpPr>
-          <p:cNvPr id="25" name="PlaceHolder 4"/>
-          <p:cNvSpPr>
-            <a:spLocks noGrp="1"/>
-          </p:cNvSpPr>
-          <p:nvPr>
-            <p:ph type="body"/>
-          </p:nvPr>
-        </p:nvSpPr>
-        <p:spPr>
-          <a:xfrm>
-            <a:off x="504000" y="5086080"/>
-            <a:ext cx="9071640" cy="1751400"/>
-          </a:xfrm>
-          <a:prstGeom prst="rect">
-            <a:avLst/>
-          </a:prstGeom>
-        </p:spPr>
-        <p:txBody>
-          <a:bodyPr lIns="0" rIns="0" tIns="0" bIns="0">
-            <a:normAutofit/>
-          </a:bodyPr>
-          <a:p>
-            <a:endParaRPr b="0" lang="ru-RU" sz="4200" spc="-1" strike="noStrike">
-              <a:solidFill>
-                <a:srgbClr val="ffffff"/>
-              </a:solidFill>
+            <a:endParaRPr b="0" lang="ru-RU" sz="4400" spc="-1" strike="noStrike">
+              <a:latin typeface="Arial"/>
+            </a:endParaRPr>
+          </a:p>
+        </p:txBody>
+      </p:sp>
+      <p:sp>
+        <p:nvSpPr>
+          <p:cNvPr id="20" name="PlaceHolder 2"/>
+          <p:cNvSpPr>
+            <a:spLocks noGrp="1"/>
+          </p:cNvSpPr>
+          <p:nvPr>
+            <p:ph type="body"/>
+          </p:nvPr>
+        </p:nvSpPr>
+        <p:spPr>
+          <a:xfrm>
+            <a:off x="504000" y="1768680"/>
+            <a:ext cx="4426920" cy="2090880"/>
+          </a:xfrm>
+          <a:prstGeom prst="rect">
+            <a:avLst/>
+          </a:prstGeom>
+        </p:spPr>
+        <p:txBody>
+          <a:bodyPr lIns="0" rIns="0" tIns="0" bIns="0">
+            <a:normAutofit/>
+          </a:bodyPr>
+          <a:p>
+            <a:endParaRPr b="0" lang="ru-RU" sz="3200" spc="-1" strike="noStrike">
+              <a:latin typeface="Arial"/>
+            </a:endParaRPr>
+          </a:p>
+        </p:txBody>
+      </p:sp>
+      <p:sp>
+        <p:nvSpPr>
+          <p:cNvPr id="21" name="PlaceHolder 3"/>
+          <p:cNvSpPr>
+            <a:spLocks noGrp="1"/>
+          </p:cNvSpPr>
+          <p:nvPr>
+            <p:ph type="body"/>
+          </p:nvPr>
+        </p:nvSpPr>
+        <p:spPr>
+          <a:xfrm>
+            <a:off x="5152680" y="1768680"/>
+            <a:ext cx="4426920" cy="2090880"/>
+          </a:xfrm>
+          <a:prstGeom prst="rect">
+            <a:avLst/>
+          </a:prstGeom>
+        </p:spPr>
+        <p:txBody>
+          <a:bodyPr lIns="0" rIns="0" tIns="0" bIns="0">
+            <a:normAutofit/>
+          </a:bodyPr>
+          <a:p>
+            <a:endParaRPr b="0" lang="ru-RU" sz="3200" spc="-1" strike="noStrike">
+              <a:latin typeface="Arial"/>
+            </a:endParaRPr>
+          </a:p>
+        </p:txBody>
+      </p:sp>
+      <p:sp>
+        <p:nvSpPr>
+          <p:cNvPr id="22" name="PlaceHolder 4"/>
+          <p:cNvSpPr>
+            <a:spLocks noGrp="1"/>
+          </p:cNvSpPr>
+          <p:nvPr>
+            <p:ph type="body"/>
+          </p:nvPr>
+        </p:nvSpPr>
+        <p:spPr>
+          <a:xfrm>
+            <a:off x="504000" y="4058640"/>
+            <a:ext cx="9072000" cy="2090880"/>
+          </a:xfrm>
+          <a:prstGeom prst="rect">
+            <a:avLst/>
+          </a:prstGeom>
+        </p:spPr>
+        <p:txBody>
+          <a:bodyPr lIns="0" rIns="0" tIns="0" bIns="0">
+            <a:normAutofit/>
+          </a:bodyPr>
+          <a:p>
+            <a:endParaRPr b="0" lang="ru-RU" sz="3200" spc="-1" strike="noStrike">
               <a:latin typeface="Arial"/>
             </a:endParaRPr>
           </a:p>
@@ -2989,7 +4129,7 @@
         <p:spPr>
           <a:xfrm>
             <a:off x="504000" y="1080000"/>
-            <a:ext cx="9071640" cy="1728000"/>
+            <a:ext cx="9071280" cy="1727640"/>
           </a:xfrm>
           <a:prstGeom prst="rect">
             <a:avLst/>
@@ -3000,20 +4140,13 @@
             <a:noAutofit/>
           </a:bodyPr>
           <a:p>
-            <a:pPr algn="ctr"/>
             <a:r>
-              <a:rPr b="0" lang="ru-RU" sz="5860" spc="-1" strike="noStrike">
-                <a:solidFill>
-                  <a:srgbClr val="ffffff"/>
-                </a:solidFill>
+              <a:rPr b="0" lang="ru-RU" sz="1800" spc="-1" strike="noStrike">
                 <a:latin typeface="Arial"/>
               </a:rPr>
               <a:t>Click to edit the title text format</a:t>
             </a:r>
-            <a:endParaRPr b="0" lang="ru-RU" sz="5860" spc="-1" strike="noStrike">
-              <a:solidFill>
-                <a:srgbClr val="ffffff"/>
-              </a:solidFill>
+            <a:endParaRPr b="0" lang="ru-RU" sz="1800" spc="-1" strike="noStrike">
               <a:latin typeface="Arial"/>
             </a:endParaRPr>
           </a:p>
@@ -3031,338 +4164,168 @@
         </p:nvSpPr>
         <p:spPr>
           <a:xfrm>
-            <a:off x="504000" y="3168000"/>
-            <a:ext cx="9071640" cy="3672000"/>
-          </a:xfrm>
-          <a:prstGeom prst="rect">
-            <a:avLst/>
-          </a:prstGeom>
-        </p:spPr>
-        <p:txBody>
-          <a:bodyPr lIns="0" rIns="0" tIns="0" bIns="0">
-            <a:normAutofit fontScale="66000"/>
+            <a:off x="504000" y="1768680"/>
+            <a:ext cx="9072000" cy="4384080"/>
+          </a:xfrm>
+          <a:prstGeom prst="rect">
+            <a:avLst/>
+          </a:prstGeom>
+        </p:spPr>
+        <p:txBody>
+          <a:bodyPr lIns="0" rIns="0" tIns="0" bIns="0">
+            <a:normAutofit/>
           </a:bodyPr>
           <a:p>
             <a:pPr marL="432000" indent="-324000">
               <a:spcBef>
-                <a:spcPts val="1888"/>
+                <a:spcPts val="1417"/>
               </a:spcBef>
               <a:buClr>
-                <a:srgbClr val="ffffff"/>
+                <a:srgbClr val="000000"/>
               </a:buClr>
               <a:buSzPct val="45000"/>
               <a:buFont typeface="Wingdings" charset="2"/>
               <a:buChar char=""/>
             </a:pPr>
             <a:r>
-              <a:rPr b="0" lang="ru-RU" sz="4200" spc="-1" strike="noStrike">
-                <a:solidFill>
-                  <a:srgbClr val="ffffff"/>
-                </a:solidFill>
+              <a:rPr b="0" lang="ru-RU" sz="3200" spc="-1" strike="noStrike">
                 <a:latin typeface="Arial"/>
               </a:rPr>
               <a:t>Click to edit the outline text format</a:t>
             </a:r>
-            <a:endParaRPr b="0" lang="ru-RU" sz="4200" spc="-1" strike="noStrike">
-              <a:solidFill>
-                <a:srgbClr val="ffffff"/>
-              </a:solidFill>
+            <a:endParaRPr b="0" lang="ru-RU" sz="3200" spc="-1" strike="noStrike">
               <a:latin typeface="Arial"/>
             </a:endParaRPr>
           </a:p>
           <a:p>
             <a:pPr lvl="1" marL="864000" indent="-324000">
               <a:spcBef>
-                <a:spcPts val="1511"/>
+                <a:spcPts val="1134"/>
               </a:spcBef>
               <a:buClr>
-                <a:srgbClr val="ffffff"/>
+                <a:srgbClr val="000000"/>
               </a:buClr>
               <a:buSzPct val="75000"/>
               <a:buFont typeface="Symbol" charset="2"/>
               <a:buChar char=""/>
             </a:pPr>
             <a:r>
-              <a:rPr b="0" lang="ru-RU" sz="4200" spc="-1" strike="noStrike">
-                <a:solidFill>
-                  <a:srgbClr val="ffffff"/>
-                </a:solidFill>
+              <a:rPr b="0" lang="ru-RU" sz="2800" spc="-1" strike="noStrike">
                 <a:latin typeface="Arial"/>
               </a:rPr>
               <a:t>Second Outline Level</a:t>
             </a:r>
-            <a:endParaRPr b="0" lang="ru-RU" sz="4200" spc="-1" strike="noStrike">
-              <a:solidFill>
-                <a:srgbClr val="ffffff"/>
-              </a:solidFill>
+            <a:endParaRPr b="0" lang="ru-RU" sz="2800" spc="-1" strike="noStrike">
               <a:latin typeface="Arial"/>
             </a:endParaRPr>
           </a:p>
           <a:p>
             <a:pPr lvl="2" marL="1296000" indent="-288000">
               <a:spcBef>
-                <a:spcPts val="1134"/>
+                <a:spcPts val="850"/>
               </a:spcBef>
               <a:buClr>
-                <a:srgbClr val="ffffff"/>
+                <a:srgbClr val="000000"/>
               </a:buClr>
               <a:buSzPct val="45000"/>
               <a:buFont typeface="Wingdings" charset="2"/>
               <a:buChar char=""/>
             </a:pPr>
             <a:r>
-              <a:rPr b="0" lang="ru-RU" sz="4200" spc="-1" strike="noStrike">
-                <a:solidFill>
-                  <a:srgbClr val="ffffff"/>
-                </a:solidFill>
+              <a:rPr b="0" lang="ru-RU" sz="2400" spc="-1" strike="noStrike">
                 <a:latin typeface="Arial"/>
               </a:rPr>
               <a:t>Third Outline Level</a:t>
             </a:r>
-            <a:endParaRPr b="0" lang="ru-RU" sz="4200" spc="-1" strike="noStrike">
-              <a:solidFill>
-                <a:srgbClr val="ffffff"/>
-              </a:solidFill>
+            <a:endParaRPr b="0" lang="ru-RU" sz="2400" spc="-1" strike="noStrike">
               <a:latin typeface="Arial"/>
             </a:endParaRPr>
           </a:p>
           <a:p>
             <a:pPr lvl="3" marL="1728000" indent="-216000">
               <a:spcBef>
-                <a:spcPts val="754"/>
+                <a:spcPts val="567"/>
               </a:spcBef>
               <a:buClr>
-                <a:srgbClr val="ffffff"/>
+                <a:srgbClr val="000000"/>
               </a:buClr>
               <a:buSzPct val="75000"/>
               <a:buFont typeface="Symbol" charset="2"/>
               <a:buChar char=""/>
             </a:pPr>
             <a:r>
-              <a:rPr b="0" lang="ru-RU" sz="4200" spc="-1" strike="noStrike">
-                <a:solidFill>
-                  <a:srgbClr val="ffffff"/>
-                </a:solidFill>
+              <a:rPr b="0" lang="ru-RU" sz="2000" spc="-1" strike="noStrike">
                 <a:latin typeface="Arial"/>
               </a:rPr>
               <a:t>Fourth Outline Level</a:t>
             </a:r>
-            <a:endParaRPr b="0" lang="ru-RU" sz="4200" spc="-1" strike="noStrike">
-              <a:solidFill>
-                <a:srgbClr val="ffffff"/>
-              </a:solidFill>
+            <a:endParaRPr b="0" lang="ru-RU" sz="2000" spc="-1" strike="noStrike">
               <a:latin typeface="Arial"/>
             </a:endParaRPr>
           </a:p>
           <a:p>
             <a:pPr lvl="4" marL="2160000" indent="-216000">
               <a:spcBef>
-                <a:spcPts val="377"/>
+                <a:spcPts val="283"/>
               </a:spcBef>
               <a:buClr>
-                <a:srgbClr val="ffffff"/>
+                <a:srgbClr val="000000"/>
               </a:buClr>
               <a:buSzPct val="45000"/>
               <a:buFont typeface="Wingdings" charset="2"/>
               <a:buChar char=""/>
             </a:pPr>
             <a:r>
-              <a:rPr b="0" lang="ru-RU" sz="4200" spc="-1" strike="noStrike">
-                <a:solidFill>
-                  <a:srgbClr val="ffffff"/>
-                </a:solidFill>
+              <a:rPr b="0" lang="ru-RU" sz="2000" spc="-1" strike="noStrike">
                 <a:latin typeface="Arial"/>
               </a:rPr>
               <a:t>Fifth Outline Level</a:t>
             </a:r>
-            <a:endParaRPr b="0" lang="ru-RU" sz="4200" spc="-1" strike="noStrike">
-              <a:solidFill>
-                <a:srgbClr val="ffffff"/>
-              </a:solidFill>
+            <a:endParaRPr b="0" lang="ru-RU" sz="2000" spc="-1" strike="noStrike">
               <a:latin typeface="Arial"/>
             </a:endParaRPr>
           </a:p>
           <a:p>
             <a:pPr lvl="5" marL="2592000" indent="-216000">
               <a:spcBef>
-                <a:spcPts val="377"/>
+                <a:spcPts val="283"/>
               </a:spcBef>
               <a:buClr>
-                <a:srgbClr val="ffffff"/>
+                <a:srgbClr val="000000"/>
               </a:buClr>
               <a:buSzPct val="45000"/>
               <a:buFont typeface="Wingdings" charset="2"/>
               <a:buChar char=""/>
             </a:pPr>
             <a:r>
-              <a:rPr b="0" lang="ru-RU" sz="4200" spc="-1" strike="noStrike">
-                <a:solidFill>
-                  <a:srgbClr val="ffffff"/>
-                </a:solidFill>
+              <a:rPr b="0" lang="ru-RU" sz="2000" spc="-1" strike="noStrike">
                 <a:latin typeface="Arial"/>
               </a:rPr>
               <a:t>Sixth Outline Level</a:t>
             </a:r>
-            <a:endParaRPr b="0" lang="ru-RU" sz="4200" spc="-1" strike="noStrike">
-              <a:solidFill>
-                <a:srgbClr val="ffffff"/>
-              </a:solidFill>
+            <a:endParaRPr b="0" lang="ru-RU" sz="2000" spc="-1" strike="noStrike">
               <a:latin typeface="Arial"/>
             </a:endParaRPr>
           </a:p>
           <a:p>
             <a:pPr lvl="6" marL="3024000" indent="-216000">
               <a:spcBef>
-                <a:spcPts val="377"/>
+                <a:spcPts val="283"/>
               </a:spcBef>
               <a:buClr>
-                <a:srgbClr val="ffffff"/>
+                <a:srgbClr val="000000"/>
               </a:buClr>
               <a:buSzPct val="45000"/>
               <a:buFont typeface="Wingdings" charset="2"/>
               <a:buChar char=""/>
             </a:pPr>
             <a:r>
-              <a:rPr b="0" lang="ru-RU" sz="4200" spc="-1" strike="noStrike">
-                <a:solidFill>
-                  <a:srgbClr val="ffffff"/>
-                </a:solidFill>
+              <a:rPr b="0" lang="ru-RU" sz="2000" spc="-1" strike="noStrike">
                 <a:latin typeface="Arial"/>
               </a:rPr>
               <a:t>Seventh Outline Level</a:t>
             </a:r>
-            <a:endParaRPr b="0" lang="ru-RU" sz="4200" spc="-1" strike="noStrike">
-              <a:solidFill>
-                <a:srgbClr val="ffffff"/>
-              </a:solidFill>
-              <a:latin typeface="Arial"/>
-            </a:endParaRPr>
-          </a:p>
-        </p:txBody>
-      </p:sp>
-      <p:sp>
-        <p:nvSpPr>
-          <p:cNvPr id="2" name="PlaceHolder 3"/>
-          <p:cNvSpPr>
-            <a:spLocks noGrp="1"/>
-          </p:cNvSpPr>
-          <p:nvPr>
-            <p:ph type="dt"/>
-          </p:nvPr>
-        </p:nvSpPr>
-        <p:spPr>
-          <a:xfrm>
-            <a:off x="504000" y="6886800"/>
-            <a:ext cx="2348280" cy="520920"/>
-          </a:xfrm>
-          <a:prstGeom prst="rect">
-            <a:avLst/>
-          </a:prstGeom>
-        </p:spPr>
-        <p:txBody>
-          <a:bodyPr lIns="0" rIns="0" tIns="0" bIns="0">
-            <a:noAutofit/>
-          </a:bodyPr>
-          <a:p>
-            <a:r>
-              <a:rPr b="0" lang="ru-RU" sz="1400" spc="-1" strike="noStrike">
-                <a:solidFill>
-                  <a:srgbClr val="ffffff"/>
-                </a:solidFill>
-                <a:latin typeface="Arial"/>
-              </a:rPr>
-              <a:t>&lt;date/time&gt;</a:t>
-            </a:r>
-            <a:endParaRPr b="0" lang="ru-RU" sz="1400" spc="-1" strike="noStrike">
-              <a:solidFill>
-                <a:srgbClr val="ffffff"/>
-              </a:solidFill>
-              <a:latin typeface="Arial"/>
-            </a:endParaRPr>
-          </a:p>
-        </p:txBody>
-      </p:sp>
-      <p:sp>
-        <p:nvSpPr>
-          <p:cNvPr id="3" name="PlaceHolder 4"/>
-          <p:cNvSpPr>
-            <a:spLocks noGrp="1"/>
-          </p:cNvSpPr>
-          <p:nvPr>
-            <p:ph type="ftr"/>
-          </p:nvPr>
-        </p:nvSpPr>
-        <p:spPr>
-          <a:xfrm>
-            <a:off x="3447360" y="6886800"/>
-            <a:ext cx="3195000" cy="520920"/>
-          </a:xfrm>
-          <a:prstGeom prst="rect">
-            <a:avLst/>
-          </a:prstGeom>
-        </p:spPr>
-        <p:txBody>
-          <a:bodyPr lIns="0" rIns="0" tIns="0" bIns="0">
-            <a:noAutofit/>
-          </a:bodyPr>
-          <a:p>
-            <a:pPr algn="ctr"/>
-            <a:r>
-              <a:rPr b="0" lang="ru-RU" sz="1400" spc="-1" strike="noStrike">
-                <a:solidFill>
-                  <a:srgbClr val="ffffff"/>
-                </a:solidFill>
-                <a:latin typeface="Arial"/>
-              </a:rPr>
-              <a:t>&lt;footer&gt;</a:t>
-            </a:r>
-            <a:endParaRPr b="0" lang="ru-RU" sz="1400" spc="-1" strike="noStrike">
-              <a:solidFill>
-                <a:srgbClr val="ffffff"/>
-              </a:solidFill>
-              <a:latin typeface="Arial"/>
-            </a:endParaRPr>
-          </a:p>
-        </p:txBody>
-      </p:sp>
-      <p:sp>
-        <p:nvSpPr>
-          <p:cNvPr id="4" name="PlaceHolder 5"/>
-          <p:cNvSpPr>
-            <a:spLocks noGrp="1"/>
-          </p:cNvSpPr>
-          <p:nvPr>
-            <p:ph type="sldNum"/>
-          </p:nvPr>
-        </p:nvSpPr>
-        <p:spPr>
-          <a:xfrm>
-            <a:off x="7227360" y="6886800"/>
-            <a:ext cx="2348280" cy="520920"/>
-          </a:xfrm>
-          <a:prstGeom prst="rect">
-            <a:avLst/>
-          </a:prstGeom>
-        </p:spPr>
-        <p:txBody>
-          <a:bodyPr lIns="0" rIns="0" tIns="0" bIns="0">
-            <a:noAutofit/>
-          </a:bodyPr>
-          <a:p>
-            <a:pPr algn="r"/>
-            <a:fld id="{54FAF2BF-C7FA-4A2A-9B3E-8EFF979431B1}" type="slidenum">
-              <a:rPr b="0" lang="ru-RU" sz="1400" spc="-1" strike="noStrike">
-                <a:solidFill>
-                  <a:srgbClr val="ffffff"/>
-                </a:solidFill>
-                <a:latin typeface="Arial"/>
-              </a:rPr>
-              <a:t>&lt;number&gt;</a:t>
-            </a:fld>
-            <a:endParaRPr b="0" lang="ru-RU" sz="1400" spc="-1" strike="noStrike">
-              <a:solidFill>
-                <a:srgbClr val="ffffff"/>
-              </a:solidFill>
+            <a:endParaRPr b="0" lang="ru-RU" sz="2000" spc="-1" strike="noStrike">
               <a:latin typeface="Arial"/>
             </a:endParaRPr>
           </a:p>
@@ -3417,7 +4380,7 @@
       </p:grpSpPr>
       <p:sp>
         <p:nvSpPr>
-          <p:cNvPr id="41" name="PlaceHolder 1"/>
+          <p:cNvPr id="38" name="PlaceHolder 1"/>
           <p:cNvSpPr>
             <a:spLocks noGrp="1"/>
           </p:cNvSpPr>
@@ -3427,8 +4390,270 @@
         </p:nvSpPr>
         <p:spPr>
           <a:xfrm>
+            <a:off x="504000" y="1080000"/>
+            <a:ext cx="9071280" cy="1727640"/>
+          </a:xfrm>
+          <a:prstGeom prst="rect">
+            <a:avLst/>
+          </a:prstGeom>
+        </p:spPr>
+        <p:txBody>
+          <a:bodyPr lIns="0" rIns="0" tIns="0" bIns="0" anchor="ctr">
+            <a:noAutofit/>
+          </a:bodyPr>
+          <a:p>
+            <a:r>
+              <a:rPr b="0" lang="ru-RU" sz="1800" spc="-1" strike="noStrike">
+                <a:latin typeface="Arial"/>
+              </a:rPr>
+              <a:t>Click to edit the title text format</a:t>
+            </a:r>
+            <a:endParaRPr b="0" lang="ru-RU" sz="1800" spc="-1" strike="noStrike">
+              <a:latin typeface="Arial"/>
+            </a:endParaRPr>
+          </a:p>
+        </p:txBody>
+      </p:sp>
+      <p:sp>
+        <p:nvSpPr>
+          <p:cNvPr id="39" name="PlaceHolder 2"/>
+          <p:cNvSpPr>
+            <a:spLocks noGrp="1"/>
+          </p:cNvSpPr>
+          <p:nvPr>
+            <p:ph type="body"/>
+          </p:nvPr>
+        </p:nvSpPr>
+        <p:spPr>
+          <a:xfrm>
+            <a:off x="504000" y="3168000"/>
+            <a:ext cx="9071280" cy="3671640"/>
+          </a:xfrm>
+          <a:prstGeom prst="rect">
+            <a:avLst/>
+          </a:prstGeom>
+        </p:spPr>
+        <p:txBody>
+          <a:bodyPr lIns="0" rIns="0" tIns="0" bIns="0">
+            <a:normAutofit/>
+          </a:bodyPr>
+          <a:p>
+            <a:pPr marL="432000" indent="-324000">
+              <a:spcBef>
+                <a:spcPts val="1417"/>
+              </a:spcBef>
+              <a:buClr>
+                <a:srgbClr val="000000"/>
+              </a:buClr>
+              <a:buSzPct val="45000"/>
+              <a:buFont typeface="Wingdings" charset="2"/>
+              <a:buChar char=""/>
+            </a:pPr>
+            <a:r>
+              <a:rPr b="0" lang="ru-RU" sz="1800" spc="-1" strike="noStrike">
+                <a:latin typeface="Arial"/>
+              </a:rPr>
+              <a:t>Click to edit the outline text format</a:t>
+            </a:r>
+            <a:endParaRPr b="0" lang="ru-RU" sz="1800" spc="-1" strike="noStrike">
+              <a:latin typeface="Arial"/>
+            </a:endParaRPr>
+          </a:p>
+          <a:p>
+            <a:pPr lvl="1" marL="864000" indent="-324000">
+              <a:spcBef>
+                <a:spcPts val="1134"/>
+              </a:spcBef>
+              <a:buClr>
+                <a:srgbClr val="000000"/>
+              </a:buClr>
+              <a:buSzPct val="75000"/>
+              <a:buFont typeface="Symbol" charset="2"/>
+              <a:buChar char=""/>
+            </a:pPr>
+            <a:r>
+              <a:rPr b="0" lang="ru-RU" sz="1800" spc="-1" strike="noStrike">
+                <a:latin typeface="Arial"/>
+              </a:rPr>
+              <a:t>Second Outline Level</a:t>
+            </a:r>
+            <a:endParaRPr b="0" lang="ru-RU" sz="1800" spc="-1" strike="noStrike">
+              <a:latin typeface="Arial"/>
+            </a:endParaRPr>
+          </a:p>
+          <a:p>
+            <a:pPr lvl="2" marL="1296000" indent="-288000">
+              <a:spcBef>
+                <a:spcPts val="850"/>
+              </a:spcBef>
+              <a:buClr>
+                <a:srgbClr val="000000"/>
+              </a:buClr>
+              <a:buSzPct val="45000"/>
+              <a:buFont typeface="Wingdings" charset="2"/>
+              <a:buChar char=""/>
+            </a:pPr>
+            <a:r>
+              <a:rPr b="0" lang="ru-RU" sz="1800" spc="-1" strike="noStrike">
+                <a:latin typeface="Arial"/>
+              </a:rPr>
+              <a:t>Third Outline Level</a:t>
+            </a:r>
+            <a:endParaRPr b="0" lang="ru-RU" sz="1800" spc="-1" strike="noStrike">
+              <a:latin typeface="Arial"/>
+            </a:endParaRPr>
+          </a:p>
+          <a:p>
+            <a:pPr lvl="3" marL="1728000" indent="-216000">
+              <a:spcBef>
+                <a:spcPts val="567"/>
+              </a:spcBef>
+              <a:buClr>
+                <a:srgbClr val="000000"/>
+              </a:buClr>
+              <a:buSzPct val="75000"/>
+              <a:buFont typeface="Symbol" charset="2"/>
+              <a:buChar char=""/>
+            </a:pPr>
+            <a:r>
+              <a:rPr b="0" lang="ru-RU" sz="1800" spc="-1" strike="noStrike">
+                <a:latin typeface="Arial"/>
+              </a:rPr>
+              <a:t>Fourth Outline Level</a:t>
+            </a:r>
+            <a:endParaRPr b="0" lang="ru-RU" sz="1800" spc="-1" strike="noStrike">
+              <a:latin typeface="Arial"/>
+            </a:endParaRPr>
+          </a:p>
+          <a:p>
+            <a:pPr lvl="4" marL="2160000" indent="-216000">
+              <a:spcBef>
+                <a:spcPts val="283"/>
+              </a:spcBef>
+              <a:buClr>
+                <a:srgbClr val="000000"/>
+              </a:buClr>
+              <a:buSzPct val="45000"/>
+              <a:buFont typeface="Wingdings" charset="2"/>
+              <a:buChar char=""/>
+            </a:pPr>
+            <a:r>
+              <a:rPr b="0" lang="ru-RU" sz="1800" spc="-1" strike="noStrike">
+                <a:latin typeface="Arial"/>
+              </a:rPr>
+              <a:t>Fifth Outline Level</a:t>
+            </a:r>
+            <a:endParaRPr b="0" lang="ru-RU" sz="1800" spc="-1" strike="noStrike">
+              <a:latin typeface="Arial"/>
+            </a:endParaRPr>
+          </a:p>
+          <a:p>
+            <a:pPr lvl="5" marL="2592000" indent="-216000">
+              <a:spcBef>
+                <a:spcPts val="283"/>
+              </a:spcBef>
+              <a:buClr>
+                <a:srgbClr val="000000"/>
+              </a:buClr>
+              <a:buSzPct val="45000"/>
+              <a:buFont typeface="Wingdings" charset="2"/>
+              <a:buChar char=""/>
+            </a:pPr>
+            <a:r>
+              <a:rPr b="0" lang="ru-RU" sz="1800" spc="-1" strike="noStrike">
+                <a:latin typeface="Arial"/>
+              </a:rPr>
+              <a:t>Sixth Outline Level</a:t>
+            </a:r>
+            <a:endParaRPr b="0" lang="ru-RU" sz="1800" spc="-1" strike="noStrike">
+              <a:latin typeface="Arial"/>
+            </a:endParaRPr>
+          </a:p>
+          <a:p>
+            <a:pPr lvl="6" marL="3024000" indent="-216000">
+              <a:spcBef>
+                <a:spcPts val="283"/>
+              </a:spcBef>
+              <a:buClr>
+                <a:srgbClr val="000000"/>
+              </a:buClr>
+              <a:buSzPct val="45000"/>
+              <a:buFont typeface="Wingdings" charset="2"/>
+              <a:buChar char=""/>
+            </a:pPr>
+            <a:r>
+              <a:rPr b="0" lang="ru-RU" sz="1800" spc="-1" strike="noStrike">
+                <a:latin typeface="Arial"/>
+              </a:rPr>
+              <a:t>Seventh Outline Level</a:t>
+            </a:r>
+            <a:endParaRPr b="0" lang="ru-RU" sz="1800" spc="-1" strike="noStrike">
+              <a:latin typeface="Arial"/>
+            </a:endParaRPr>
+          </a:p>
+        </p:txBody>
+      </p:sp>
+    </p:spTree>
+  </p:cSld>
+  <p:clrMap bg1="lt1" bg2="lt2" tx1="dk1" tx2="dk2" accent1="accent1" accent2="accent2" accent3="accent3" accent4="accent4" accent5="accent5" accent6="accent6" hlink="hlink" folHlink="folHlink"/>
+  <p:sldLayoutIdLst>
+    <p:sldLayoutId id="2147483662" r:id="rId3"/>
+    <p:sldLayoutId id="2147483663" r:id="rId4"/>
+    <p:sldLayoutId id="2147483664" r:id="rId5"/>
+    <p:sldLayoutId id="2147483665" r:id="rId6"/>
+    <p:sldLayoutId id="2147483666" r:id="rId7"/>
+    <p:sldLayoutId id="2147483667" r:id="rId8"/>
+    <p:sldLayoutId id="2147483668" r:id="rId9"/>
+    <p:sldLayoutId id="2147483669" r:id="rId10"/>
+    <p:sldLayoutId id="2147483670" r:id="rId11"/>
+    <p:sldLayoutId id="2147483671" r:id="rId12"/>
+    <p:sldLayoutId id="2147483672" r:id="rId13"/>
+    <p:sldLayoutId id="2147483673" r:id="rId14"/>
+  </p:sldLayoutIdLst>
+</p:sldMaster>
+</file>
+
+<file path=ppt/slideMasters/slideMaster3.xml><?xml version="1.0" encoding="utf-8"?>
+<p:sldMaster xmlns:a="http://schemas.openxmlformats.org/drawingml/2006/main" xmlns:p="http://schemas.openxmlformats.org/presentationml/2006/main" xmlns:r="http://schemas.openxmlformats.org/officeDocument/2006/relationships" xmlns:p14="http://schemas.microsoft.com/office/powerpoint/2010/main" xmlns:p15="http://schemas.microsoft.com/office/powerpoint/2012/main" xmlns:mc="http://schemas.openxmlformats.org/markup-compatibility/2006">
+  <p:cSld>
+    <p:bg>
+      <p:bgPr>
+        <a:blipFill rotWithShape="0">
+          <a:blip r:embed="rId2"/>
+          <a:stretch>
+            <a:fillRect/>
+          </a:stretch>
+        </a:blipFill>
+      </p:bgPr>
+    </p:bg>
+    <p:spTree>
+      <p:nvGrpSpPr>
+        <p:cNvPr id="1" name=""/>
+        <p:cNvGrpSpPr/>
+        <p:nvPr/>
+      </p:nvGrpSpPr>
+      <p:grpSpPr>
+        <a:xfrm>
+          <a:off x="0" y="0"/>
+          <a:ext cx="0" cy="0"/>
+          <a:chOff x="0" y="0"/>
+          <a:chExt cx="0" cy="0"/>
+        </a:xfrm>
+      </p:grpSpPr>
+      <p:sp>
+        <p:nvSpPr>
+          <p:cNvPr id="76" name="PlaceHolder 1"/>
+          <p:cNvSpPr>
+            <a:spLocks noGrp="1"/>
+          </p:cNvSpPr>
+          <p:nvPr>
+            <p:ph type="title"/>
+          </p:nvPr>
+        </p:nvSpPr>
+        <p:spPr>
+          <a:xfrm>
             <a:off x="504000" y="301320"/>
-            <a:ext cx="9071640" cy="1262160"/>
+            <a:ext cx="9072000" cy="1261800"/>
           </a:xfrm>
           <a:prstGeom prst="rect">
             <a:avLst/>
@@ -3454,18 +4679,18 @@
       </p:sp>
       <p:sp>
         <p:nvSpPr>
-          <p:cNvPr id="42" name="PlaceHolder 2"/>
-          <p:cNvSpPr>
-            <a:spLocks noGrp="1"/>
-          </p:cNvSpPr>
-          <p:nvPr>
-            <p:ph type="body"/>
-          </p:nvPr>
-        </p:nvSpPr>
-        <p:spPr>
-          <a:xfrm>
-            <a:off x="504000" y="1769040"/>
-            <a:ext cx="9071640" cy="4384440"/>
+          <p:cNvPr id="77" name="PlaceHolder 2"/>
+          <p:cNvSpPr>
+            <a:spLocks noGrp="1"/>
+          </p:cNvSpPr>
+          <p:nvPr>
+            <p:ph type="body"/>
+          </p:nvPr>
+        </p:nvSpPr>
+        <p:spPr>
+          <a:xfrm>
+            <a:off x="504000" y="1768680"/>
+            <a:ext cx="9072000" cy="4384080"/>
           </a:xfrm>
           <a:prstGeom prst="rect">
             <a:avLst/>
@@ -3631,132 +4856,22 @@
           </a:p>
         </p:txBody>
       </p:sp>
-      <p:sp>
-        <p:nvSpPr>
-          <p:cNvPr id="43" name="PlaceHolder 3"/>
-          <p:cNvSpPr>
-            <a:spLocks noGrp="1"/>
-          </p:cNvSpPr>
-          <p:nvPr>
-            <p:ph type="dt"/>
-          </p:nvPr>
-        </p:nvSpPr>
-        <p:spPr>
-          <a:xfrm>
-            <a:off x="504000" y="6887160"/>
-            <a:ext cx="2348280" cy="521280"/>
-          </a:xfrm>
-          <a:prstGeom prst="rect">
-            <a:avLst/>
-          </a:prstGeom>
-        </p:spPr>
-        <p:txBody>
-          <a:bodyPr lIns="0" rIns="0" tIns="0" bIns="0">
-            <a:noAutofit/>
-          </a:bodyPr>
-          <a:p>
-            <a:r>
-              <a:rPr b="0" lang="ru-RU" sz="1400" spc="-1" strike="noStrike">
-                <a:latin typeface="Arial"/>
-              </a:rPr>
-              <a:t>&lt;date/time&gt;</a:t>
-            </a:r>
-            <a:endParaRPr b="0" lang="ru-RU" sz="1400" spc="-1" strike="noStrike">
-              <a:latin typeface="Arial"/>
-            </a:endParaRPr>
-          </a:p>
-        </p:txBody>
-      </p:sp>
-      <p:sp>
-        <p:nvSpPr>
-          <p:cNvPr id="44" name="PlaceHolder 4"/>
-          <p:cNvSpPr>
-            <a:spLocks noGrp="1"/>
-          </p:cNvSpPr>
-          <p:nvPr>
-            <p:ph type="ftr"/>
-          </p:nvPr>
-        </p:nvSpPr>
-        <p:spPr>
-          <a:xfrm>
-            <a:off x="3447360" y="6887160"/>
-            <a:ext cx="3195000" cy="521280"/>
-          </a:xfrm>
-          <a:prstGeom prst="rect">
-            <a:avLst/>
-          </a:prstGeom>
-        </p:spPr>
-        <p:txBody>
-          <a:bodyPr lIns="0" rIns="0" tIns="0" bIns="0">
-            <a:noAutofit/>
-          </a:bodyPr>
-          <a:p>
-            <a:pPr algn="ctr"/>
-            <a:r>
-              <a:rPr b="0" lang="ru-RU" sz="1400" spc="-1" strike="noStrike">
-                <a:latin typeface="Arial"/>
-              </a:rPr>
-              <a:t>&lt;footer&gt;</a:t>
-            </a:r>
-            <a:endParaRPr b="0" lang="ru-RU" sz="1400" spc="-1" strike="noStrike">
-              <a:latin typeface="Arial"/>
-            </a:endParaRPr>
-          </a:p>
-        </p:txBody>
-      </p:sp>
-      <p:sp>
-        <p:nvSpPr>
-          <p:cNvPr id="45" name="PlaceHolder 5"/>
-          <p:cNvSpPr>
-            <a:spLocks noGrp="1"/>
-          </p:cNvSpPr>
-          <p:nvPr>
-            <p:ph type="sldNum"/>
-          </p:nvPr>
-        </p:nvSpPr>
-        <p:spPr>
-          <a:xfrm>
-            <a:off x="7227360" y="6887160"/>
-            <a:ext cx="2348280" cy="521280"/>
-          </a:xfrm>
-          <a:prstGeom prst="rect">
-            <a:avLst/>
-          </a:prstGeom>
-        </p:spPr>
-        <p:txBody>
-          <a:bodyPr lIns="0" rIns="0" tIns="0" bIns="0">
-            <a:noAutofit/>
-          </a:bodyPr>
-          <a:p>
-            <a:pPr algn="r"/>
-            <a:fld id="{B3237E21-DA02-4CA2-99D1-D545C438F4FE}" type="slidenum">
-              <a:rPr b="0" lang="ru-RU" sz="1400" spc="-1" strike="noStrike">
-                <a:latin typeface="Arial"/>
-              </a:rPr>
-              <a:t>&lt;number&gt;</a:t>
-            </a:fld>
-            <a:endParaRPr b="0" lang="ru-RU" sz="1400" spc="-1" strike="noStrike">
-              <a:latin typeface="Arial"/>
-            </a:endParaRPr>
-          </a:p>
-        </p:txBody>
-      </p:sp>
     </p:spTree>
   </p:cSld>
   <p:clrMap bg1="lt1" bg2="lt2" tx1="dk1" tx2="dk2" accent1="accent1" accent2="accent2" accent3="accent3" accent4="accent4" accent5="accent5" accent6="accent6" hlink="hlink" folHlink="folHlink"/>
   <p:sldLayoutIdLst>
-    <p:sldLayoutId id="2147483662" r:id="rId3"/>
-    <p:sldLayoutId id="2147483663" r:id="rId4"/>
-    <p:sldLayoutId id="2147483664" r:id="rId5"/>
-    <p:sldLayoutId id="2147483665" r:id="rId6"/>
-    <p:sldLayoutId id="2147483666" r:id="rId7"/>
-    <p:sldLayoutId id="2147483667" r:id="rId8"/>
-    <p:sldLayoutId id="2147483668" r:id="rId9"/>
-    <p:sldLayoutId id="2147483669" r:id="rId10"/>
-    <p:sldLayoutId id="2147483670" r:id="rId11"/>
-    <p:sldLayoutId id="2147483671" r:id="rId12"/>
-    <p:sldLayoutId id="2147483672" r:id="rId13"/>
-    <p:sldLayoutId id="2147483673" r:id="rId14"/>
+    <p:sldLayoutId id="2147483675" r:id="rId3"/>
+    <p:sldLayoutId id="2147483676" r:id="rId4"/>
+    <p:sldLayoutId id="2147483677" r:id="rId5"/>
+    <p:sldLayoutId id="2147483678" r:id="rId6"/>
+    <p:sldLayoutId id="2147483679" r:id="rId7"/>
+    <p:sldLayoutId id="2147483680" r:id="rId8"/>
+    <p:sldLayoutId id="2147483681" r:id="rId9"/>
+    <p:sldLayoutId id="2147483682" r:id="rId10"/>
+    <p:sldLayoutId id="2147483683" r:id="rId11"/>
+    <p:sldLayoutId id="2147483684" r:id="rId12"/>
+    <p:sldLayoutId id="2147483685" r:id="rId13"/>
+    <p:sldLayoutId id="2147483686" r:id="rId14"/>
   </p:sldLayoutIdLst>
 </p:sldMaster>
 </file>
@@ -3780,14 +4895,14 @@
       </p:grpSpPr>
       <p:sp>
         <p:nvSpPr>
-          <p:cNvPr id="82" name="TextShape 1"/>
-          <p:cNvSpPr txBox="1"/>
+          <p:cNvPr id="114" name="CustomShape 1"/>
+          <p:cNvSpPr/>
           <p:nvPr/>
         </p:nvSpPr>
         <p:spPr>
           <a:xfrm>
             <a:off x="504000" y="1080000"/>
-            <a:ext cx="9071640" cy="1728000"/>
+            <a:ext cx="9071280" cy="1727640"/>
           </a:xfrm>
           <a:prstGeom prst="rect">
             <a:avLst/>
@@ -3797,12 +4912,22 @@
             <a:noFill/>
           </a:ln>
         </p:spPr>
+        <p:style>
+          <a:lnRef idx="0"/>
+          <a:fillRef idx="0"/>
+          <a:effectRef idx="0"/>
+          <a:fontRef idx="minor"/>
+        </p:style>
         <p:txBody>
           <a:bodyPr lIns="0" rIns="0" tIns="0" bIns="0" anchor="ctr">
             <a:noAutofit/>
           </a:bodyPr>
           <a:p>
-            <a:pPr algn="ctr"/>
+            <a:pPr algn="ctr">
+              <a:lnSpc>
+                <a:spcPct val="100000"/>
+              </a:lnSpc>
+            </a:pPr>
             <a:r>
               <a:rPr b="0" lang="ru-RU" sz="5860" spc="-1" strike="noStrike">
                 <a:solidFill>
@@ -3813,24 +4938,21 @@
               <a:t>Cross-platform desktop apps in Rust and Qt</a:t>
             </a:r>
             <a:endParaRPr b="0" lang="ru-RU" sz="5860" spc="-1" strike="noStrike">
-              <a:solidFill>
-                <a:srgbClr val="ffffff"/>
-              </a:solidFill>
-              <a:latin typeface="Arial"/>
-            </a:endParaRPr>
-          </a:p>
-        </p:txBody>
-      </p:sp>
-      <p:sp>
-        <p:nvSpPr>
-          <p:cNvPr id="83" name="TextShape 2"/>
-          <p:cNvSpPr txBox="1"/>
+              <a:latin typeface="Arial"/>
+            </a:endParaRPr>
+          </a:p>
+        </p:txBody>
+      </p:sp>
+      <p:sp>
+        <p:nvSpPr>
+          <p:cNvPr id="115" name="CustomShape 2"/>
+          <p:cNvSpPr/>
           <p:nvPr/>
         </p:nvSpPr>
         <p:spPr>
           <a:xfrm>
             <a:off x="504000" y="3168000"/>
-            <a:ext cx="9071640" cy="3672000"/>
+            <a:ext cx="9071280" cy="3671640"/>
           </a:xfrm>
           <a:prstGeom prst="rect">
             <a:avLst/>
@@ -3840,12 +4962,22 @@
             <a:noFill/>
           </a:ln>
         </p:spPr>
+        <p:style>
+          <a:lnRef idx="0"/>
+          <a:fillRef idx="0"/>
+          <a:effectRef idx="0"/>
+          <a:fontRef idx="minor"/>
+        </p:style>
         <p:txBody>
           <a:bodyPr lIns="0" rIns="0" tIns="0" bIns="0" anchor="ctr">
             <a:noAutofit/>
           </a:bodyPr>
           <a:p>
-            <a:pPr algn="ctr"/>
+            <a:pPr algn="ctr">
+              <a:lnSpc>
+                <a:spcPct val="100000"/>
+              </a:lnSpc>
+            </a:pPr>
             <a:r>
               <a:rPr b="0" lang="ru-RU" sz="3200" spc="-1" strike="noStrike">
                 <a:solidFill>
@@ -3856,9 +4988,6 @@
               <a:t>Serhij Symonenko / Bohemia Automation</a:t>
             </a:r>
             <a:endParaRPr b="0" lang="ru-RU" sz="3200" spc="-1" strike="noStrike">
-              <a:solidFill>
-                <a:srgbClr val="ffffff"/>
-              </a:solidFill>
               <a:latin typeface="Arial"/>
             </a:endParaRPr>
           </a:p>
@@ -3896,14 +5025,14 @@
       </p:grpSpPr>
       <p:sp>
         <p:nvSpPr>
-          <p:cNvPr id="84" name="TextShape 1"/>
-          <p:cNvSpPr txBox="1"/>
+          <p:cNvPr id="116" name="CustomShape 1"/>
+          <p:cNvSpPr/>
           <p:nvPr/>
         </p:nvSpPr>
         <p:spPr>
           <a:xfrm>
             <a:off x="504000" y="301320"/>
-            <a:ext cx="9071640" cy="1262160"/>
+            <a:ext cx="9071280" cy="1261800"/>
           </a:xfrm>
           <a:prstGeom prst="rect">
             <a:avLst/>
@@ -3913,12 +5042,22 @@
             <a:noFill/>
           </a:ln>
         </p:spPr>
+        <p:style>
+          <a:lnRef idx="0"/>
+          <a:fillRef idx="0"/>
+          <a:effectRef idx="0"/>
+          <a:fontRef idx="minor"/>
+        </p:style>
         <p:txBody>
           <a:bodyPr lIns="0" rIns="0" tIns="0" bIns="0" anchor="ctr">
             <a:noAutofit/>
           </a:bodyPr>
           <a:p>
-            <a:pPr algn="ctr"/>
+            <a:pPr algn="ctr">
+              <a:lnSpc>
+                <a:spcPct val="100000"/>
+              </a:lnSpc>
+            </a:pPr>
             <a:r>
               <a:rPr b="0" lang="ru-RU" sz="4400" spc="-1" strike="noStrike">
                 <a:latin typeface="Arial"/>
@@ -3933,14 +5072,14 @@
       </p:sp>
       <p:sp>
         <p:nvSpPr>
-          <p:cNvPr id="85" name="TextShape 2"/>
-          <p:cNvSpPr txBox="1"/>
+          <p:cNvPr id="117" name="CustomShape 2"/>
+          <p:cNvSpPr/>
           <p:nvPr/>
         </p:nvSpPr>
         <p:spPr>
           <a:xfrm>
             <a:off x="504000" y="1769040"/>
-            <a:ext cx="9071640" cy="4384440"/>
+            <a:ext cx="9071280" cy="4384080"/>
           </a:xfrm>
           <a:prstGeom prst="rect">
             <a:avLst/>
@@ -3950,12 +5089,21 @@
             <a:noFill/>
           </a:ln>
         </p:spPr>
-        <p:txBody>
-          <a:bodyPr lIns="0" rIns="0" tIns="0" bIns="0">
-            <a:normAutofit/>
-          </a:bodyPr>
-          <a:p>
-            <a:pPr marL="432000" indent="-324000">
+        <p:style>
+          <a:lnRef idx="0"/>
+          <a:fillRef idx="0"/>
+          <a:effectRef idx="0"/>
+          <a:fontRef idx="minor"/>
+        </p:style>
+        <p:txBody>
+          <a:bodyPr lIns="0" rIns="0" tIns="0" bIns="0">
+            <a:normAutofit/>
+          </a:bodyPr>
+          <a:p>
+            <a:pPr marL="432000" indent="-323640">
+              <a:lnSpc>
+                <a:spcPct val="100000"/>
+              </a:lnSpc>
               <a:spcBef>
                 <a:spcPts val="1417"/>
               </a:spcBef>
@@ -3977,7 +5125,10 @@
             </a:endParaRPr>
           </a:p>
           <a:p>
-            <a:pPr marL="432000" indent="-324000">
+            <a:pPr marL="432000" indent="-323640">
+              <a:lnSpc>
+                <a:spcPct val="100000"/>
+              </a:lnSpc>
               <a:spcBef>
                 <a:spcPts val="1417"/>
               </a:spcBef>
@@ -3999,7 +5150,10 @@
             </a:endParaRPr>
           </a:p>
           <a:p>
-            <a:pPr marL="432000" indent="-324000">
+            <a:pPr marL="432000" indent="-323640">
+              <a:lnSpc>
+                <a:spcPct val="100000"/>
+              </a:lnSpc>
               <a:spcBef>
                 <a:spcPts val="1417"/>
               </a:spcBef>
@@ -4021,7 +5175,10 @@
             </a:endParaRPr>
           </a:p>
           <a:p>
-            <a:pPr marL="432000" indent="-324000">
+            <a:pPr marL="432000" indent="-323640">
+              <a:lnSpc>
+                <a:spcPct val="100000"/>
+              </a:lnSpc>
               <a:spcBef>
                 <a:spcPts val="1417"/>
               </a:spcBef>
@@ -4076,14 +5233,14 @@
       </p:grpSpPr>
       <p:sp>
         <p:nvSpPr>
-          <p:cNvPr id="86" name="TextShape 1"/>
-          <p:cNvSpPr txBox="1"/>
+          <p:cNvPr id="118" name="CustomShape 1"/>
+          <p:cNvSpPr/>
           <p:nvPr/>
         </p:nvSpPr>
         <p:spPr>
           <a:xfrm>
             <a:off x="504000" y="301320"/>
-            <a:ext cx="9071640" cy="1262160"/>
+            <a:ext cx="9071280" cy="1261800"/>
           </a:xfrm>
           <a:prstGeom prst="rect">
             <a:avLst/>
@@ -4093,12 +5250,22 @@
             <a:noFill/>
           </a:ln>
         </p:spPr>
+        <p:style>
+          <a:lnRef idx="0"/>
+          <a:fillRef idx="0"/>
+          <a:effectRef idx="0"/>
+          <a:fontRef idx="minor"/>
+        </p:style>
         <p:txBody>
           <a:bodyPr lIns="0" rIns="0" tIns="0" bIns="0" anchor="ctr">
             <a:noAutofit/>
           </a:bodyPr>
           <a:p>
-            <a:pPr algn="ctr"/>
+            <a:pPr algn="ctr">
+              <a:lnSpc>
+                <a:spcPct val="100000"/>
+              </a:lnSpc>
+            </a:pPr>
             <a:r>
               <a:rPr b="0" lang="ru-RU" sz="4400" spc="-1" strike="noStrike">
                 <a:latin typeface="Arial"/>
@@ -4113,14 +5280,14 @@
       </p:sp>
       <p:sp>
         <p:nvSpPr>
-          <p:cNvPr id="87" name="TextShape 2"/>
-          <p:cNvSpPr txBox="1"/>
+          <p:cNvPr id="119" name="CustomShape 2"/>
+          <p:cNvSpPr/>
           <p:nvPr/>
         </p:nvSpPr>
         <p:spPr>
           <a:xfrm>
             <a:off x="504000" y="1769040"/>
-            <a:ext cx="9071640" cy="4384440"/>
+            <a:ext cx="9071280" cy="4384080"/>
           </a:xfrm>
           <a:prstGeom prst="rect">
             <a:avLst/>
@@ -4130,12 +5297,21 @@
             <a:noFill/>
           </a:ln>
         </p:spPr>
-        <p:txBody>
-          <a:bodyPr lIns="0" rIns="0" tIns="0" bIns="0">
-            <a:normAutofit/>
-          </a:bodyPr>
-          <a:p>
-            <a:pPr marL="432000" indent="-324000">
+        <p:style>
+          <a:lnRef idx="0"/>
+          <a:fillRef idx="0"/>
+          <a:effectRef idx="0"/>
+          <a:fontRef idx="minor"/>
+        </p:style>
+        <p:txBody>
+          <a:bodyPr lIns="0" rIns="0" tIns="0" bIns="0">
+            <a:normAutofit/>
+          </a:bodyPr>
+          <a:p>
+            <a:pPr marL="432000" indent="-323640">
+              <a:lnSpc>
+                <a:spcPct val="100000"/>
+              </a:lnSpc>
               <a:spcBef>
                 <a:spcPts val="1417"/>
               </a:spcBef>
@@ -4157,7 +5333,10 @@
             </a:endParaRPr>
           </a:p>
           <a:p>
-            <a:pPr marL="432000" indent="-324000">
+            <a:pPr marL="432000" indent="-323640">
+              <a:lnSpc>
+                <a:spcPct val="100000"/>
+              </a:lnSpc>
               <a:spcBef>
                 <a:spcPts val="1417"/>
               </a:spcBef>
@@ -4179,7 +5358,10 @@
             </a:endParaRPr>
           </a:p>
           <a:p>
-            <a:pPr marL="432000" indent="-324000">
+            <a:pPr marL="432000" indent="-323640">
+              <a:lnSpc>
+                <a:spcPct val="100000"/>
+              </a:lnSpc>
               <a:spcBef>
                 <a:spcPts val="1417"/>
               </a:spcBef>
@@ -4201,7 +5383,10 @@
             </a:endParaRPr>
           </a:p>
           <a:p>
-            <a:pPr marL="432000" indent="-324000">
+            <a:pPr marL="432000" indent="-323640">
+              <a:lnSpc>
+                <a:spcPct val="100000"/>
+              </a:lnSpc>
               <a:spcBef>
                 <a:spcPts val="1417"/>
               </a:spcBef>
@@ -4218,6 +5403,51 @@
               </a:rPr>
               <a:t>Qt has got Qt Designer and QML</a:t>
             </a:r>
+            <a:endParaRPr b="0" lang="ru-RU" sz="3200" spc="-1" strike="noStrike">
+              <a:latin typeface="Arial"/>
+            </a:endParaRPr>
+          </a:p>
+          <a:p>
+            <a:pPr marL="432000" indent="-323640">
+              <a:lnSpc>
+                <a:spcPct val="100000"/>
+              </a:lnSpc>
+              <a:spcBef>
+                <a:spcPts val="1417"/>
+              </a:spcBef>
+              <a:buClr>
+                <a:srgbClr val="000000"/>
+              </a:buClr>
+              <a:buSzPct val="45000"/>
+              <a:buFont typeface="Wingdings" charset="2"/>
+              <a:buChar char=""/>
+            </a:pPr>
+            <a:r>
+              <a:rPr b="0" lang="ru-RU" sz="3200" spc="-1" strike="noStrike">
+                <a:latin typeface="Arial"/>
+              </a:rPr>
+              <a:t>Qt 5 or 6? Check KDE: </a:t>
+            </a:r>
+            <a:r>
+              <a:rPr b="0" lang="ru-RU" sz="3200" spc="-1" strike="noStrike">
+                <a:latin typeface="Arial"/>
+                <a:hlinkClick r:id="rId1"/>
+              </a:rPr>
+              <a:t>https://iskdeusingqt6.org</a:t>
+            </a:r>
+            <a:endParaRPr b="0" lang="ru-RU" sz="3200" spc="-1" strike="noStrike">
+              <a:latin typeface="Arial"/>
+            </a:endParaRPr>
+          </a:p>
+          <a:p>
+            <a:pPr>
+              <a:lnSpc>
+                <a:spcPct val="100000"/>
+              </a:lnSpc>
+              <a:spcBef>
+                <a:spcPts val="1417"/>
+              </a:spcBef>
+            </a:pPr>
             <a:endParaRPr b="0" lang="ru-RU" sz="3200" spc="-1" strike="noStrike">
               <a:latin typeface="Arial"/>
             </a:endParaRPr>
@@ -4256,14 +5486,14 @@
       </p:grpSpPr>
       <p:sp>
         <p:nvSpPr>
-          <p:cNvPr id="88" name="TextShape 1"/>
-          <p:cNvSpPr txBox="1"/>
+          <p:cNvPr id="120" name="CustomShape 1"/>
+          <p:cNvSpPr/>
           <p:nvPr/>
         </p:nvSpPr>
         <p:spPr>
           <a:xfrm>
             <a:off x="504000" y="301320"/>
-            <a:ext cx="9071640" cy="1262160"/>
+            <a:ext cx="9071280" cy="1261800"/>
           </a:xfrm>
           <a:prstGeom prst="rect">
             <a:avLst/>
@@ -4273,12 +5503,22 @@
             <a:noFill/>
           </a:ln>
         </p:spPr>
+        <p:style>
+          <a:lnRef idx="0"/>
+          <a:fillRef idx="0"/>
+          <a:effectRef idx="0"/>
+          <a:fontRef idx="minor"/>
+        </p:style>
         <p:txBody>
           <a:bodyPr lIns="0" rIns="0" tIns="0" bIns="0" anchor="ctr">
             <a:noAutofit/>
           </a:bodyPr>
           <a:p>
-            <a:pPr algn="ctr"/>
+            <a:pPr algn="ctr">
+              <a:lnSpc>
+                <a:spcPct val="100000"/>
+              </a:lnSpc>
+            </a:pPr>
             <a:r>
               <a:rPr b="0" lang="ru-RU" sz="4400" spc="-1" strike="noStrike">
                 <a:latin typeface="Arial"/>
@@ -4293,14 +5533,14 @@
       </p:sp>
       <p:sp>
         <p:nvSpPr>
-          <p:cNvPr id="89" name="TextShape 2"/>
-          <p:cNvSpPr txBox="1"/>
+          <p:cNvPr id="121" name="CustomShape 2"/>
+          <p:cNvSpPr/>
           <p:nvPr/>
         </p:nvSpPr>
         <p:spPr>
           <a:xfrm>
             <a:off x="504000" y="1769040"/>
-            <a:ext cx="9071640" cy="4384440"/>
+            <a:ext cx="9071280" cy="4384080"/>
           </a:xfrm>
           <a:prstGeom prst="rect">
             <a:avLst/>
@@ -4310,94 +5550,130 @@
             <a:noFill/>
           </a:ln>
         </p:spPr>
-        <p:txBody>
-          <a:bodyPr lIns="0" rIns="0" tIns="0" bIns="0">
-            <a:normAutofit/>
-          </a:bodyPr>
-          <a:p>
-            <a:pPr marL="432000" indent="-324000">
+        <p:style>
+          <a:lnRef idx="0"/>
+          <a:fillRef idx="0"/>
+          <a:effectRef idx="0"/>
+          <a:fontRef idx="minor"/>
+        </p:style>
+        <p:txBody>
+          <a:bodyPr lIns="0" rIns="0" tIns="0" bIns="0">
+            <a:normAutofit/>
+          </a:bodyPr>
+          <a:p>
+            <a:pPr>
+              <a:lnSpc>
+                <a:spcPct val="100000"/>
+              </a:lnSpc>
               <a:spcBef>
                 <a:spcPts val="1417"/>
               </a:spcBef>
-              <a:buClr>
-                <a:srgbClr val="000000"/>
-              </a:buClr>
-              <a:buSzPct val="45000"/>
-              <a:buFont typeface="Wingdings" charset="2"/>
-              <a:buChar char=""/>
             </a:pPr>
             <a:r>
               <a:rPr b="0" lang="ru-RU" sz="3200" spc="-1" strike="noStrike">
                 <a:latin typeface="Arial"/>
               </a:rPr>
-              <a:t>qmetaobject</a:t>
+              <a:t>- Ritual</a:t>
             </a:r>
+            <a:endParaRPr b="0" lang="ru-RU" sz="3200" spc="-1" strike="noStrike">
+              <a:latin typeface="Arial"/>
+            </a:endParaRPr>
+          </a:p>
+          <a:p>
+            <a:pPr>
+              <a:lnSpc>
+                <a:spcPct val="100000"/>
+              </a:lnSpc>
+              <a:spcBef>
+                <a:spcPts val="1417"/>
+              </a:spcBef>
+            </a:pPr>
             <a:r>
-              <a:rPr b="0" lang="ru-RU" sz="3200" spc="-1" strike="noStrike">
+              <a:rPr b="0" lang="ru-RU" sz="3200" spc="-1" strike="noStrike" u="sng">
+                <a:solidFill>
+                  <a:srgbClr val="0000ff"/>
+                </a:solidFill>
+                <a:uFillTx/>
                 <a:latin typeface="Arial"/>
                 <a:hlinkClick r:id="rId1"/>
               </a:rPr>
-              <a:t>https://github.com/woboq/qmetaobject-rs</a:t>
+              <a:t>https://rust-qt.github.io</a:t>
             </a:r>
             <a:endParaRPr b="0" lang="ru-RU" sz="3200" spc="-1" strike="noStrike">
               <a:latin typeface="Arial"/>
             </a:endParaRPr>
           </a:p>
           <a:p>
-            <a:pPr marL="432000" indent="-324000">
+            <a:pPr>
+              <a:lnSpc>
+                <a:spcPct val="100000"/>
+              </a:lnSpc>
               <a:spcBef>
                 <a:spcPts val="1417"/>
               </a:spcBef>
-              <a:buClr>
-                <a:srgbClr val="000000"/>
-              </a:buClr>
-              <a:buSzPct val="45000"/>
-              <a:buFont typeface="Wingdings" charset="2"/>
-              <a:buChar char=""/>
             </a:pPr>
             <a:r>
               <a:rPr b="0" lang="ru-RU" sz="3200" spc="-1" strike="noStrike">
                 <a:latin typeface="Arial"/>
               </a:rPr>
-              <a:t>cxx-qt</a:t>
+              <a:t>- qmetaobject</a:t>
             </a:r>
-            <a:br/>
             <a:r>
-              <a:rPr b="0" lang="ru-RU" sz="3200" spc="-1" strike="noStrike">
+              <a:rPr b="0" lang="ru-RU" sz="3200" spc="-1" strike="noStrike" u="sng">
+                <a:solidFill>
+                  <a:srgbClr val="0000ff"/>
+                </a:solidFill>
+                <a:uFillTx/>
                 <a:latin typeface="Arial"/>
                 <a:hlinkClick r:id="rId2"/>
               </a:rPr>
-              <a:t>https://www.kdab.com/cxx-qt/</a:t>
+              <a:t>https://github.com/woboq/qmetaobject-rs</a:t>
             </a:r>
             <a:endParaRPr b="0" lang="ru-RU" sz="3200" spc="-1" strike="noStrike">
               <a:latin typeface="Arial"/>
             </a:endParaRPr>
           </a:p>
           <a:p>
-            <a:pPr marL="432000" indent="-324000">
+            <a:pPr>
+              <a:lnSpc>
+                <a:spcPct val="100000"/>
+              </a:lnSpc>
               <a:spcBef>
                 <a:spcPts val="1417"/>
               </a:spcBef>
-              <a:buClr>
-                <a:srgbClr val="000000"/>
-              </a:buClr>
-              <a:buSzPct val="45000"/>
-              <a:buFont typeface="Wingdings" charset="2"/>
-              <a:buChar char=""/>
             </a:pPr>
             <a:r>
               <a:rPr b="0" lang="ru-RU" sz="3200" spc="-1" strike="noStrike">
+                <a:solidFill>
+                  <a:srgbClr val="0000ff"/>
+                </a:solidFill>
                 <a:latin typeface="Arial"/>
               </a:rPr>
-              <a:t>Ritual</a:t>
+              <a:t>- cxx-qt</a:t>
             </a:r>
-            <a:br/>
+            <a:endParaRPr b="0" lang="ru-RU" sz="3200" spc="-1" strike="noStrike">
+              <a:latin typeface="Arial"/>
+            </a:endParaRPr>
+          </a:p>
+          <a:p>
+            <a:pPr>
+              <a:lnSpc>
+                <a:spcPct val="100000"/>
+              </a:lnSpc>
+              <a:spcBef>
+                <a:spcPts val="1417"/>
+              </a:spcBef>
+            </a:pPr>
             <a:r>
-              <a:rPr b="0" lang="ru-RU" sz="3200" spc="-1" strike="noStrike">
+              <a:rPr b="0" lang="ru-RU" sz="3200" spc="-1" strike="noStrike" u="sng">
+                <a:solidFill>
+                  <a:srgbClr val="0000ff"/>
+                </a:solidFill>
+                <a:uFillTx/>
                 <a:latin typeface="Arial"/>
                 <a:hlinkClick r:id="rId3"/>
               </a:rPr>
-              <a:t>https://rust-qt.github.io</a:t>
+              <a:t>https://www.kdab.com/cxx-qt/</a:t>
             </a:r>
             <a:endParaRPr b="0" lang="ru-RU" sz="3200" spc="-1" strike="noStrike">
               <a:latin typeface="Arial"/>
@@ -4437,14 +5713,14 @@
       </p:grpSpPr>
       <p:sp>
         <p:nvSpPr>
-          <p:cNvPr id="90" name="TextShape 1"/>
-          <p:cNvSpPr txBox="1"/>
+          <p:cNvPr id="122" name="CustomShape 1"/>
+          <p:cNvSpPr/>
           <p:nvPr/>
         </p:nvSpPr>
         <p:spPr>
           <a:xfrm>
             <a:off x="504000" y="301320"/>
-            <a:ext cx="9071640" cy="1262160"/>
+            <a:ext cx="9071280" cy="1261800"/>
           </a:xfrm>
           <a:prstGeom prst="rect">
             <a:avLst/>
@@ -4454,17 +5730,27 @@
             <a:noFill/>
           </a:ln>
         </p:spPr>
+        <p:style>
+          <a:lnRef idx="0"/>
+          <a:fillRef idx="0"/>
+          <a:effectRef idx="0"/>
+          <a:fontRef idx="minor"/>
+        </p:style>
         <p:txBody>
           <a:bodyPr lIns="0" rIns="0" tIns="0" bIns="0" anchor="ctr">
             <a:noAutofit/>
           </a:bodyPr>
           <a:p>
-            <a:pPr algn="ctr"/>
+            <a:pPr algn="ctr">
+              <a:lnSpc>
+                <a:spcPct val="100000"/>
+              </a:lnSpc>
+            </a:pPr>
             <a:r>
               <a:rPr b="0" lang="ru-RU" sz="4400" spc="-1" strike="noStrike">
                 <a:latin typeface="Arial"/>
               </a:rPr>
-              <a:t>Comparison table</a:t>
+              <a:t>Qt basics</a:t>
             </a:r>
             <a:endParaRPr b="0" lang="ru-RU" sz="4400" spc="-1" strike="noStrike">
               <a:latin typeface="Arial"/>
@@ -4474,14 +5760,14 @@
       </p:sp>
       <p:sp>
         <p:nvSpPr>
-          <p:cNvPr id="91" name="TextShape 2"/>
-          <p:cNvSpPr txBox="1"/>
+          <p:cNvPr id="123" name="CustomShape 2"/>
+          <p:cNvSpPr/>
           <p:nvPr/>
         </p:nvSpPr>
         <p:spPr>
           <a:xfrm>
             <a:off x="504000" y="1769040"/>
-            <a:ext cx="9071640" cy="4384440"/>
+            <a:ext cx="9071280" cy="4384080"/>
           </a:xfrm>
           <a:prstGeom prst="rect">
             <a:avLst/>
@@ -4491,12 +5777,21 @@
             <a:noFill/>
           </a:ln>
         </p:spPr>
-        <p:txBody>
-          <a:bodyPr lIns="0" rIns="0" tIns="0" bIns="0">
-            <a:normAutofit/>
-          </a:bodyPr>
-          <a:p>
-            <a:pPr marL="432000" indent="-324000">
+        <p:style>
+          <a:lnRef idx="0"/>
+          <a:fillRef idx="0"/>
+          <a:effectRef idx="0"/>
+          <a:fontRef idx="minor"/>
+        </p:style>
+        <p:txBody>
+          <a:bodyPr lIns="0" rIns="0" tIns="0" bIns="0">
+            <a:normAutofit/>
+          </a:bodyPr>
+          <a:p>
+            <a:pPr marL="432000" indent="-323640">
+              <a:lnSpc>
+                <a:spcPct val="100000"/>
+              </a:lnSpc>
               <a:spcBef>
                 <a:spcPts val="1417"/>
               </a:spcBef>
@@ -4511,20 +5806,82 @@
               <a:rPr b="0" lang="ru-RU" sz="3200" spc="-1" strike="noStrike">
                 <a:latin typeface="Arial"/>
               </a:rPr>
-              <a:t>(взять таблицу с </a:t>
+              <a:t>Signals and slots</a:t>
             </a:r>
-            <a:r>
-              <a:rPr b="0" lang="ru-RU" sz="3200" spc="-1" strike="noStrike">
-                <a:latin typeface="Arial"/>
-                <a:hlinkClick r:id="rId1"/>
-              </a:rPr>
-              <a:t>https://github.com/KDAB/cxx-qt#comparison-to-other-rust-qt-bindings</a:t>
-            </a:r>
+            <a:endParaRPr b="0" lang="ru-RU" sz="3200" spc="-1" strike="noStrike">
+              <a:latin typeface="Arial"/>
+            </a:endParaRPr>
+          </a:p>
+          <a:p>
+            <a:pPr marL="432000" indent="-323640">
+              <a:lnSpc>
+                <a:spcPct val="100000"/>
+              </a:lnSpc>
+              <a:spcBef>
+                <a:spcPts val="1417"/>
+              </a:spcBef>
+              <a:buClr>
+                <a:srgbClr val="000000"/>
+              </a:buClr>
+              <a:buSzPct val="45000"/>
+              <a:buFont typeface="Wingdings" charset="2"/>
+              <a:buChar char=""/>
+            </a:pPr>
             <a:r>
               <a:rPr b="0" lang="ru-RU" sz="3200" spc="-1" strike="noStrike">
                 <a:latin typeface="Arial"/>
               </a:rPr>
-              <a:t>)</a:t>
+              <a:t>Avoid blocking the UI thread with I/O or heavy calc</a:t>
+            </a:r>
+            <a:endParaRPr b="0" lang="ru-RU" sz="3200" spc="-1" strike="noStrike">
+              <a:latin typeface="Arial"/>
+            </a:endParaRPr>
+          </a:p>
+          <a:p>
+            <a:pPr marL="432000" indent="-323640">
+              <a:lnSpc>
+                <a:spcPct val="100000"/>
+              </a:lnSpc>
+              <a:spcBef>
+                <a:spcPts val="1417"/>
+              </a:spcBef>
+              <a:buClr>
+                <a:srgbClr val="000000"/>
+              </a:buClr>
+              <a:buSzPct val="45000"/>
+              <a:buFont typeface="Wingdings" charset="2"/>
+              <a:buChar char=""/>
+            </a:pPr>
+            <a:r>
+              <a:rPr b="0" lang="ru-RU" sz="3200" spc="-1" strike="noStrike">
+                <a:latin typeface="Arial"/>
+              </a:rPr>
+              <a:t>Beware of auto-drops of dynamic widgets by Rust</a:t>
+            </a:r>
+            <a:endParaRPr b="0" lang="ru-RU" sz="3200" spc="-1" strike="noStrike">
+              <a:latin typeface="Arial"/>
+            </a:endParaRPr>
+          </a:p>
+          <a:p>
+            <a:pPr marL="432000" indent="-323640">
+              <a:lnSpc>
+                <a:spcPct val="100000"/>
+              </a:lnSpc>
+              <a:spcBef>
+                <a:spcPts val="1417"/>
+              </a:spcBef>
+              <a:buClr>
+                <a:srgbClr val="000000"/>
+              </a:buClr>
+              <a:buSzPct val="45000"/>
+              <a:buFont typeface="Wingdings" charset="2"/>
+              <a:buChar char=""/>
+            </a:pPr>
+            <a:r>
+              <a:rPr b="0" lang="ru-RU" sz="3200" spc="-1" strike="noStrike">
+                <a:latin typeface="Arial"/>
+              </a:rPr>
+              <a:t>No events in Rust (e.g. closeEvent) use C++ wrappers</a:t>
             </a:r>
             <a:endParaRPr b="0" lang="ru-RU" sz="3200" spc="-1" strike="noStrike">
               <a:latin typeface="Arial"/>
@@ -4564,14 +5921,14 @@
       </p:grpSpPr>
       <p:sp>
         <p:nvSpPr>
-          <p:cNvPr id="92" name="TextShape 1"/>
-          <p:cNvSpPr txBox="1"/>
+          <p:cNvPr id="124" name="CustomShape 1"/>
+          <p:cNvSpPr/>
           <p:nvPr/>
         </p:nvSpPr>
         <p:spPr>
           <a:xfrm>
             <a:off x="504000" y="301320"/>
-            <a:ext cx="9071640" cy="1262160"/>
+            <a:ext cx="9071280" cy="1261800"/>
           </a:xfrm>
           <a:prstGeom prst="rect">
             <a:avLst/>
@@ -4581,17 +5938,27 @@
             <a:noFill/>
           </a:ln>
         </p:spPr>
+        <p:style>
+          <a:lnRef idx="0"/>
+          <a:fillRef idx="0"/>
+          <a:effectRef idx="0"/>
+          <a:fontRef idx="minor"/>
+        </p:style>
         <p:txBody>
           <a:bodyPr lIns="0" rIns="0" tIns="0" bIns="0" anchor="ctr">
             <a:noAutofit/>
           </a:bodyPr>
           <a:p>
-            <a:pPr algn="ctr"/>
+            <a:pPr algn="ctr">
+              <a:lnSpc>
+                <a:spcPct val="100000"/>
+              </a:lnSpc>
+            </a:pPr>
             <a:r>
               <a:rPr b="0" lang="ru-RU" sz="4400" spc="-1" strike="noStrike">
                 <a:latin typeface="Arial"/>
               </a:rPr>
-              <a:t>Qt and Rust basics</a:t>
+              <a:t>Organizing data flow</a:t>
             </a:r>
             <a:endParaRPr b="0" lang="ru-RU" sz="4400" spc="-1" strike="noStrike">
               <a:latin typeface="Arial"/>
@@ -4599,16 +5966,39 @@
           </a:p>
         </p:txBody>
       </p:sp>
-      <p:sp>
-        <p:nvSpPr>
-          <p:cNvPr id="93" name="TextShape 2"/>
-          <p:cNvSpPr txBox="1"/>
+      <p:pic>
+        <p:nvPicPr>
+          <p:cNvPr id="125" name="" descr=""/>
+          <p:cNvPicPr/>
           <p:nvPr/>
-        </p:nvSpPr>
-        <p:spPr>
-          <a:xfrm>
-            <a:off x="504000" y="1769040"/>
-            <a:ext cx="9071640" cy="4384440"/>
+        </p:nvPicPr>
+        <p:blipFill>
+          <a:blip r:embed="rId1"/>
+          <a:stretch/>
+        </p:blipFill>
+        <p:spPr>
+          <a:xfrm>
+            <a:off x="3312000" y="1447560"/>
+            <a:ext cx="2990520" cy="4384080"/>
+          </a:xfrm>
+          <a:prstGeom prst="rect">
+            <a:avLst/>
+          </a:prstGeom>
+          <a:ln>
+            <a:noFill/>
+          </a:ln>
+        </p:spPr>
+      </p:pic>
+      <p:sp>
+        <p:nvSpPr>
+          <p:cNvPr id="126" name="CustomShape 2"/>
+          <p:cNvSpPr/>
+          <p:nvPr/>
+        </p:nvSpPr>
+        <p:spPr>
+          <a:xfrm>
+            <a:off x="2232000" y="5328000"/>
+            <a:ext cx="6119640" cy="601920"/>
           </a:xfrm>
           <a:prstGeom prst="rect">
             <a:avLst/>
@@ -4618,95 +6008,69 @@
             <a:noFill/>
           </a:ln>
         </p:spPr>
-        <p:txBody>
-          <a:bodyPr lIns="0" rIns="0" tIns="0" bIns="0">
-            <a:normAutofit/>
-          </a:bodyPr>
-          <a:p>
-            <a:pPr marL="432000" indent="-324000">
-              <a:spcBef>
-                <a:spcPts val="1417"/>
-              </a:spcBef>
-              <a:buClr>
-                <a:srgbClr val="000000"/>
-              </a:buClr>
-              <a:buSzPct val="45000"/>
-              <a:buFont typeface="Wingdings" charset="2"/>
-              <a:buChar char=""/>
+        <p:style>
+          <a:lnRef idx="0"/>
+          <a:fillRef idx="0"/>
+          <a:effectRef idx="0"/>
+          <a:fontRef idx="minor"/>
+        </p:style>
+        <p:txBody>
+          <a:bodyPr lIns="90000" rIns="90000" tIns="45000" bIns="45000">
+            <a:noAutofit/>
+          </a:bodyPr>
+          <a:p>
+            <a:pPr>
+              <a:lnSpc>
+                <a:spcPct val="100000"/>
+              </a:lnSpc>
             </a:pPr>
             <a:r>
-              <a:rPr b="0" lang="ru-RU" sz="3200" spc="-1" strike="noStrike">
+              <a:rPr b="0" lang="ru-RU" sz="1800" spc="-1" strike="noStrike">
                 <a:latin typeface="Arial"/>
               </a:rPr>
-              <a:t>Signals and slots</a:t>
+              <a:t>Code example (Ritual): </a:t>
             </a:r>
-            <a:endParaRPr b="0" lang="ru-RU" sz="3200" spc="-1" strike="noStrike">
-              <a:latin typeface="Arial"/>
-            </a:endParaRPr>
-          </a:p>
-          <a:p>
-            <a:pPr marL="432000" indent="-324000">
-              <a:spcBef>
-                <a:spcPts val="1417"/>
-              </a:spcBef>
-              <a:buClr>
-                <a:srgbClr val="000000"/>
-              </a:buClr>
-              <a:buSzPct val="45000"/>
-              <a:buFont typeface="Wingdings" charset="2"/>
-              <a:buChar char=""/>
+            <a:r>
+              <a:rPr b="0" lang="ru-RU" sz="1800" spc="-1" strike="noStrike">
+                <a:latin typeface="Arial"/>
+                <a:hlinkClick r:id="rId2"/>
+              </a:rPr>
+              <a:t>https://github.com/divi255/qtx</a:t>
+            </a:r>
+            <a:endParaRPr b="0" lang="ru-RU" sz="1800" spc="-1" strike="noStrike">
+              <a:latin typeface="Arial"/>
+            </a:endParaRPr>
+          </a:p>
+          <a:p>
+            <a:pPr>
+              <a:lnSpc>
+                <a:spcPct val="100000"/>
+              </a:lnSpc>
             </a:pPr>
             <a:r>
-              <a:rPr b="0" lang="ru-RU" sz="3200" spc="-1" strike="noStrike">
+              <a:rPr b="0" lang="ru-RU" sz="1800" spc="-1" strike="noStrike">
                 <a:latin typeface="Arial"/>
               </a:rPr>
-              <a:t>Avoid blocking the UI thread with I/O or heavy calc</a:t>
+              <a:t>Production app example: </a:t>
             </a:r>
-            <a:endParaRPr b="0" lang="ru-RU" sz="3200" spc="-1" strike="noStrike">
-              <a:latin typeface="Arial"/>
-            </a:endParaRPr>
-          </a:p>
-          <a:p>
-            <a:pPr marL="432000" indent="-324000">
-              <a:spcBef>
-                <a:spcPts val="1417"/>
-              </a:spcBef>
-              <a:buClr>
-                <a:srgbClr val="000000"/>
-              </a:buClr>
-              <a:buSzPct val="45000"/>
-              <a:buFont typeface="Wingdings" charset="2"/>
-              <a:buChar char=""/>
+            <a:r>
+              <a:rPr b="0" lang="ru-RU" sz="1800" spc="-1" strike="noStrike">
+                <a:latin typeface="Arial"/>
+                <a:hlinkClick r:id="rId3"/>
+              </a:rPr>
+              <a:t>https://info.bma.ai/en/actual/eva4/ecmui/</a:t>
+            </a:r>
+            <a:endParaRPr b="0" lang="ru-RU" sz="1800" spc="-1" strike="noStrike">
+              <a:latin typeface="Arial"/>
+            </a:endParaRPr>
+          </a:p>
+          <a:p>
+            <a:pPr>
+              <a:lnSpc>
+                <a:spcPct val="100000"/>
+              </a:lnSpc>
             </a:pPr>
-            <a:r>
-              <a:rPr b="0" lang="ru-RU" sz="3200" spc="-1" strike="noStrike">
-                <a:latin typeface="Arial"/>
-              </a:rPr>
-              <a:t>Beware of auto-drops of dynamic widgets by Rust</a:t>
-            </a:r>
-            <a:endParaRPr b="0" lang="ru-RU" sz="3200" spc="-1" strike="noStrike">
-              <a:latin typeface="Arial"/>
-            </a:endParaRPr>
-          </a:p>
-          <a:p>
-            <a:pPr marL="432000" indent="-324000">
-              <a:spcBef>
-                <a:spcPts val="1417"/>
-              </a:spcBef>
-              <a:buClr>
-                <a:srgbClr val="000000"/>
-              </a:buClr>
-              <a:buSzPct val="45000"/>
-              <a:buFont typeface="Wingdings" charset="2"/>
-              <a:buChar char=""/>
-            </a:pPr>
-            <a:r>
-              <a:rPr b="0" lang="ru-RU" sz="3200" spc="-1" strike="noStrike">
-                <a:latin typeface="Arial"/>
-              </a:rPr>
-              <a:t>No events in Rust (e.g. closeEvent) use C++ wrappers</a:t>
-            </a:r>
-            <a:endParaRPr b="0" lang="ru-RU" sz="3200" spc="-1" strike="noStrike">
+            <a:endParaRPr b="0" lang="ru-RU" sz="1800" spc="-1" strike="noStrike">
               <a:latin typeface="Arial"/>
             </a:endParaRPr>
           </a:p>
@@ -4744,14 +6108,14 @@
       </p:grpSpPr>
       <p:sp>
         <p:nvSpPr>
-          <p:cNvPr id="94" name="TextShape 1"/>
-          <p:cNvSpPr txBox="1"/>
+          <p:cNvPr id="127" name="CustomShape 1"/>
+          <p:cNvSpPr/>
           <p:nvPr/>
         </p:nvSpPr>
         <p:spPr>
           <a:xfrm>
             <a:off x="504000" y="301320"/>
-            <a:ext cx="9071640" cy="1262160"/>
+            <a:ext cx="9071280" cy="1261800"/>
           </a:xfrm>
           <a:prstGeom prst="rect">
             <a:avLst/>
@@ -4761,17 +6125,27 @@
             <a:noFill/>
           </a:ln>
         </p:spPr>
+        <p:style>
+          <a:lnRef idx="0"/>
+          <a:fillRef idx="0"/>
+          <a:effectRef idx="0"/>
+          <a:fontRef idx="minor"/>
+        </p:style>
         <p:txBody>
           <a:bodyPr lIns="0" rIns="0" tIns="0" bIns="0" anchor="ctr">
             <a:noAutofit/>
           </a:bodyPr>
           <a:p>
-            <a:pPr algn="ctr"/>
+            <a:pPr algn="ctr">
+              <a:lnSpc>
+                <a:spcPct val="100000"/>
+              </a:lnSpc>
+            </a:pPr>
             <a:r>
               <a:rPr b="0" lang="ru-RU" sz="4400" spc="-1" strike="noStrike">
                 <a:latin typeface="Arial"/>
               </a:rPr>
-              <a:t>Organizing data flow</a:t>
+              <a:t>How to distribute apps</a:t>
             </a:r>
             <a:endParaRPr b="0" lang="ru-RU" sz="4400" spc="-1" strike="noStrike">
               <a:latin typeface="Arial"/>
@@ -4779,39 +6153,16 @@
           </a:p>
         </p:txBody>
       </p:sp>
-      <p:pic>
-        <p:nvPicPr>
-          <p:cNvPr id="95" name="" descr=""/>
-          <p:cNvPicPr/>
+      <p:sp>
+        <p:nvSpPr>
+          <p:cNvPr id="128" name="CustomShape 2"/>
+          <p:cNvSpPr/>
           <p:nvPr/>
-        </p:nvPicPr>
-        <p:blipFill>
-          <a:blip r:embed="rId1"/>
-          <a:stretch/>
-        </p:blipFill>
-        <p:spPr>
-          <a:xfrm>
-            <a:off x="3312000" y="1447560"/>
-            <a:ext cx="2990880" cy="4384440"/>
-          </a:xfrm>
-          <a:prstGeom prst="rect">
-            <a:avLst/>
-          </a:prstGeom>
-          <a:ln>
-            <a:noFill/>
-          </a:ln>
-        </p:spPr>
-      </p:pic>
-      <p:sp>
-        <p:nvSpPr>
-          <p:cNvPr id="96" name="TextShape 2"/>
-          <p:cNvSpPr txBox="1"/>
-          <p:nvPr/>
-        </p:nvSpPr>
-        <p:spPr>
-          <a:xfrm>
-            <a:off x="2232000" y="5328000"/>
-            <a:ext cx="6120000" cy="602280"/>
+        </p:nvSpPr>
+        <p:spPr>
+          <a:xfrm>
+            <a:off x="504000" y="1769040"/>
+            <a:ext cx="9071280" cy="4384080"/>
           </a:xfrm>
           <a:prstGeom prst="rect">
             <a:avLst/>
@@ -4821,18 +6172,89 @@
             <a:noFill/>
           </a:ln>
         </p:spPr>
-        <p:txBody>
-          <a:bodyPr lIns="90000" rIns="90000" tIns="45000" bIns="45000">
-            <a:noAutofit/>
-          </a:bodyPr>
-          <a:p>
+        <p:style>
+          <a:lnRef idx="0"/>
+          <a:fillRef idx="0"/>
+          <a:effectRef idx="0"/>
+          <a:fontRef idx="minor"/>
+        </p:style>
+        <p:txBody>
+          <a:bodyPr lIns="0" rIns="0" tIns="0" bIns="0">
+            <a:normAutofit/>
+          </a:bodyPr>
+          <a:p>
+            <a:pPr marL="432000" indent="-323640">
+              <a:lnSpc>
+                <a:spcPct val="100000"/>
+              </a:lnSpc>
+              <a:spcBef>
+                <a:spcPts val="1417"/>
+              </a:spcBef>
+              <a:buClr>
+                <a:srgbClr val="000000"/>
+              </a:buClr>
+              <a:buSzPct val="45000"/>
+              <a:buFont typeface="Wingdings" charset="2"/>
+              <a:buChar char=""/>
+            </a:pPr>
             <a:r>
-              <a:rPr b="0" lang="ru-RU" sz="1800" spc="-1" strike="noStrike">
+              <a:rPr b="0" lang="ru-RU" sz="3200" spc="-1" strike="noStrike">
                 <a:latin typeface="Arial"/>
               </a:rPr>
-              <a:t>Code example (Ritual): https://github.com/divi255/qtx</a:t>
+              <a:t>cargo bundle (Linux/OSX) </a:t>
             </a:r>
-            <a:endParaRPr b="0" lang="ru-RU" sz="1800" spc="-1" strike="noStrike">
+            <a:r>
+              <a:rPr b="0" lang="ru-RU" sz="3200" spc="-1" strike="noStrike" u="sng">
+                <a:solidFill>
+                  <a:srgbClr val="0000ff"/>
+                </a:solidFill>
+                <a:uFillTx/>
+                <a:latin typeface="Arial"/>
+                <a:hlinkClick r:id="rId1"/>
+              </a:rPr>
+              <a:t>https://github.com/burtonageo/cargo-bundle</a:t>
+            </a:r>
+            <a:endParaRPr b="0" lang="ru-RU" sz="3200" spc="-1" strike="noStrike">
+              <a:latin typeface="Arial"/>
+            </a:endParaRPr>
+          </a:p>
+          <a:p>
+            <a:pPr marL="432000" indent="-323640">
+              <a:lnSpc>
+                <a:spcPct val="100000"/>
+              </a:lnSpc>
+              <a:spcBef>
+                <a:spcPts val="1417"/>
+              </a:spcBef>
+              <a:buClr>
+                <a:srgbClr val="000000"/>
+              </a:buClr>
+              <a:buSzPct val="45000"/>
+              <a:buFont typeface="Wingdings" charset="2"/>
+              <a:buChar char=""/>
+            </a:pPr>
+            <a:r>
+              <a:rPr b="0" lang="ru-RU" sz="3200" spc="-1" strike="noStrike">
+                <a:solidFill>
+                  <a:srgbClr val="0000ff"/>
+                </a:solidFill>
+                <a:latin typeface="Arial"/>
+              </a:rPr>
+              <a:t>cargo wix (Windows)</a:t>
+            </a:r>
+            <a:br/>
+            <a:r>
+              <a:rPr b="0" lang="ru-RU" sz="3200" spc="-1" strike="noStrike" u="sng">
+                <a:solidFill>
+                  <a:srgbClr val="0000ff"/>
+                </a:solidFill>
+                <a:uFillTx/>
+                <a:latin typeface="Arial"/>
+                <a:hlinkClick r:id="rId2"/>
+              </a:rPr>
+              <a:t>https://github.com/volks73/cargo-wix</a:t>
+            </a:r>
+            <a:endParaRPr b="0" lang="ru-RU" sz="3200" spc="-1" strike="noStrike">
               <a:latin typeface="Arial"/>
             </a:endParaRPr>
           </a:p>
@@ -4870,14 +6292,14 @@
       </p:grpSpPr>
       <p:sp>
         <p:nvSpPr>
-          <p:cNvPr id="97" name="TextShape 1"/>
-          <p:cNvSpPr txBox="1"/>
+          <p:cNvPr id="129" name="CustomShape 1"/>
+          <p:cNvSpPr/>
           <p:nvPr/>
         </p:nvSpPr>
         <p:spPr>
           <a:xfrm>
-            <a:off x="504000" y="301320"/>
-            <a:ext cx="9071640" cy="1262160"/>
+            <a:off x="2376000" y="3168000"/>
+            <a:ext cx="7199280" cy="1261800"/>
           </a:xfrm>
           <a:prstGeom prst="rect">
             <a:avLst/>
@@ -4887,163 +6309,22 @@
             <a:noFill/>
           </a:ln>
         </p:spPr>
+        <p:style>
+          <a:lnRef idx="0"/>
+          <a:fillRef idx="0"/>
+          <a:effectRef idx="0"/>
+          <a:fontRef idx="minor"/>
+        </p:style>
         <p:txBody>
           <a:bodyPr lIns="0" rIns="0" tIns="0" bIns="0" anchor="ctr">
             <a:noAutofit/>
           </a:bodyPr>
           <a:p>
-            <a:pPr algn="ctr"/>
-            <a:r>
-              <a:rPr b="0" lang="ru-RU" sz="4400" spc="-1" strike="noStrike">
-                <a:latin typeface="Arial"/>
-              </a:rPr>
-              <a:t>How to distribute apps</a:t>
-            </a:r>
-            <a:endParaRPr b="0" lang="ru-RU" sz="4400" spc="-1" strike="noStrike">
-              <a:latin typeface="Arial"/>
-            </a:endParaRPr>
-          </a:p>
-        </p:txBody>
-      </p:sp>
-      <p:sp>
-        <p:nvSpPr>
-          <p:cNvPr id="98" name="TextShape 2"/>
-          <p:cNvSpPr txBox="1"/>
-          <p:nvPr/>
-        </p:nvSpPr>
-        <p:spPr>
-          <a:xfrm>
-            <a:off x="504000" y="1769040"/>
-            <a:ext cx="9071640" cy="4384440"/>
-          </a:xfrm>
-          <a:prstGeom prst="rect">
-            <a:avLst/>
-          </a:prstGeom>
-          <a:noFill/>
-          <a:ln>
-            <a:noFill/>
-          </a:ln>
-        </p:spPr>
-        <p:txBody>
-          <a:bodyPr lIns="0" rIns="0" tIns="0" bIns="0">
-            <a:normAutofit/>
-          </a:bodyPr>
-          <a:p>
-            <a:pPr marL="432000" indent="-324000">
-              <a:spcBef>
-                <a:spcPts val="1417"/>
-              </a:spcBef>
-              <a:buClr>
-                <a:srgbClr val="000000"/>
-              </a:buClr>
-              <a:buSzPct val="45000"/>
-              <a:buFont typeface="Wingdings" charset="2"/>
-              <a:buChar char=""/>
+            <a:pPr algn="ctr">
+              <a:lnSpc>
+                <a:spcPct val="100000"/>
+              </a:lnSpc>
             </a:pPr>
-            <a:r>
-              <a:rPr b="0" lang="ru-RU" sz="3200" spc="-1" strike="noStrike">
-                <a:latin typeface="Arial"/>
-              </a:rPr>
-              <a:t>cargo bundle (Linux/OSX) </a:t>
-            </a:r>
-            <a:r>
-              <a:rPr b="0" lang="ru-RU" sz="3200" spc="-1" strike="noStrike">
-                <a:latin typeface="Arial"/>
-                <a:hlinkClick r:id="rId1"/>
-              </a:rPr>
-              <a:t>https://github.com/burtonageo/cargo-bundle</a:t>
-            </a:r>
-            <a:endParaRPr b="0" lang="ru-RU" sz="3200" spc="-1" strike="noStrike">
-              <a:latin typeface="Arial"/>
-            </a:endParaRPr>
-          </a:p>
-          <a:p>
-            <a:pPr marL="432000" indent="-324000">
-              <a:spcBef>
-                <a:spcPts val="1417"/>
-              </a:spcBef>
-              <a:buClr>
-                <a:srgbClr val="000000"/>
-              </a:buClr>
-              <a:buSzPct val="45000"/>
-              <a:buFont typeface="Wingdings" charset="2"/>
-              <a:buChar char=""/>
-            </a:pPr>
-            <a:r>
-              <a:rPr b="0" lang="ru-RU" sz="3200" spc="-1" strike="noStrike">
-                <a:latin typeface="Arial"/>
-              </a:rPr>
-              <a:t>cargo wix (Windows)</a:t>
-            </a:r>
-            <a:br/>
-            <a:r>
-              <a:rPr b="0" lang="ru-RU" sz="3200" spc="-1" strike="noStrike">
-                <a:latin typeface="Arial"/>
-                <a:hlinkClick r:id="rId2"/>
-              </a:rPr>
-              <a:t>https://github.com/volks73/cargo-wix</a:t>
-            </a:r>
-            <a:endParaRPr b="0" lang="ru-RU" sz="3200" spc="-1" strike="noStrike">
-              <a:latin typeface="Arial"/>
-            </a:endParaRPr>
-          </a:p>
-        </p:txBody>
-      </p:sp>
-    </p:spTree>
-  </p:cSld>
-  <mc:AlternateContent>
-    <mc:Choice Requires="p14">
-      <p:transition spd="slow" p14:dur="2000"/>
-    </mc:Choice>
-    <mc:Fallback>
-      <p:transition spd="slow"/>
-    </mc:Fallback>
-  </mc:AlternateContent>
-</p:sld>
-</file>
-
-<file path=ppt/slides/slide9.xml><?xml version="1.0" encoding="utf-8"?>
-<p:sld xmlns:a="http://schemas.openxmlformats.org/drawingml/2006/main" xmlns:p="http://schemas.openxmlformats.org/presentationml/2006/main" xmlns:r="http://schemas.openxmlformats.org/officeDocument/2006/relationships" xmlns:p14="http://schemas.microsoft.com/office/powerpoint/2010/main" xmlns:p15="http://schemas.microsoft.com/office/powerpoint/2012/main" xmlns:mc="http://schemas.openxmlformats.org/markup-compatibility/2006">
-  <p:cSld>
-    <p:spTree>
-      <p:nvGrpSpPr>
-        <p:cNvPr id="1" name=""/>
-        <p:cNvGrpSpPr/>
-        <p:nvPr/>
-      </p:nvGrpSpPr>
-      <p:grpSpPr>
-        <a:xfrm>
-          <a:off x="0" y="0"/>
-          <a:ext cx="0" cy="0"/>
-          <a:chOff x="0" y="0"/>
-          <a:chExt cx="0" cy="0"/>
-        </a:xfrm>
-      </p:grpSpPr>
-      <p:sp>
-        <p:nvSpPr>
-          <p:cNvPr id="99" name="TextShape 1"/>
-          <p:cNvSpPr txBox="1"/>
-          <p:nvPr/>
-        </p:nvSpPr>
-        <p:spPr>
-          <a:xfrm>
-            <a:off x="2376000" y="3168000"/>
-            <a:ext cx="7199640" cy="1262160"/>
-          </a:xfrm>
-          <a:prstGeom prst="rect">
-            <a:avLst/>
-          </a:prstGeom>
-          <a:noFill/>
-          <a:ln>
-            <a:noFill/>
-          </a:ln>
-        </p:spPr>
-        <p:txBody>
-          <a:bodyPr lIns="0" rIns="0" tIns="0" bIns="0" anchor="ctr">
-            <a:noAutofit/>
-          </a:bodyPr>
-          <a:p>
-            <a:pPr algn="ctr"/>
             <a:r>
               <a:rPr b="0" lang="en-US" sz="2200" spc="-1" strike="noStrike">
                 <a:solidFill>
@@ -5054,9 +6335,6 @@
               <a:t>Thank you for watching!</a:t>
             </a:r>
             <a:endParaRPr b="0" lang="ru-RU" sz="2200" spc="-1" strike="noStrike">
-              <a:solidFill>
-                <a:srgbClr val="ffffff"/>
-              </a:solidFill>
               <a:latin typeface="Arial"/>
             </a:endParaRPr>
           </a:p>
@@ -5525,4 +6803,230 @@
     </a:fmtScheme>
   </a:themeElements>
 </a:theme>
+</file>
+
+<file path=ppt/theme/theme3.xml><?xml version="1.0" encoding="utf-8"?>
+<a:theme xmlns:a="http://schemas.openxmlformats.org/drawingml/2006/main" name="Office Theme">
+  <a:themeElements>
+    <a:clrScheme name="Office">
+      <a:dk1>
+        <a:sysClr val="windowText" lastClr="000000"/>
+      </a:dk1>
+      <a:lt1>
+        <a:sysClr val="window" lastClr="FFFFFF"/>
+      </a:lt1>
+      <a:dk2>
+        <a:srgbClr val="1f497d"/>
+      </a:dk2>
+      <a:lt2>
+        <a:srgbClr val="eeece1"/>
+      </a:lt2>
+      <a:accent1>
+        <a:srgbClr val="4f81bd"/>
+      </a:accent1>
+      <a:accent2>
+        <a:srgbClr val="c0504d"/>
+      </a:accent2>
+      <a:accent3>
+        <a:srgbClr val="9bbb59"/>
+      </a:accent3>
+      <a:accent4>
+        <a:srgbClr val="8064a2"/>
+      </a:accent4>
+      <a:accent5>
+        <a:srgbClr val="4bacc6"/>
+      </a:accent5>
+      <a:accent6>
+        <a:srgbClr val="f79646"/>
+      </a:accent6>
+      <a:hlink>
+        <a:srgbClr val="0000ff"/>
+      </a:hlink>
+      <a:folHlink>
+        <a:srgbClr val="800080"/>
+      </a:folHlink>
+    </a:clrScheme>
+    <a:fontScheme name="Office">
+      <a:majorFont>
+        <a:latin typeface="Arial"/>
+        <a:ea typeface="DejaVu Sans"/>
+        <a:cs typeface="DejaVu Sans"/>
+      </a:majorFont>
+      <a:minorFont>
+        <a:latin typeface="Arial"/>
+        <a:ea typeface="DejaVu Sans"/>
+        <a:cs typeface="DejaVu Sans"/>
+      </a:minorFont>
+    </a:fontScheme>
+    <a:fmtScheme name="Office">
+      <a:fillStyleLst>
+        <a:solidFill>
+          <a:schemeClr val="phClr"/>
+        </a:solidFill>
+        <a:gradFill rotWithShape="1">
+          <a:gsLst>
+            <a:gs pos="0">
+              <a:schemeClr val="phClr">
+                <a:tint val="50000"/>
+                <a:satMod val="300000"/>
+              </a:schemeClr>
+            </a:gs>
+            <a:gs pos="35000">
+              <a:schemeClr val="phClr">
+                <a:tint val="37000"/>
+                <a:satMod val="300000"/>
+              </a:schemeClr>
+            </a:gs>
+            <a:gs pos="100000">
+              <a:schemeClr val="phClr">
+                <a:tint val="15000"/>
+                <a:satMod val="350000"/>
+              </a:schemeClr>
+            </a:gs>
+          </a:gsLst>
+          <a:lin ang="16200000" scaled="1"/>
+        </a:gradFill>
+        <a:gradFill rotWithShape="1">
+          <a:gsLst>
+            <a:gs pos="0">
+              <a:schemeClr val="phClr">
+                <a:shade val="51000"/>
+                <a:satMod val="130000"/>
+              </a:schemeClr>
+            </a:gs>
+            <a:gs pos="80000">
+              <a:schemeClr val="phClr">
+                <a:shade val="93000"/>
+                <a:satMod val="130000"/>
+              </a:schemeClr>
+            </a:gs>
+            <a:gs pos="100000">
+              <a:schemeClr val="phClr">
+                <a:shade val="94000"/>
+                <a:satMod val="135000"/>
+              </a:schemeClr>
+            </a:gs>
+          </a:gsLst>
+          <a:lin ang="16200000" scaled="0"/>
+        </a:gradFill>
+      </a:fillStyleLst>
+      <a:lnStyleLst>
+        <a:ln w="9525" cap="flat" cmpd="sng" algn="ctr">
+          <a:solidFill>
+            <a:schemeClr val="phClr">
+              <a:shade val="95000"/>
+              <a:satMod val="105000"/>
+            </a:schemeClr>
+          </a:solidFill>
+          <a:prstDash val="solid"/>
+          <a:miter/>
+        </a:ln>
+        <a:ln w="25400" cap="flat" cmpd="sng" algn="ctr">
+          <a:solidFill>
+            <a:schemeClr val="phClr"/>
+          </a:solidFill>
+          <a:prstDash val="solid"/>
+          <a:miter/>
+        </a:ln>
+        <a:ln w="38100" cap="flat" cmpd="sng" algn="ctr">
+          <a:solidFill>
+            <a:schemeClr val="phClr"/>
+          </a:solidFill>
+          <a:prstDash val="solid"/>
+          <a:miter/>
+        </a:ln>
+      </a:lnStyleLst>
+      <a:effectStyleLst>
+        <a:effectStyle>
+          <a:effectLst>
+            <a:outerShdw blurRad="40000" dist="20000" dir="5400000" rotWithShape="0">
+              <a:srgbClr val="000000">
+                <a:alpha val="38000"/>
+              </a:srgbClr>
+            </a:outerShdw>
+          </a:effectLst>
+        </a:effectStyle>
+        <a:effectStyle>
+          <a:effectLst>
+            <a:outerShdw blurRad="40000" dist="23000" dir="5400000" rotWithShape="0">
+              <a:srgbClr val="000000">
+                <a:alpha val="35000"/>
+              </a:srgbClr>
+            </a:outerShdw>
+          </a:effectLst>
+        </a:effectStyle>
+        <a:effectStyle>
+          <a:effectLst>
+            <a:outerShdw blurRad="40000" dist="23000" dir="5400000" rotWithShape="0">
+              <a:srgbClr val="000000">
+                <a:alpha val="35000"/>
+              </a:srgbClr>
+            </a:outerShdw>
+          </a:effectLst>
+          <a:scene3d>
+            <a:camera prst="orthographicFront">
+              <a:rot lat="0" lon="0" rev="0"/>
+            </a:camera>
+            <a:lightRig rig="threePt" dir="t">
+              <a:rot lat="0" lon="0" rev="1200000"/>
+            </a:lightRig>
+          </a:scene3d>
+          <a:sp3d>
+            <a:bevelT w="63500" h="25400"/>
+          </a:sp3d>
+        </a:effectStyle>
+      </a:effectStyleLst>
+      <a:bgFillStyleLst>
+        <a:solidFill>
+          <a:schemeClr val="phClr"/>
+        </a:solidFill>
+        <a:gradFill rotWithShape="1">
+          <a:gsLst>
+            <a:gs pos="0">
+              <a:schemeClr val="phClr">
+                <a:tint val="40000"/>
+                <a:satMod val="350000"/>
+              </a:schemeClr>
+            </a:gs>
+            <a:gs pos="40000">
+              <a:schemeClr val="phClr">
+                <a:tint val="45000"/>
+                <a:shade val="99000"/>
+                <a:satMod val="350000"/>
+              </a:schemeClr>
+            </a:gs>
+            <a:gs pos="100000">
+              <a:schemeClr val="phClr">
+                <a:shade val="20000"/>
+                <a:satMod val="255000"/>
+              </a:schemeClr>
+            </a:gs>
+          </a:gsLst>
+          <a:path path="circle">
+            <a:fillToRect l="50000" t="-80000" r="50000" b="180000"/>
+          </a:path>
+        </a:gradFill>
+        <a:gradFill rotWithShape="1">
+          <a:gsLst>
+            <a:gs pos="0">
+              <a:schemeClr val="phClr">
+                <a:tint val="80000"/>
+                <a:satMod val="300000"/>
+              </a:schemeClr>
+            </a:gs>
+            <a:gs pos="100000">
+              <a:schemeClr val="phClr">
+                <a:shade val="30000"/>
+                <a:satMod val="200000"/>
+              </a:schemeClr>
+            </a:gs>
+          </a:gsLst>
+          <a:path path="circle">
+            <a:fillToRect l="50000" t="50000" r="50000" b="50000"/>
+          </a:path>
+        </a:gradFill>
+      </a:bgFillStyleLst>
+    </a:fmtScheme>
+  </a:themeElements>
+</a:theme>
 </file>